--- a/introduction to JS/javascript basic.pptx
+++ b/introduction to JS/javascript basic.pptx
@@ -111,6 +111,11 @@
       </a:defRPr>
     </a:lvl9pPr>
   </p:defaultTextStyle>
+  <p:extLst>
+    <p:ext uri="{EFAFB233-063F-42B5-8137-9DF3F51BA10A}">
+      <p15:sldGuideLst xmlns:p15="http://schemas.microsoft.com/office/powerpoint/2012/main"/>
+    </p:ext>
+  </p:extLst>
 </p:presentation>
 </file>
 
@@ -5495,6 +5500,45 @@
           </a:prstGeom>
         </p:spPr>
       </p:pic>
+      <p:sp>
+        <p:nvSpPr>
+          <p:cNvPr id="6" name="TextBox 5">
+            <a:extLst>
+              <a:ext uri="{FF2B5EF4-FFF2-40B4-BE49-F238E27FC236}">
+                <a16:creationId xmlns:a16="http://schemas.microsoft.com/office/drawing/2014/main" id="{3CE32911-57FB-19EF-8BF1-E4A84CB56ED9}"/>
+              </a:ext>
+            </a:extLst>
+          </p:cNvPr>
+          <p:cNvSpPr txBox="1"/>
+          <p:nvPr/>
+        </p:nvSpPr>
+        <p:spPr>
+          <a:xfrm>
+            <a:off x="4527369" y="3194693"/>
+            <a:ext cx="7973961" cy="369332"/>
+          </a:xfrm>
+          <a:prstGeom prst="rect">
+            <a:avLst/>
+          </a:prstGeom>
+          <a:noFill/>
+        </p:spPr>
+        <p:txBody>
+          <a:bodyPr wrap="square" rtlCol="0">
+            <a:spAutoFit/>
+          </a:bodyPr>
+          <a:lstStyle/>
+          <a:p>
+            <a:r>
+              <a:rPr lang="en-US" dirty="0">
+                <a:highlight>
+                  <a:srgbClr val="FFFF00"/>
+                </a:highlight>
+              </a:rPr>
+              <a:t>Code in try after throw new error will not be executed; it will go to catch instead</a:t>
+            </a:r>
+          </a:p>
+        </p:txBody>
+      </p:sp>
     </p:spTree>
     <p:extLst>
       <p:ext uri="{BB962C8B-B14F-4D97-AF65-F5344CB8AC3E}">

--- a/introduction to JS/javascript basic.pptx
+++ b/introduction to JS/javascript basic.pptx
@@ -13,6 +13,7 @@
     <p:sldId id="261" r:id="rId7"/>
     <p:sldId id="262" r:id="rId8"/>
     <p:sldId id="263" r:id="rId9"/>
+    <p:sldId id="264" r:id="rId10"/>
   </p:sldIdLst>
   <p:sldSz cx="12192000" cy="6858000"/>
   <p:notesSz cx="6858000" cy="9144000"/>
@@ -266,7 +267,7 @@
           <a:p>
             <a:fld id="{2E7F67CF-989E-474E-9B8A-E7CF5F77766D}" type="datetimeFigureOut">
               <a:rPr lang="en-US" smtClean="0"/>
-              <a:t>5/20/2024</a:t>
+              <a:t>5/21/2024</a:t>
             </a:fld>
             <a:endParaRPr lang="en-US"/>
           </a:p>
@@ -464,7 +465,7 @@
           <a:p>
             <a:fld id="{2E7F67CF-989E-474E-9B8A-E7CF5F77766D}" type="datetimeFigureOut">
               <a:rPr lang="en-US" smtClean="0"/>
-              <a:t>5/20/2024</a:t>
+              <a:t>5/21/2024</a:t>
             </a:fld>
             <a:endParaRPr lang="en-US"/>
           </a:p>
@@ -672,7 +673,7 @@
           <a:p>
             <a:fld id="{2E7F67CF-989E-474E-9B8A-E7CF5F77766D}" type="datetimeFigureOut">
               <a:rPr lang="en-US" smtClean="0"/>
-              <a:t>5/20/2024</a:t>
+              <a:t>5/21/2024</a:t>
             </a:fld>
             <a:endParaRPr lang="en-US"/>
           </a:p>
@@ -870,7 +871,7 @@
           <a:p>
             <a:fld id="{2E7F67CF-989E-474E-9B8A-E7CF5F77766D}" type="datetimeFigureOut">
               <a:rPr lang="en-US" smtClean="0"/>
-              <a:t>5/20/2024</a:t>
+              <a:t>5/21/2024</a:t>
             </a:fld>
             <a:endParaRPr lang="en-US"/>
           </a:p>
@@ -1145,7 +1146,7 @@
           <a:p>
             <a:fld id="{2E7F67CF-989E-474E-9B8A-E7CF5F77766D}" type="datetimeFigureOut">
               <a:rPr lang="en-US" smtClean="0"/>
-              <a:t>5/20/2024</a:t>
+              <a:t>5/21/2024</a:t>
             </a:fld>
             <a:endParaRPr lang="en-US"/>
           </a:p>
@@ -1410,7 +1411,7 @@
           <a:p>
             <a:fld id="{2E7F67CF-989E-474E-9B8A-E7CF5F77766D}" type="datetimeFigureOut">
               <a:rPr lang="en-US" smtClean="0"/>
-              <a:t>5/20/2024</a:t>
+              <a:t>5/21/2024</a:t>
             </a:fld>
             <a:endParaRPr lang="en-US"/>
           </a:p>
@@ -1822,7 +1823,7 @@
           <a:p>
             <a:fld id="{2E7F67CF-989E-474E-9B8A-E7CF5F77766D}" type="datetimeFigureOut">
               <a:rPr lang="en-US" smtClean="0"/>
-              <a:t>5/20/2024</a:t>
+              <a:t>5/21/2024</a:t>
             </a:fld>
             <a:endParaRPr lang="en-US"/>
           </a:p>
@@ -1963,7 +1964,7 @@
           <a:p>
             <a:fld id="{2E7F67CF-989E-474E-9B8A-E7CF5F77766D}" type="datetimeFigureOut">
               <a:rPr lang="en-US" smtClean="0"/>
-              <a:t>5/20/2024</a:t>
+              <a:t>5/21/2024</a:t>
             </a:fld>
             <a:endParaRPr lang="en-US"/>
           </a:p>
@@ -2076,7 +2077,7 @@
           <a:p>
             <a:fld id="{2E7F67CF-989E-474E-9B8A-E7CF5F77766D}" type="datetimeFigureOut">
               <a:rPr lang="en-US" smtClean="0"/>
-              <a:t>5/20/2024</a:t>
+              <a:t>5/21/2024</a:t>
             </a:fld>
             <a:endParaRPr lang="en-US"/>
           </a:p>
@@ -2387,7 +2388,7 @@
           <a:p>
             <a:fld id="{2E7F67CF-989E-474E-9B8A-E7CF5F77766D}" type="datetimeFigureOut">
               <a:rPr lang="en-US" smtClean="0"/>
-              <a:t>5/20/2024</a:t>
+              <a:t>5/21/2024</a:t>
             </a:fld>
             <a:endParaRPr lang="en-US"/>
           </a:p>
@@ -2675,7 +2676,7 @@
           <a:p>
             <a:fld id="{2E7F67CF-989E-474E-9B8A-E7CF5F77766D}" type="datetimeFigureOut">
               <a:rPr lang="en-US" smtClean="0"/>
-              <a:t>5/20/2024</a:t>
+              <a:t>5/21/2024</a:t>
             </a:fld>
             <a:endParaRPr lang="en-US"/>
           </a:p>
@@ -2916,7 +2917,7 @@
           <a:p>
             <a:fld id="{2E7F67CF-989E-474E-9B8A-E7CF5F77766D}" type="datetimeFigureOut">
               <a:rPr lang="en-US" smtClean="0"/>
-              <a:t>5/20/2024</a:t>
+              <a:t>5/21/2024</a:t>
             </a:fld>
             <a:endParaRPr lang="en-US"/>
           </a:p>
@@ -5669,6 +5670,136 @@
     <p:extLst>
       <p:ext uri="{BB962C8B-B14F-4D97-AF65-F5344CB8AC3E}">
         <p14:creationId xmlns:p14="http://schemas.microsoft.com/office/powerpoint/2010/main" val="887755485"/>
+      </p:ext>
+    </p:extLst>
+  </p:cSld>
+  <p:clrMapOvr>
+    <a:masterClrMapping/>
+  </p:clrMapOvr>
+</p:sld>
+</file>
+
+<file path=ppt/slides/slide9.xml><?xml version="1.0" encoding="utf-8"?>
+<p:sld xmlns:a="http://schemas.openxmlformats.org/drawingml/2006/main" xmlns:r="http://schemas.openxmlformats.org/officeDocument/2006/relationships" xmlns:p="http://schemas.openxmlformats.org/presentationml/2006/main">
+  <p:cSld>
+    <p:spTree>
+      <p:nvGrpSpPr>
+        <p:cNvPr id="1" name=""/>
+        <p:cNvGrpSpPr/>
+        <p:nvPr/>
+      </p:nvGrpSpPr>
+      <p:grpSpPr>
+        <a:xfrm>
+          <a:off x="0" y="0"/>
+          <a:ext cx="0" cy="0"/>
+          <a:chOff x="0" y="0"/>
+          <a:chExt cx="0" cy="0"/>
+        </a:xfrm>
+      </p:grpSpPr>
+      <p:sp>
+        <p:nvSpPr>
+          <p:cNvPr id="2" name="Title 1">
+            <a:extLst>
+              <a:ext uri="{FF2B5EF4-FFF2-40B4-BE49-F238E27FC236}">
+                <a16:creationId xmlns:a16="http://schemas.microsoft.com/office/drawing/2014/main" id="{F5B5CC23-4E2C-D3E7-9135-72962EF377FA}"/>
+              </a:ext>
+            </a:extLst>
+          </p:cNvPr>
+          <p:cNvSpPr>
+            <a:spLocks noGrp="1"/>
+          </p:cNvSpPr>
+          <p:nvPr>
+            <p:ph type="title"/>
+          </p:nvPr>
+        </p:nvSpPr>
+        <p:spPr/>
+        <p:txBody>
+          <a:bodyPr/>
+          <a:lstStyle/>
+          <a:p>
+            <a:r>
+              <a:rPr lang="en-US" dirty="0"/>
+              <a:t>Var let const</a:t>
+            </a:r>
+          </a:p>
+        </p:txBody>
+      </p:sp>
+      <p:pic>
+        <p:nvPicPr>
+          <p:cNvPr id="5" name="Picture 4" descr="A white background with black text&#10;&#10;Description automatically generated">
+            <a:extLst>
+              <a:ext uri="{FF2B5EF4-FFF2-40B4-BE49-F238E27FC236}">
+                <a16:creationId xmlns:a16="http://schemas.microsoft.com/office/drawing/2014/main" id="{F2DA1ABD-8CB5-C460-8CED-5C2AC3E0B211}"/>
+              </a:ext>
+            </a:extLst>
+          </p:cNvPr>
+          <p:cNvPicPr>
+            <a:picLocks noChangeAspect="1"/>
+          </p:cNvPicPr>
+          <p:nvPr/>
+        </p:nvPicPr>
+        <p:blipFill>
+          <a:blip r:embed="rId2">
+            <a:extLst>
+              <a:ext uri="{28A0092B-C50C-407E-A947-70E740481C1C}">
+                <a14:useLocalDpi xmlns:a14="http://schemas.microsoft.com/office/drawing/2010/main" val="0"/>
+              </a:ext>
+            </a:extLst>
+          </a:blip>
+          <a:stretch>
+            <a:fillRect/>
+          </a:stretch>
+        </p:blipFill>
+        <p:spPr>
+          <a:xfrm>
+            <a:off x="838200" y="2045110"/>
+            <a:ext cx="5222079" cy="3602169"/>
+          </a:xfrm>
+          <a:prstGeom prst="rect">
+            <a:avLst/>
+          </a:prstGeom>
+        </p:spPr>
+      </p:pic>
+      <p:pic>
+        <p:nvPicPr>
+          <p:cNvPr id="7" name="Picture 6" descr="A line with black text&#10;&#10;Description automatically generated">
+            <a:extLst>
+              <a:ext uri="{FF2B5EF4-FFF2-40B4-BE49-F238E27FC236}">
+                <a16:creationId xmlns:a16="http://schemas.microsoft.com/office/drawing/2014/main" id="{9B35A8A2-E35E-958D-B2AF-3412E9F756F5}"/>
+              </a:ext>
+            </a:extLst>
+          </p:cNvPr>
+          <p:cNvPicPr>
+            <a:picLocks noChangeAspect="1"/>
+          </p:cNvPicPr>
+          <p:nvPr/>
+        </p:nvPicPr>
+        <p:blipFill>
+          <a:blip r:embed="rId3">
+            <a:extLst>
+              <a:ext uri="{28A0092B-C50C-407E-A947-70E740481C1C}">
+                <a14:useLocalDpi xmlns:a14="http://schemas.microsoft.com/office/drawing/2010/main" val="0"/>
+              </a:ext>
+            </a:extLst>
+          </a:blip>
+          <a:stretch>
+            <a:fillRect/>
+          </a:stretch>
+        </p:blipFill>
+        <p:spPr>
+          <a:xfrm>
+            <a:off x="6100794" y="1690687"/>
+            <a:ext cx="5798410" cy="4662721"/>
+          </a:xfrm>
+          <a:prstGeom prst="rect">
+            <a:avLst/>
+          </a:prstGeom>
+        </p:spPr>
+      </p:pic>
+    </p:spTree>
+    <p:extLst>
+      <p:ext uri="{BB962C8B-B14F-4D97-AF65-F5344CB8AC3E}">
+        <p14:creationId xmlns:p14="http://schemas.microsoft.com/office/powerpoint/2010/main" val="2292441708"/>
       </p:ext>
     </p:extLst>
   </p:cSld>

--- a/introduction to JS/javascript basic.pptx
+++ b/introduction to JS/javascript basic.pptx
@@ -14,6 +14,12 @@
     <p:sldId id="262" r:id="rId8"/>
     <p:sldId id="263" r:id="rId9"/>
     <p:sldId id="264" r:id="rId10"/>
+    <p:sldId id="265" r:id="rId11"/>
+    <p:sldId id="266" r:id="rId12"/>
+    <p:sldId id="267" r:id="rId13"/>
+    <p:sldId id="268" r:id="rId14"/>
+    <p:sldId id="269" r:id="rId15"/>
+    <p:sldId id="270" r:id="rId16"/>
   </p:sldIdLst>
   <p:sldSz cx="12192000" cy="6858000"/>
   <p:notesSz cx="6858000" cy="9144000"/>
@@ -3388,6 +3394,1550 @@
     <p:extLst>
       <p:ext uri="{BB962C8B-B14F-4D97-AF65-F5344CB8AC3E}">
         <p14:creationId xmlns:p14="http://schemas.microsoft.com/office/powerpoint/2010/main" val="4199851675"/>
+      </p:ext>
+    </p:extLst>
+  </p:cSld>
+  <p:clrMapOvr>
+    <a:masterClrMapping/>
+  </p:clrMapOvr>
+</p:sld>
+</file>
+
+<file path=ppt/slides/slide10.xml><?xml version="1.0" encoding="utf-8"?>
+<p:sld xmlns:a="http://schemas.openxmlformats.org/drawingml/2006/main" xmlns:r="http://schemas.openxmlformats.org/officeDocument/2006/relationships" xmlns:p="http://schemas.openxmlformats.org/presentationml/2006/main">
+  <p:cSld>
+    <p:spTree>
+      <p:nvGrpSpPr>
+        <p:cNvPr id="1" name=""/>
+        <p:cNvGrpSpPr/>
+        <p:nvPr/>
+      </p:nvGrpSpPr>
+      <p:grpSpPr>
+        <a:xfrm>
+          <a:off x="0" y="0"/>
+          <a:ext cx="0" cy="0"/>
+          <a:chOff x="0" y="0"/>
+          <a:chExt cx="0" cy="0"/>
+        </a:xfrm>
+      </p:grpSpPr>
+      <p:sp>
+        <p:nvSpPr>
+          <p:cNvPr id="2" name="Title 1">
+            <a:extLst>
+              <a:ext uri="{FF2B5EF4-FFF2-40B4-BE49-F238E27FC236}">
+                <a16:creationId xmlns:a16="http://schemas.microsoft.com/office/drawing/2014/main" id="{5B64DCE3-E120-6072-94A3-B1E0199952F6}"/>
+              </a:ext>
+            </a:extLst>
+          </p:cNvPr>
+          <p:cNvSpPr>
+            <a:spLocks noGrp="1"/>
+          </p:cNvSpPr>
+          <p:nvPr>
+            <p:ph type="title"/>
+          </p:nvPr>
+        </p:nvSpPr>
+        <p:spPr/>
+        <p:txBody>
+          <a:bodyPr/>
+          <a:lstStyle/>
+          <a:p>
+            <a:r>
+              <a:rPr lang="en-US" dirty="0"/>
+              <a:t>OOP</a:t>
+            </a:r>
+          </a:p>
+        </p:txBody>
+      </p:sp>
+      <p:sp>
+        <p:nvSpPr>
+          <p:cNvPr id="3" name="Content Placeholder 2">
+            <a:extLst>
+              <a:ext uri="{FF2B5EF4-FFF2-40B4-BE49-F238E27FC236}">
+                <a16:creationId xmlns:a16="http://schemas.microsoft.com/office/drawing/2014/main" id="{5418698D-A20B-58AE-E3C9-752781C0C071}"/>
+              </a:ext>
+            </a:extLst>
+          </p:cNvPr>
+          <p:cNvSpPr>
+            <a:spLocks noGrp="1"/>
+          </p:cNvSpPr>
+          <p:nvPr>
+            <p:ph idx="1"/>
+          </p:nvPr>
+        </p:nvSpPr>
+        <p:spPr/>
+        <p:txBody>
+          <a:bodyPr/>
+          <a:lstStyle/>
+          <a:p>
+            <a:r>
+              <a:rPr lang="en-US" b="0" i="0" dirty="0">
+                <a:solidFill>
+                  <a:srgbClr val="1F1F1F"/>
+                </a:solidFill>
+                <a:effectLst/>
+                <a:highlight>
+                  <a:srgbClr val="FFFFFF"/>
+                </a:highlight>
+                <a:latin typeface="Source Sans Pro" panose="020B0503030403020204" pitchFamily="34" charset="0"/>
+              </a:rPr>
+              <a:t>Inheritance</a:t>
+            </a:r>
+          </a:p>
+          <a:p>
+            <a:r>
+              <a:rPr lang="en-US" b="0" i="0" dirty="0">
+                <a:solidFill>
+                  <a:srgbClr val="1F1F1F"/>
+                </a:solidFill>
+                <a:effectLst/>
+                <a:highlight>
+                  <a:srgbClr val="FFFFFF"/>
+                </a:highlight>
+                <a:latin typeface="Source Sans Pro" panose="020B0503030403020204" pitchFamily="34" charset="0"/>
+              </a:rPr>
+              <a:t>Encapsulation</a:t>
+            </a:r>
+          </a:p>
+          <a:p>
+            <a:r>
+              <a:rPr lang="en-US" b="0" i="0" dirty="0">
+                <a:solidFill>
+                  <a:srgbClr val="1F1F1F"/>
+                </a:solidFill>
+                <a:effectLst/>
+                <a:highlight>
+                  <a:srgbClr val="FFFFFF"/>
+                </a:highlight>
+                <a:latin typeface="Source Sans Pro" panose="020B0503030403020204" pitchFamily="34" charset="0"/>
+              </a:rPr>
+              <a:t>Abstraction</a:t>
+            </a:r>
+          </a:p>
+          <a:p>
+            <a:r>
+              <a:rPr lang="en-US" b="0" i="0" dirty="0">
+                <a:solidFill>
+                  <a:srgbClr val="1F1F1F"/>
+                </a:solidFill>
+                <a:effectLst/>
+                <a:highlight>
+                  <a:srgbClr val="FFFFFF"/>
+                </a:highlight>
+                <a:latin typeface="Source Sans Pro" panose="020B0503030403020204" pitchFamily="34" charset="0"/>
+              </a:rPr>
+              <a:t>polymorphism</a:t>
+            </a:r>
+            <a:endParaRPr lang="en-US" dirty="0"/>
+          </a:p>
+        </p:txBody>
+      </p:sp>
+    </p:spTree>
+    <p:extLst>
+      <p:ext uri="{BB962C8B-B14F-4D97-AF65-F5344CB8AC3E}">
+        <p14:creationId xmlns:p14="http://schemas.microsoft.com/office/powerpoint/2010/main" val="4126328638"/>
+      </p:ext>
+    </p:extLst>
+  </p:cSld>
+  <p:clrMapOvr>
+    <a:masterClrMapping/>
+  </p:clrMapOvr>
+</p:sld>
+</file>
+
+<file path=ppt/slides/slide11.xml><?xml version="1.0" encoding="utf-8"?>
+<p:sld xmlns:a="http://schemas.openxmlformats.org/drawingml/2006/main" xmlns:r="http://schemas.openxmlformats.org/officeDocument/2006/relationships" xmlns:p="http://schemas.openxmlformats.org/presentationml/2006/main">
+  <p:cSld>
+    <p:spTree>
+      <p:nvGrpSpPr>
+        <p:cNvPr id="1" name=""/>
+        <p:cNvGrpSpPr/>
+        <p:nvPr/>
+      </p:nvGrpSpPr>
+      <p:grpSpPr>
+        <a:xfrm>
+          <a:off x="0" y="0"/>
+          <a:ext cx="0" cy="0"/>
+          <a:chOff x="0" y="0"/>
+          <a:chExt cx="0" cy="0"/>
+        </a:xfrm>
+      </p:grpSpPr>
+      <p:sp>
+        <p:nvSpPr>
+          <p:cNvPr id="2" name="Title 1">
+            <a:extLst>
+              <a:ext uri="{FF2B5EF4-FFF2-40B4-BE49-F238E27FC236}">
+                <a16:creationId xmlns:a16="http://schemas.microsoft.com/office/drawing/2014/main" id="{944C80B4-E716-FF7B-F968-67DF2899957E}"/>
+              </a:ext>
+            </a:extLst>
+          </p:cNvPr>
+          <p:cNvSpPr>
+            <a:spLocks noGrp="1"/>
+          </p:cNvSpPr>
+          <p:nvPr>
+            <p:ph type="title"/>
+          </p:nvPr>
+        </p:nvSpPr>
+        <p:spPr>
+          <a:xfrm>
+            <a:off x="2078291" y="3288819"/>
+            <a:ext cx="2927556" cy="716423"/>
+          </a:xfrm>
+        </p:spPr>
+        <p:txBody>
+          <a:bodyPr>
+            <a:normAutofit/>
+          </a:bodyPr>
+          <a:lstStyle/>
+          <a:p>
+            <a:r>
+              <a:rPr lang="en-US" sz="2000" dirty="0" err="1"/>
+              <a:t>Object.create</a:t>
+            </a:r>
+            <a:r>
+              <a:rPr lang="en-US" sz="2000" dirty="0"/>
+              <a:t>(</a:t>
+            </a:r>
+            <a:r>
+              <a:rPr lang="en-US" sz="2000" dirty="0" err="1"/>
+              <a:t>className</a:t>
+            </a:r>
+            <a:r>
+              <a:rPr lang="en-US" sz="2000" dirty="0"/>
+              <a:t>)</a:t>
+            </a:r>
+          </a:p>
+        </p:txBody>
+      </p:sp>
+      <p:pic>
+        <p:nvPicPr>
+          <p:cNvPr id="5" name="Content Placeholder 4" descr="A screenshot of a computer&#10;&#10;Description automatically generated">
+            <a:extLst>
+              <a:ext uri="{FF2B5EF4-FFF2-40B4-BE49-F238E27FC236}">
+                <a16:creationId xmlns:a16="http://schemas.microsoft.com/office/drawing/2014/main" id="{17A14DC7-9B84-466E-24BD-DCD05ED444F0}"/>
+              </a:ext>
+            </a:extLst>
+          </p:cNvPr>
+          <p:cNvPicPr>
+            <a:picLocks noGrp="1" noChangeAspect="1"/>
+          </p:cNvPicPr>
+          <p:nvPr>
+            <p:ph idx="1"/>
+          </p:nvPr>
+        </p:nvPicPr>
+        <p:blipFill>
+          <a:blip r:embed="rId2">
+            <a:extLst>
+              <a:ext uri="{28A0092B-C50C-407E-A947-70E740481C1C}">
+                <a14:useLocalDpi xmlns:a14="http://schemas.microsoft.com/office/drawing/2010/main" val="0"/>
+              </a:ext>
+            </a:extLst>
+          </a:blip>
+          <a:stretch>
+            <a:fillRect/>
+          </a:stretch>
+        </p:blipFill>
+        <p:spPr>
+          <a:xfrm>
+            <a:off x="838200" y="4005242"/>
+            <a:ext cx="7047349" cy="2172670"/>
+          </a:xfrm>
+        </p:spPr>
+      </p:pic>
+      <p:pic>
+        <p:nvPicPr>
+          <p:cNvPr id="7" name="Picture 6" descr="A white background with black text&#10;&#10;Description automatically generated">
+            <a:extLst>
+              <a:ext uri="{FF2B5EF4-FFF2-40B4-BE49-F238E27FC236}">
+                <a16:creationId xmlns:a16="http://schemas.microsoft.com/office/drawing/2014/main" id="{F896ACFA-C5FC-5317-0EDC-5790C9F66606}"/>
+              </a:ext>
+            </a:extLst>
+          </p:cNvPr>
+          <p:cNvPicPr>
+            <a:picLocks noChangeAspect="1"/>
+          </p:cNvPicPr>
+          <p:nvPr/>
+        </p:nvPicPr>
+        <p:blipFill>
+          <a:blip r:embed="rId3">
+            <a:extLst>
+              <a:ext uri="{28A0092B-C50C-407E-A947-70E740481C1C}">
+                <a14:useLocalDpi xmlns:a14="http://schemas.microsoft.com/office/drawing/2010/main" val="0"/>
+              </a:ext>
+            </a:extLst>
+          </a:blip>
+          <a:stretch>
+            <a:fillRect/>
+          </a:stretch>
+        </p:blipFill>
+        <p:spPr>
+          <a:xfrm>
+            <a:off x="1086110" y="1945656"/>
+            <a:ext cx="7425958" cy="941319"/>
+          </a:xfrm>
+          <a:prstGeom prst="rect">
+            <a:avLst/>
+          </a:prstGeom>
+        </p:spPr>
+      </p:pic>
+      <p:sp>
+        <p:nvSpPr>
+          <p:cNvPr id="8" name="TextBox 7">
+            <a:extLst>
+              <a:ext uri="{FF2B5EF4-FFF2-40B4-BE49-F238E27FC236}">
+                <a16:creationId xmlns:a16="http://schemas.microsoft.com/office/drawing/2014/main" id="{BCA83967-CCDA-CCD4-488F-48782C55D1FB}"/>
+              </a:ext>
+            </a:extLst>
+          </p:cNvPr>
+          <p:cNvSpPr txBox="1"/>
+          <p:nvPr/>
+        </p:nvSpPr>
+        <p:spPr>
+          <a:xfrm>
+            <a:off x="946353" y="314632"/>
+            <a:ext cx="8777749" cy="646331"/>
+          </a:xfrm>
+          <a:prstGeom prst="rect">
+            <a:avLst/>
+          </a:prstGeom>
+          <a:noFill/>
+        </p:spPr>
+        <p:txBody>
+          <a:bodyPr wrap="square" rtlCol="0">
+            <a:spAutoFit/>
+          </a:bodyPr>
+          <a:lstStyle/>
+          <a:p>
+            <a:r>
+              <a:rPr lang="en-US" sz="3600" dirty="0"/>
+              <a:t>Create new object of a class</a:t>
+            </a:r>
+          </a:p>
+        </p:txBody>
+      </p:sp>
+      <p:sp>
+        <p:nvSpPr>
+          <p:cNvPr id="10" name="TextBox 9">
+            <a:extLst>
+              <a:ext uri="{FF2B5EF4-FFF2-40B4-BE49-F238E27FC236}">
+                <a16:creationId xmlns:a16="http://schemas.microsoft.com/office/drawing/2014/main" id="{B632AE7D-4D0D-D33A-CDE7-E6CA82DA04F2}"/>
+              </a:ext>
+            </a:extLst>
+          </p:cNvPr>
+          <p:cNvSpPr txBox="1"/>
+          <p:nvPr/>
+        </p:nvSpPr>
+        <p:spPr>
+          <a:xfrm>
+            <a:off x="-1" y="960963"/>
+            <a:ext cx="12840929" cy="523220"/>
+          </a:xfrm>
+          <a:prstGeom prst="rect">
+            <a:avLst/>
+          </a:prstGeom>
+          <a:noFill/>
+        </p:spPr>
+        <p:txBody>
+          <a:bodyPr wrap="square">
+            <a:spAutoFit/>
+          </a:bodyPr>
+          <a:lstStyle/>
+          <a:p>
+            <a:r>
+              <a:rPr lang="en-US" sz="2800" b="0" i="0" dirty="0">
+                <a:solidFill>
+                  <a:srgbClr val="1F1F1F"/>
+                </a:solidFill>
+                <a:effectLst/>
+                <a:highlight>
+                  <a:srgbClr val="FFFFFF"/>
+                </a:highlight>
+                <a:latin typeface="Source Sans Pro" panose="020B0503030403020204" pitchFamily="34" charset="0"/>
+              </a:rPr>
+              <a:t>more common method of creating </a:t>
+            </a:r>
+            <a:r>
+              <a:rPr lang="en-US" sz="2800" b="0" i="0" dirty="0" err="1">
+                <a:solidFill>
+                  <a:srgbClr val="1F1F1F"/>
+                </a:solidFill>
+                <a:effectLst/>
+                <a:highlight>
+                  <a:srgbClr val="FFFFFF"/>
+                </a:highlight>
+                <a:latin typeface="Source Sans Pro" panose="020B0503030403020204" pitchFamily="34" charset="0"/>
+              </a:rPr>
+              <a:t>obbjects</a:t>
+            </a:r>
+            <a:r>
+              <a:rPr lang="en-US" sz="2800" b="0" i="0" dirty="0">
+                <a:solidFill>
+                  <a:srgbClr val="1F1F1F"/>
+                </a:solidFill>
+                <a:effectLst/>
+                <a:highlight>
+                  <a:srgbClr val="FFFFFF"/>
+                </a:highlight>
+                <a:latin typeface="Source Sans Pro" panose="020B0503030403020204" pitchFamily="34" charset="0"/>
+              </a:rPr>
+              <a:t> from classes is to use the </a:t>
+            </a:r>
+            <a:r>
+              <a:rPr lang="en-US" sz="2800" b="1" i="0" dirty="0">
+                <a:solidFill>
+                  <a:srgbClr val="1F1F1F"/>
+                </a:solidFill>
+                <a:effectLst/>
+                <a:highlight>
+                  <a:srgbClr val="FFFF00"/>
+                </a:highlight>
+                <a:latin typeface="Courier"/>
+              </a:rPr>
+              <a:t>new</a:t>
+            </a:r>
+            <a:r>
+              <a:rPr lang="en-US" sz="2800" b="0" i="0" dirty="0">
+                <a:solidFill>
+                  <a:srgbClr val="1F1F1F"/>
+                </a:solidFill>
+                <a:effectLst/>
+                <a:highlight>
+                  <a:srgbClr val="FFFF00"/>
+                </a:highlight>
+                <a:latin typeface="Source Sans Pro" panose="020B0503030403020204" pitchFamily="34" charset="0"/>
+              </a:rPr>
+              <a:t> </a:t>
+            </a:r>
+            <a:r>
+              <a:rPr lang="en-US" sz="2800" b="0" i="0" dirty="0">
+                <a:solidFill>
+                  <a:srgbClr val="1F1F1F"/>
+                </a:solidFill>
+                <a:effectLst/>
+                <a:highlight>
+                  <a:srgbClr val="FFFFFF"/>
+                </a:highlight>
+                <a:latin typeface="Source Sans Pro" panose="020B0503030403020204" pitchFamily="34" charset="0"/>
+              </a:rPr>
+              <a:t>keyword. </a:t>
+            </a:r>
+            <a:endParaRPr lang="en-US" sz="2800" dirty="0"/>
+          </a:p>
+        </p:txBody>
+      </p:sp>
+    </p:spTree>
+    <p:extLst>
+      <p:ext uri="{BB962C8B-B14F-4D97-AF65-F5344CB8AC3E}">
+        <p14:creationId xmlns:p14="http://schemas.microsoft.com/office/powerpoint/2010/main" val="2103688693"/>
+      </p:ext>
+    </p:extLst>
+  </p:cSld>
+  <p:clrMapOvr>
+    <a:masterClrMapping/>
+  </p:clrMapOvr>
+</p:sld>
+</file>
+
+<file path=ppt/slides/slide12.xml><?xml version="1.0" encoding="utf-8"?>
+<p:sld xmlns:a="http://schemas.openxmlformats.org/drawingml/2006/main" xmlns:r="http://schemas.openxmlformats.org/officeDocument/2006/relationships" xmlns:p="http://schemas.openxmlformats.org/presentationml/2006/main">
+  <p:cSld>
+    <p:spTree>
+      <p:nvGrpSpPr>
+        <p:cNvPr id="1" name=""/>
+        <p:cNvGrpSpPr/>
+        <p:nvPr/>
+      </p:nvGrpSpPr>
+      <p:grpSpPr>
+        <a:xfrm>
+          <a:off x="0" y="0"/>
+          <a:ext cx="0" cy="0"/>
+          <a:chOff x="0" y="0"/>
+          <a:chExt cx="0" cy="0"/>
+        </a:xfrm>
+      </p:grpSpPr>
+      <p:sp>
+        <p:nvSpPr>
+          <p:cNvPr id="2" name="Title 1">
+            <a:extLst>
+              <a:ext uri="{FF2B5EF4-FFF2-40B4-BE49-F238E27FC236}">
+                <a16:creationId xmlns:a16="http://schemas.microsoft.com/office/drawing/2014/main" id="{171B34D1-ACFE-BEBD-BB06-B26C6557FF2F}"/>
+              </a:ext>
+            </a:extLst>
+          </p:cNvPr>
+          <p:cNvSpPr>
+            <a:spLocks noGrp="1"/>
+          </p:cNvSpPr>
+          <p:nvPr>
+            <p:ph type="title"/>
+          </p:nvPr>
+        </p:nvSpPr>
+        <p:spPr/>
+        <p:txBody>
+          <a:bodyPr/>
+          <a:lstStyle/>
+          <a:p>
+            <a:r>
+              <a:rPr lang="en-US" dirty="0"/>
+              <a:t>Inheritance </a:t>
+            </a:r>
+          </a:p>
+        </p:txBody>
+      </p:sp>
+      <p:pic>
+        <p:nvPicPr>
+          <p:cNvPr id="5" name="Content Placeholder 4" descr="A group of text on a white background&#10;&#10;Description automatically generated">
+            <a:extLst>
+              <a:ext uri="{FF2B5EF4-FFF2-40B4-BE49-F238E27FC236}">
+                <a16:creationId xmlns:a16="http://schemas.microsoft.com/office/drawing/2014/main" id="{9F82B3A4-B04B-504D-8EBB-A05662E8BE90}"/>
+              </a:ext>
+            </a:extLst>
+          </p:cNvPr>
+          <p:cNvPicPr>
+            <a:picLocks noGrp="1" noChangeAspect="1"/>
+          </p:cNvPicPr>
+          <p:nvPr>
+            <p:ph idx="1"/>
+          </p:nvPr>
+        </p:nvPicPr>
+        <p:blipFill>
+          <a:blip r:embed="rId2">
+            <a:extLst>
+              <a:ext uri="{28A0092B-C50C-407E-A947-70E740481C1C}">
+                <a14:useLocalDpi xmlns:a14="http://schemas.microsoft.com/office/drawing/2010/main" val="0"/>
+              </a:ext>
+            </a:extLst>
+          </a:blip>
+          <a:stretch>
+            <a:fillRect/>
+          </a:stretch>
+        </p:blipFill>
+        <p:spPr>
+          <a:xfrm>
+            <a:off x="391887" y="3787058"/>
+            <a:ext cx="11256239" cy="1381362"/>
+          </a:xfrm>
+        </p:spPr>
+      </p:pic>
+      <p:sp>
+        <p:nvSpPr>
+          <p:cNvPr id="7" name="TextBox 6">
+            <a:extLst>
+              <a:ext uri="{FF2B5EF4-FFF2-40B4-BE49-F238E27FC236}">
+                <a16:creationId xmlns:a16="http://schemas.microsoft.com/office/drawing/2014/main" id="{9629C7E9-3D78-F283-47A9-26952D581BBC}"/>
+              </a:ext>
+            </a:extLst>
+          </p:cNvPr>
+          <p:cNvSpPr txBox="1"/>
+          <p:nvPr/>
+        </p:nvSpPr>
+        <p:spPr>
+          <a:xfrm>
+            <a:off x="2819400" y="1900535"/>
+            <a:ext cx="6096000" cy="923330"/>
+          </a:xfrm>
+          <a:prstGeom prst="rect">
+            <a:avLst/>
+          </a:prstGeom>
+          <a:noFill/>
+        </p:spPr>
+        <p:txBody>
+          <a:bodyPr wrap="square">
+            <a:spAutoFit/>
+          </a:bodyPr>
+          <a:lstStyle/>
+          <a:p>
+            <a:r>
+              <a:rPr lang="en-US" b="0" i="0" dirty="0">
+                <a:solidFill>
+                  <a:srgbClr val="1F1F1F"/>
+                </a:solidFill>
+                <a:effectLst/>
+                <a:highlight>
+                  <a:srgbClr val="FFFFFF"/>
+                </a:highlight>
+                <a:latin typeface="Source Sans Pro" panose="020B0503030403020204" pitchFamily="34" charset="0"/>
+              </a:rPr>
+              <a:t>To setup the inheritance relation between classes in JavaScript, I can use the </a:t>
+            </a:r>
+            <a:r>
+              <a:rPr lang="en-US" b="1" i="0" dirty="0">
+                <a:solidFill>
+                  <a:srgbClr val="1F1F1F"/>
+                </a:solidFill>
+                <a:effectLst/>
+                <a:highlight>
+                  <a:srgbClr val="FFFF00"/>
+                </a:highlight>
+                <a:latin typeface="Courier"/>
+              </a:rPr>
+              <a:t>extends</a:t>
+            </a:r>
+            <a:r>
+              <a:rPr lang="en-US" b="0" i="0" dirty="0">
+                <a:solidFill>
+                  <a:srgbClr val="1F1F1F"/>
+                </a:solidFill>
+                <a:effectLst/>
+                <a:highlight>
+                  <a:srgbClr val="FFFFFF"/>
+                </a:highlight>
+                <a:latin typeface="Source Sans Pro" panose="020B0503030403020204" pitchFamily="34" charset="0"/>
+              </a:rPr>
+              <a:t> keyword, as in </a:t>
+            </a:r>
+            <a:r>
+              <a:rPr lang="en-US" b="1" i="0" dirty="0">
+                <a:solidFill>
+                  <a:srgbClr val="1F1F1F"/>
+                </a:solidFill>
+                <a:effectLst/>
+                <a:highlight>
+                  <a:srgbClr val="FFFFFF"/>
+                </a:highlight>
+                <a:latin typeface="Courier"/>
+              </a:rPr>
+              <a:t>class B extends A</a:t>
+            </a:r>
+            <a:r>
+              <a:rPr lang="en-US" b="0" i="0" dirty="0">
+                <a:solidFill>
+                  <a:srgbClr val="1F1F1F"/>
+                </a:solidFill>
+                <a:effectLst/>
+                <a:highlight>
+                  <a:srgbClr val="FFFFFF"/>
+                </a:highlight>
+                <a:latin typeface="Source Sans Pro" panose="020B0503030403020204" pitchFamily="34" charset="0"/>
+              </a:rPr>
+              <a:t>.</a:t>
+            </a:r>
+            <a:endParaRPr lang="en-US" dirty="0"/>
+          </a:p>
+        </p:txBody>
+      </p:sp>
+    </p:spTree>
+    <p:extLst>
+      <p:ext uri="{BB962C8B-B14F-4D97-AF65-F5344CB8AC3E}">
+        <p14:creationId xmlns:p14="http://schemas.microsoft.com/office/powerpoint/2010/main" val="3088837391"/>
+      </p:ext>
+    </p:extLst>
+  </p:cSld>
+  <p:clrMapOvr>
+    <a:masterClrMapping/>
+  </p:clrMapOvr>
+</p:sld>
+</file>
+
+<file path=ppt/slides/slide13.xml><?xml version="1.0" encoding="utf-8"?>
+<p:sld xmlns:a="http://schemas.openxmlformats.org/drawingml/2006/main" xmlns:r="http://schemas.openxmlformats.org/officeDocument/2006/relationships" xmlns:p="http://schemas.openxmlformats.org/presentationml/2006/main">
+  <p:cSld>
+    <p:spTree>
+      <p:nvGrpSpPr>
+        <p:cNvPr id="1" name=""/>
+        <p:cNvGrpSpPr/>
+        <p:nvPr/>
+      </p:nvGrpSpPr>
+      <p:grpSpPr>
+        <a:xfrm>
+          <a:off x="0" y="0"/>
+          <a:ext cx="0" cy="0"/>
+          <a:chOff x="0" y="0"/>
+          <a:chExt cx="0" cy="0"/>
+        </a:xfrm>
+      </p:grpSpPr>
+      <p:sp>
+        <p:nvSpPr>
+          <p:cNvPr id="2" name="Title 1">
+            <a:extLst>
+              <a:ext uri="{FF2B5EF4-FFF2-40B4-BE49-F238E27FC236}">
+                <a16:creationId xmlns:a16="http://schemas.microsoft.com/office/drawing/2014/main" id="{C53D030C-C0BC-8113-3584-CC981C745C10}"/>
+              </a:ext>
+            </a:extLst>
+          </p:cNvPr>
+          <p:cNvSpPr>
+            <a:spLocks noGrp="1"/>
+          </p:cNvSpPr>
+          <p:nvPr>
+            <p:ph type="title"/>
+          </p:nvPr>
+        </p:nvSpPr>
+        <p:spPr/>
+        <p:txBody>
+          <a:bodyPr/>
+          <a:lstStyle/>
+          <a:p>
+            <a:r>
+              <a:rPr lang="en-US" b="1" i="0" dirty="0">
+                <a:solidFill>
+                  <a:srgbClr val="1F1F1F"/>
+                </a:solidFill>
+                <a:effectLst/>
+                <a:highlight>
+                  <a:srgbClr val="FFFFFF"/>
+                </a:highlight>
+                <a:latin typeface="var(--cds-font-family-source-sans-pro)"/>
+              </a:rPr>
+              <a:t>Encapsulation</a:t>
+            </a:r>
+            <a:endParaRPr lang="en-US" dirty="0"/>
+          </a:p>
+        </p:txBody>
+      </p:sp>
+      <p:sp>
+        <p:nvSpPr>
+          <p:cNvPr id="3" name="Content Placeholder 2">
+            <a:extLst>
+              <a:ext uri="{FF2B5EF4-FFF2-40B4-BE49-F238E27FC236}">
+                <a16:creationId xmlns:a16="http://schemas.microsoft.com/office/drawing/2014/main" id="{29664887-52C4-AEAB-5194-41BE93D58DFF}"/>
+              </a:ext>
+            </a:extLst>
+          </p:cNvPr>
+          <p:cNvSpPr>
+            <a:spLocks noGrp="1"/>
+          </p:cNvSpPr>
+          <p:nvPr>
+            <p:ph idx="1"/>
+          </p:nvPr>
+        </p:nvSpPr>
+        <p:spPr>
+          <a:xfrm>
+            <a:off x="838200" y="1825625"/>
+            <a:ext cx="10515600" cy="1831975"/>
+          </a:xfrm>
+        </p:spPr>
+        <p:txBody>
+          <a:bodyPr/>
+          <a:lstStyle/>
+          <a:p>
+            <a:r>
+              <a:rPr lang="en-US" b="0" i="0" dirty="0">
+                <a:solidFill>
+                  <a:srgbClr val="1F1F1F"/>
+                </a:solidFill>
+                <a:effectLst/>
+                <a:highlight>
+                  <a:srgbClr val="FFFFFF"/>
+                </a:highlight>
+                <a:latin typeface="Source Sans Pro" panose="020B0503030403020204" pitchFamily="34" charset="0"/>
+              </a:rPr>
+              <a:t>In the simplest terms, encapsulation has to do with making </a:t>
+            </a:r>
+            <a:r>
+              <a:rPr lang="en-US" b="0" i="0" dirty="0">
+                <a:solidFill>
+                  <a:srgbClr val="1F1F1F"/>
+                </a:solidFill>
+                <a:effectLst/>
+                <a:highlight>
+                  <a:srgbClr val="FFFF00"/>
+                </a:highlight>
+                <a:latin typeface="Source Sans Pro" panose="020B0503030403020204" pitchFamily="34" charset="0"/>
+              </a:rPr>
+              <a:t>a code implementation "hidden" from other users, in the sense that they don't have to know how my code works</a:t>
+            </a:r>
+            <a:r>
+              <a:rPr lang="en-US" b="0" i="0" dirty="0">
+                <a:solidFill>
+                  <a:srgbClr val="1F1F1F"/>
+                </a:solidFill>
+                <a:effectLst/>
+                <a:highlight>
+                  <a:srgbClr val="FFFFFF"/>
+                </a:highlight>
+                <a:latin typeface="Source Sans Pro" panose="020B0503030403020204" pitchFamily="34" charset="0"/>
+              </a:rPr>
+              <a:t> in order to "consume" the code.</a:t>
+            </a:r>
+            <a:endParaRPr lang="en-US" dirty="0"/>
+          </a:p>
+        </p:txBody>
+      </p:sp>
+      <p:sp>
+        <p:nvSpPr>
+          <p:cNvPr id="5" name="TextBox 4">
+            <a:extLst>
+              <a:ext uri="{FF2B5EF4-FFF2-40B4-BE49-F238E27FC236}">
+                <a16:creationId xmlns:a16="http://schemas.microsoft.com/office/drawing/2014/main" id="{4B66C1C3-204E-AFE3-9199-ABEB927B4E3D}"/>
+              </a:ext>
+            </a:extLst>
+          </p:cNvPr>
+          <p:cNvSpPr txBox="1"/>
+          <p:nvPr/>
+        </p:nvSpPr>
+        <p:spPr>
+          <a:xfrm>
+            <a:off x="979715" y="4208305"/>
+            <a:ext cx="10254342" cy="1200329"/>
+          </a:xfrm>
+          <a:prstGeom prst="rect">
+            <a:avLst/>
+          </a:prstGeom>
+          <a:noFill/>
+        </p:spPr>
+        <p:txBody>
+          <a:bodyPr wrap="square">
+            <a:spAutoFit/>
+          </a:bodyPr>
+          <a:lstStyle/>
+          <a:p>
+            <a:r>
+              <a:rPr lang="en-US" sz="2400" b="0" i="0" dirty="0">
+                <a:solidFill>
+                  <a:srgbClr val="1F1F1F"/>
+                </a:solidFill>
+                <a:effectLst/>
+                <a:highlight>
+                  <a:srgbClr val="FFFF00"/>
+                </a:highlight>
+                <a:latin typeface="Source Sans Pro" panose="020B0503030403020204" pitchFamily="34" charset="0"/>
+              </a:rPr>
+              <a:t>I don't really need to worry or even waste time thinking about how the </a:t>
+            </a:r>
+            <a:r>
+              <a:rPr lang="en-US" sz="2400" b="1" i="0" dirty="0" err="1">
+                <a:solidFill>
+                  <a:srgbClr val="1F1F1F"/>
+                </a:solidFill>
+                <a:effectLst/>
+                <a:highlight>
+                  <a:srgbClr val="FFFF00"/>
+                </a:highlight>
+                <a:latin typeface="Courier"/>
+              </a:rPr>
+              <a:t>toUpperCase</a:t>
+            </a:r>
+            <a:r>
+              <a:rPr lang="en-US" sz="2400" b="1" i="0" dirty="0">
+                <a:solidFill>
+                  <a:srgbClr val="1F1F1F"/>
+                </a:solidFill>
+                <a:effectLst/>
+                <a:highlight>
+                  <a:srgbClr val="FFFF00"/>
+                </a:highlight>
+                <a:latin typeface="Courier"/>
+              </a:rPr>
+              <a:t>()</a:t>
+            </a:r>
+            <a:r>
+              <a:rPr lang="en-US" sz="2400" b="0" i="0" dirty="0">
+                <a:solidFill>
+                  <a:srgbClr val="1F1F1F"/>
+                </a:solidFill>
+                <a:effectLst/>
+                <a:highlight>
+                  <a:srgbClr val="FFFF00"/>
+                </a:highlight>
+                <a:latin typeface="Source Sans Pro" panose="020B0503030403020204" pitchFamily="34" charset="0"/>
+              </a:rPr>
+              <a:t> method works. All I want is to use it</a:t>
+            </a:r>
+            <a:r>
+              <a:rPr lang="en-US" sz="2400" b="0" i="0" dirty="0">
+                <a:solidFill>
+                  <a:srgbClr val="1F1F1F"/>
+                </a:solidFill>
+                <a:effectLst/>
+                <a:highlight>
+                  <a:srgbClr val="FFFFFF"/>
+                </a:highlight>
+                <a:latin typeface="Source Sans Pro" panose="020B0503030403020204" pitchFamily="34" charset="0"/>
+              </a:rPr>
+              <a:t>, since I know it's available to me. </a:t>
+            </a:r>
+            <a:endParaRPr lang="en-US" sz="2400" dirty="0"/>
+          </a:p>
+        </p:txBody>
+      </p:sp>
+    </p:spTree>
+    <p:extLst>
+      <p:ext uri="{BB962C8B-B14F-4D97-AF65-F5344CB8AC3E}">
+        <p14:creationId xmlns:p14="http://schemas.microsoft.com/office/powerpoint/2010/main" val="43733547"/>
+      </p:ext>
+    </p:extLst>
+  </p:cSld>
+  <p:clrMapOvr>
+    <a:masterClrMapping/>
+  </p:clrMapOvr>
+</p:sld>
+</file>
+
+<file path=ppt/slides/slide14.xml><?xml version="1.0" encoding="utf-8"?>
+<p:sld xmlns:a="http://schemas.openxmlformats.org/drawingml/2006/main" xmlns:r="http://schemas.openxmlformats.org/officeDocument/2006/relationships" xmlns:p="http://schemas.openxmlformats.org/presentationml/2006/main">
+  <p:cSld>
+    <p:spTree>
+      <p:nvGrpSpPr>
+        <p:cNvPr id="1" name=""/>
+        <p:cNvGrpSpPr/>
+        <p:nvPr/>
+      </p:nvGrpSpPr>
+      <p:grpSpPr>
+        <a:xfrm>
+          <a:off x="0" y="0"/>
+          <a:ext cx="0" cy="0"/>
+          <a:chOff x="0" y="0"/>
+          <a:chExt cx="0" cy="0"/>
+        </a:xfrm>
+      </p:grpSpPr>
+      <p:sp>
+        <p:nvSpPr>
+          <p:cNvPr id="2" name="Title 1">
+            <a:extLst>
+              <a:ext uri="{FF2B5EF4-FFF2-40B4-BE49-F238E27FC236}">
+                <a16:creationId xmlns:a16="http://schemas.microsoft.com/office/drawing/2014/main" id="{2303628D-3B45-FC31-A973-5190790C4CBE}"/>
+              </a:ext>
+            </a:extLst>
+          </p:cNvPr>
+          <p:cNvSpPr>
+            <a:spLocks noGrp="1"/>
+          </p:cNvSpPr>
+          <p:nvPr>
+            <p:ph type="title"/>
+          </p:nvPr>
+        </p:nvSpPr>
+        <p:spPr/>
+        <p:txBody>
+          <a:bodyPr/>
+          <a:lstStyle/>
+          <a:p>
+            <a:r>
+              <a:rPr lang="en-US" b="1" i="0" dirty="0">
+                <a:solidFill>
+                  <a:srgbClr val="1F1F1F"/>
+                </a:solidFill>
+                <a:effectLst/>
+                <a:highlight>
+                  <a:srgbClr val="FFFFFF"/>
+                </a:highlight>
+                <a:latin typeface="var(--cds-font-family-source-sans-pro)"/>
+              </a:rPr>
+              <a:t>Abstraction</a:t>
+            </a:r>
+            <a:endParaRPr lang="en-US" dirty="0"/>
+          </a:p>
+        </p:txBody>
+      </p:sp>
+      <p:sp>
+        <p:nvSpPr>
+          <p:cNvPr id="3" name="Content Placeholder 2">
+            <a:extLst>
+              <a:ext uri="{FF2B5EF4-FFF2-40B4-BE49-F238E27FC236}">
+                <a16:creationId xmlns:a16="http://schemas.microsoft.com/office/drawing/2014/main" id="{9B5DFC56-C062-72AC-3E2A-945BD3419C75}"/>
+              </a:ext>
+            </a:extLst>
+          </p:cNvPr>
+          <p:cNvSpPr>
+            <a:spLocks noGrp="1"/>
+          </p:cNvSpPr>
+          <p:nvPr>
+            <p:ph idx="1"/>
+          </p:nvPr>
+        </p:nvSpPr>
+        <p:spPr/>
+        <p:txBody>
+          <a:bodyPr/>
+          <a:lstStyle/>
+          <a:p>
+            <a:r>
+              <a:rPr lang="en-US" b="0" i="0" dirty="0">
+                <a:solidFill>
+                  <a:srgbClr val="1F1F1F"/>
+                </a:solidFill>
+                <a:effectLst/>
+                <a:highlight>
+                  <a:srgbClr val="FFFFFF"/>
+                </a:highlight>
+                <a:latin typeface="Source Sans Pro" panose="020B0503030403020204" pitchFamily="34" charset="0"/>
+              </a:rPr>
+              <a:t>Abstraction is all about writing code in a way that will make it more generalized.</a:t>
+            </a:r>
+          </a:p>
+          <a:p>
+            <a:r>
+              <a:rPr lang="en-US" b="0" i="0" dirty="0">
+                <a:solidFill>
+                  <a:srgbClr val="1F1F1F"/>
+                </a:solidFill>
+                <a:effectLst/>
+                <a:highlight>
+                  <a:srgbClr val="FFFFFF"/>
+                </a:highlight>
+                <a:latin typeface="Source Sans Pro" panose="020B0503030403020204" pitchFamily="34" charset="0"/>
+              </a:rPr>
+              <a:t>An abstraction is about </a:t>
+            </a:r>
+            <a:r>
+              <a:rPr lang="en-US" b="0" i="0" dirty="0">
+                <a:solidFill>
+                  <a:srgbClr val="1F1F1F"/>
+                </a:solidFill>
+                <a:effectLst/>
+                <a:highlight>
+                  <a:srgbClr val="FFFF00"/>
+                </a:highlight>
+                <a:latin typeface="Source Sans Pro" panose="020B0503030403020204" pitchFamily="34" charset="0"/>
+              </a:rPr>
+              <a:t>extracting the </a:t>
+            </a:r>
+            <a:r>
+              <a:rPr lang="en-US" b="0" i="1" dirty="0">
+                <a:solidFill>
+                  <a:srgbClr val="1F1F1F"/>
+                </a:solidFill>
+                <a:effectLst/>
+                <a:highlight>
+                  <a:srgbClr val="FFFF00"/>
+                </a:highlight>
+                <a:latin typeface="Source Sans Pro" panose="020B0503030403020204" pitchFamily="34" charset="0"/>
+              </a:rPr>
+              <a:t>concept</a:t>
+            </a:r>
+            <a:r>
+              <a:rPr lang="en-US" b="0" i="0" dirty="0">
+                <a:solidFill>
+                  <a:srgbClr val="1F1F1F"/>
+                </a:solidFill>
+                <a:effectLst/>
+                <a:highlight>
+                  <a:srgbClr val="FFFF00"/>
+                </a:highlight>
+                <a:latin typeface="Source Sans Pro" panose="020B0503030403020204" pitchFamily="34" charset="0"/>
+              </a:rPr>
+              <a:t> of what you're trying to do, rather than dealing with a specific manifestation of that concept.</a:t>
+            </a:r>
+          </a:p>
+          <a:p>
+            <a:r>
+              <a:rPr lang="en-US" b="0" i="0" dirty="0">
+                <a:solidFill>
+                  <a:srgbClr val="1F1F1F"/>
+                </a:solidFill>
+                <a:effectLst/>
+                <a:highlight>
+                  <a:srgbClr val="FFFFFF"/>
+                </a:highlight>
+                <a:latin typeface="var(--cds-font-family-source-sans-pro)"/>
+              </a:rPr>
+              <a:t>Encapsulation is about you not having access to, or not being concerned with, how some implementation works internally.</a:t>
+            </a:r>
+          </a:p>
+          <a:p>
+            <a:endParaRPr lang="en-US" dirty="0">
+              <a:highlight>
+                <a:srgbClr val="FFFF00"/>
+              </a:highlight>
+            </a:endParaRPr>
+          </a:p>
+        </p:txBody>
+      </p:sp>
+    </p:spTree>
+    <p:extLst>
+      <p:ext uri="{BB962C8B-B14F-4D97-AF65-F5344CB8AC3E}">
+        <p14:creationId xmlns:p14="http://schemas.microsoft.com/office/powerpoint/2010/main" val="1405222085"/>
+      </p:ext>
+    </p:extLst>
+  </p:cSld>
+  <p:clrMapOvr>
+    <a:masterClrMapping/>
+  </p:clrMapOvr>
+</p:sld>
+</file>
+
+<file path=ppt/slides/slide15.xml><?xml version="1.0" encoding="utf-8"?>
+<p:sld xmlns:a="http://schemas.openxmlformats.org/drawingml/2006/main" xmlns:r="http://schemas.openxmlformats.org/officeDocument/2006/relationships" xmlns:p="http://schemas.openxmlformats.org/presentationml/2006/main">
+  <p:cSld>
+    <p:spTree>
+      <p:nvGrpSpPr>
+        <p:cNvPr id="1" name=""/>
+        <p:cNvGrpSpPr/>
+        <p:nvPr/>
+      </p:nvGrpSpPr>
+      <p:grpSpPr>
+        <a:xfrm>
+          <a:off x="0" y="0"/>
+          <a:ext cx="0" cy="0"/>
+          <a:chOff x="0" y="0"/>
+          <a:chExt cx="0" cy="0"/>
+        </a:xfrm>
+      </p:grpSpPr>
+      <p:sp>
+        <p:nvSpPr>
+          <p:cNvPr id="2" name="Title 1">
+            <a:extLst>
+              <a:ext uri="{FF2B5EF4-FFF2-40B4-BE49-F238E27FC236}">
+                <a16:creationId xmlns:a16="http://schemas.microsoft.com/office/drawing/2014/main" id="{868F4C31-0261-0646-E345-779DD5DAA05B}"/>
+              </a:ext>
+            </a:extLst>
+          </p:cNvPr>
+          <p:cNvSpPr>
+            <a:spLocks noGrp="1"/>
+          </p:cNvSpPr>
+          <p:nvPr>
+            <p:ph type="title"/>
+          </p:nvPr>
+        </p:nvSpPr>
+        <p:spPr/>
+        <p:txBody>
+          <a:bodyPr/>
+          <a:lstStyle/>
+          <a:p>
+            <a:r>
+              <a:rPr lang="en-US" b="1" i="0" dirty="0">
+                <a:solidFill>
+                  <a:srgbClr val="1F1F1F"/>
+                </a:solidFill>
+                <a:effectLst/>
+                <a:highlight>
+                  <a:srgbClr val="FFFFFF"/>
+                </a:highlight>
+                <a:latin typeface="var(--cds-font-family-source-sans-pro)"/>
+              </a:rPr>
+              <a:t>Polymorphism</a:t>
+            </a:r>
+            <a:endParaRPr lang="en-US" dirty="0"/>
+          </a:p>
+        </p:txBody>
+      </p:sp>
+      <p:sp>
+        <p:nvSpPr>
+          <p:cNvPr id="5" name="TextBox 4">
+            <a:extLst>
+              <a:ext uri="{FF2B5EF4-FFF2-40B4-BE49-F238E27FC236}">
+                <a16:creationId xmlns:a16="http://schemas.microsoft.com/office/drawing/2014/main" id="{E2509C7D-0A4A-21A3-E549-749910733E39}"/>
+              </a:ext>
+            </a:extLst>
+          </p:cNvPr>
+          <p:cNvSpPr txBox="1"/>
+          <p:nvPr/>
+        </p:nvSpPr>
+        <p:spPr>
+          <a:xfrm>
+            <a:off x="838199" y="1563078"/>
+            <a:ext cx="10624457" cy="646331"/>
+          </a:xfrm>
+          <a:prstGeom prst="rect">
+            <a:avLst/>
+          </a:prstGeom>
+          <a:noFill/>
+        </p:spPr>
+        <p:txBody>
+          <a:bodyPr wrap="square">
+            <a:spAutoFit/>
+          </a:bodyPr>
+          <a:lstStyle/>
+          <a:p>
+            <a:r>
+              <a:rPr lang="en-US" b="0" i="0" dirty="0">
+                <a:solidFill>
+                  <a:srgbClr val="1F1F1F"/>
+                </a:solidFill>
+                <a:effectLst/>
+                <a:highlight>
+                  <a:srgbClr val="FFFFFF"/>
+                </a:highlight>
+                <a:latin typeface="Source Sans Pro" panose="020B0503030403020204" pitchFamily="34" charset="0"/>
+              </a:rPr>
+              <a:t>Polymorphism is a word derived from the Greek language meaning "multiple forms". An alternative translation might be: "</a:t>
+            </a:r>
+            <a:r>
+              <a:rPr lang="en-US" b="0" i="0" dirty="0">
+                <a:solidFill>
+                  <a:srgbClr val="1F1F1F"/>
+                </a:solidFill>
+                <a:effectLst/>
+                <a:highlight>
+                  <a:srgbClr val="FFFF00"/>
+                </a:highlight>
+                <a:latin typeface="Source Sans Pro" panose="020B0503030403020204" pitchFamily="34" charset="0"/>
+              </a:rPr>
+              <a:t>something that can take on many shapes</a:t>
+            </a:r>
+            <a:r>
+              <a:rPr lang="en-US" b="0" i="0" dirty="0">
+                <a:solidFill>
+                  <a:srgbClr val="1F1F1F"/>
+                </a:solidFill>
+                <a:effectLst/>
+                <a:highlight>
+                  <a:srgbClr val="FFFFFF"/>
+                </a:highlight>
+                <a:latin typeface="Source Sans Pro" panose="020B0503030403020204" pitchFamily="34" charset="0"/>
+              </a:rPr>
+              <a:t>".</a:t>
+            </a:r>
+            <a:endParaRPr lang="en-US" dirty="0"/>
+          </a:p>
+        </p:txBody>
+      </p:sp>
+      <p:pic>
+        <p:nvPicPr>
+          <p:cNvPr id="7" name="Picture 6" descr="A computer screen shot of text&#10;&#10;Description automatically generated">
+            <a:extLst>
+              <a:ext uri="{FF2B5EF4-FFF2-40B4-BE49-F238E27FC236}">
+                <a16:creationId xmlns:a16="http://schemas.microsoft.com/office/drawing/2014/main" id="{F3B6CC91-29F9-08A4-3A70-055C1F32E2DB}"/>
+              </a:ext>
+            </a:extLst>
+          </p:cNvPr>
+          <p:cNvPicPr>
+            <a:picLocks noChangeAspect="1"/>
+          </p:cNvPicPr>
+          <p:nvPr/>
+        </p:nvPicPr>
+        <p:blipFill rotWithShape="1">
+          <a:blip r:embed="rId2">
+            <a:extLst>
+              <a:ext uri="{28A0092B-C50C-407E-A947-70E740481C1C}">
+                <a14:useLocalDpi xmlns:a14="http://schemas.microsoft.com/office/drawing/2010/main" val="0"/>
+              </a:ext>
+            </a:extLst>
+          </a:blip>
+          <a:srcRect r="36971"/>
+          <a:stretch/>
+        </p:blipFill>
+        <p:spPr>
+          <a:xfrm>
+            <a:off x="561416" y="2353050"/>
+            <a:ext cx="5055614" cy="4372585"/>
+          </a:xfrm>
+          <a:prstGeom prst="rect">
+            <a:avLst/>
+          </a:prstGeom>
+        </p:spPr>
+      </p:pic>
+      <p:sp>
+        <p:nvSpPr>
+          <p:cNvPr id="9" name="TextBox 8">
+            <a:extLst>
+              <a:ext uri="{FF2B5EF4-FFF2-40B4-BE49-F238E27FC236}">
+                <a16:creationId xmlns:a16="http://schemas.microsoft.com/office/drawing/2014/main" id="{E771CB6D-6227-DF38-4724-7F3CACC5B72C}"/>
+              </a:ext>
+            </a:extLst>
+          </p:cNvPr>
+          <p:cNvSpPr txBox="1"/>
+          <p:nvPr/>
+        </p:nvSpPr>
+        <p:spPr>
+          <a:xfrm>
+            <a:off x="6237514" y="3008760"/>
+            <a:ext cx="4539343" cy="2862322"/>
+          </a:xfrm>
+          <a:prstGeom prst="rect">
+            <a:avLst/>
+          </a:prstGeom>
+          <a:noFill/>
+        </p:spPr>
+        <p:txBody>
+          <a:bodyPr wrap="square">
+            <a:spAutoFit/>
+          </a:bodyPr>
+          <a:lstStyle/>
+          <a:p>
+            <a:r>
+              <a:rPr lang="en-US" b="0" i="0" dirty="0">
+                <a:solidFill>
+                  <a:srgbClr val="1F1F1F"/>
+                </a:solidFill>
+                <a:effectLst/>
+                <a:highlight>
+                  <a:srgbClr val="FFFFFF"/>
+                </a:highlight>
+                <a:latin typeface="Source Sans Pro" panose="020B0503030403020204" pitchFamily="34" charset="0"/>
+              </a:rPr>
+              <a:t>The </a:t>
+            </a:r>
+            <a:r>
+              <a:rPr lang="en-US" b="1" i="0" dirty="0">
+                <a:solidFill>
+                  <a:srgbClr val="1F1F1F"/>
+                </a:solidFill>
+                <a:effectLst/>
+                <a:highlight>
+                  <a:srgbClr val="FFFFFF"/>
+                </a:highlight>
+                <a:latin typeface="Courier"/>
+              </a:rPr>
+              <a:t>Penguin</a:t>
+            </a:r>
+            <a:r>
+              <a:rPr lang="en-US" b="0" i="0" dirty="0">
+                <a:solidFill>
+                  <a:srgbClr val="1F1F1F"/>
+                </a:solidFill>
+                <a:effectLst/>
+                <a:highlight>
+                  <a:srgbClr val="FFFFFF"/>
+                </a:highlight>
+                <a:latin typeface="Source Sans Pro" panose="020B0503030403020204" pitchFamily="34" charset="0"/>
+              </a:rPr>
+              <a:t> and </a:t>
+            </a:r>
+            <a:r>
+              <a:rPr lang="en-US" b="1" i="0" dirty="0">
+                <a:solidFill>
+                  <a:srgbClr val="1F1F1F"/>
+                </a:solidFill>
+                <a:effectLst/>
+                <a:highlight>
+                  <a:srgbClr val="FFFFFF"/>
+                </a:highlight>
+                <a:latin typeface="Courier"/>
+              </a:rPr>
+              <a:t>Eagle</a:t>
+            </a:r>
+            <a:r>
+              <a:rPr lang="en-US" b="0" i="0" dirty="0">
+                <a:solidFill>
+                  <a:srgbClr val="1F1F1F"/>
+                </a:solidFill>
+                <a:effectLst/>
+                <a:highlight>
+                  <a:srgbClr val="FFFFFF"/>
+                </a:highlight>
+                <a:latin typeface="Source Sans Pro" panose="020B0503030403020204" pitchFamily="34" charset="0"/>
+              </a:rPr>
+              <a:t> sub-classes both inherit from the </a:t>
+            </a:r>
+            <a:r>
+              <a:rPr lang="en-US" b="1" i="0" dirty="0">
+                <a:solidFill>
+                  <a:srgbClr val="1F1F1F"/>
+                </a:solidFill>
+                <a:effectLst/>
+                <a:highlight>
+                  <a:srgbClr val="FFFFFF"/>
+                </a:highlight>
+                <a:latin typeface="Courier"/>
+              </a:rPr>
+              <a:t>Bird</a:t>
+            </a:r>
+            <a:r>
+              <a:rPr lang="en-US" b="0" i="0" dirty="0">
+                <a:solidFill>
+                  <a:srgbClr val="1F1F1F"/>
+                </a:solidFill>
+                <a:effectLst/>
+                <a:highlight>
+                  <a:srgbClr val="FFFFFF"/>
+                </a:highlight>
+                <a:latin typeface="Source Sans Pro" panose="020B0503030403020204" pitchFamily="34" charset="0"/>
+              </a:rPr>
+              <a:t> super-class. The </a:t>
+            </a:r>
+            <a:r>
+              <a:rPr lang="en-US" b="1" i="0" dirty="0">
+                <a:solidFill>
+                  <a:srgbClr val="1F1F1F"/>
+                </a:solidFill>
+                <a:effectLst/>
+                <a:highlight>
+                  <a:srgbClr val="FFFFFF"/>
+                </a:highlight>
+                <a:latin typeface="Courier"/>
+              </a:rPr>
+              <a:t>Eagle</a:t>
+            </a:r>
+            <a:r>
+              <a:rPr lang="en-US" b="0" i="0" dirty="0">
+                <a:solidFill>
+                  <a:srgbClr val="1F1F1F"/>
+                </a:solidFill>
+                <a:effectLst/>
+                <a:highlight>
+                  <a:srgbClr val="FFFFFF"/>
+                </a:highlight>
+                <a:latin typeface="Source Sans Pro" panose="020B0503030403020204" pitchFamily="34" charset="0"/>
+              </a:rPr>
+              <a:t> sub-class inherits the </a:t>
+            </a:r>
+            <a:r>
+              <a:rPr lang="en-US" b="1" i="0" dirty="0" err="1">
+                <a:solidFill>
+                  <a:srgbClr val="1F1F1F"/>
+                </a:solidFill>
+                <a:effectLst/>
+                <a:highlight>
+                  <a:srgbClr val="FFFFFF"/>
+                </a:highlight>
+                <a:latin typeface="Courier"/>
+              </a:rPr>
+              <a:t>useWings</a:t>
+            </a:r>
+            <a:r>
+              <a:rPr lang="en-US" b="1" i="0" dirty="0">
+                <a:solidFill>
+                  <a:srgbClr val="1F1F1F"/>
+                </a:solidFill>
+                <a:effectLst/>
+                <a:highlight>
+                  <a:srgbClr val="FFFFFF"/>
+                </a:highlight>
+                <a:latin typeface="Courier"/>
+              </a:rPr>
+              <a:t>()</a:t>
+            </a:r>
+            <a:r>
+              <a:rPr lang="en-US" b="0" i="0" dirty="0">
+                <a:solidFill>
+                  <a:srgbClr val="1F1F1F"/>
+                </a:solidFill>
+                <a:effectLst/>
+                <a:highlight>
+                  <a:srgbClr val="FFFFFF"/>
+                </a:highlight>
+                <a:latin typeface="Source Sans Pro" panose="020B0503030403020204" pitchFamily="34" charset="0"/>
+              </a:rPr>
+              <a:t> method from the </a:t>
+            </a:r>
+            <a:r>
+              <a:rPr lang="en-US" b="1" i="0" dirty="0">
+                <a:solidFill>
+                  <a:srgbClr val="1F1F1F"/>
+                </a:solidFill>
+                <a:effectLst/>
+                <a:highlight>
+                  <a:srgbClr val="FFFFFF"/>
+                </a:highlight>
+                <a:latin typeface="Courier"/>
+              </a:rPr>
+              <a:t>Bird</a:t>
+            </a:r>
+            <a:r>
+              <a:rPr lang="en-US" b="0" i="0" dirty="0">
+                <a:solidFill>
+                  <a:srgbClr val="1F1F1F"/>
+                </a:solidFill>
+                <a:effectLst/>
+                <a:highlight>
+                  <a:srgbClr val="FFFFFF"/>
+                </a:highlight>
+                <a:latin typeface="Source Sans Pro" panose="020B0503030403020204" pitchFamily="34" charset="0"/>
+              </a:rPr>
+              <a:t> class, but extends it with an additional console log. The </a:t>
+            </a:r>
+            <a:r>
+              <a:rPr lang="en-US" b="1" i="0" dirty="0">
+                <a:solidFill>
+                  <a:srgbClr val="1F1F1F"/>
+                </a:solidFill>
+                <a:effectLst/>
+                <a:highlight>
+                  <a:srgbClr val="FFFFFF"/>
+                </a:highlight>
+                <a:latin typeface="Courier"/>
+              </a:rPr>
+              <a:t>Penguin</a:t>
+            </a:r>
+            <a:r>
+              <a:rPr lang="en-US" b="0" i="0" dirty="0">
+                <a:solidFill>
+                  <a:srgbClr val="1F1F1F"/>
+                </a:solidFill>
+                <a:effectLst/>
+                <a:highlight>
+                  <a:srgbClr val="FFFFFF"/>
+                </a:highlight>
+                <a:latin typeface="Source Sans Pro" panose="020B0503030403020204" pitchFamily="34" charset="0"/>
+              </a:rPr>
+              <a:t> sub-class doesn't inherit the </a:t>
+            </a:r>
+            <a:r>
+              <a:rPr lang="en-US" b="1" i="0" dirty="0" err="1">
+                <a:solidFill>
+                  <a:srgbClr val="1F1F1F"/>
+                </a:solidFill>
+                <a:effectLst/>
+                <a:highlight>
+                  <a:srgbClr val="FFFFFF"/>
+                </a:highlight>
+                <a:latin typeface="Courier"/>
+              </a:rPr>
+              <a:t>useWings</a:t>
+            </a:r>
+            <a:r>
+              <a:rPr lang="en-US" b="1" i="0" dirty="0">
+                <a:solidFill>
+                  <a:srgbClr val="1F1F1F"/>
+                </a:solidFill>
+                <a:effectLst/>
+                <a:highlight>
+                  <a:srgbClr val="FFFFFF"/>
+                </a:highlight>
+                <a:latin typeface="Courier"/>
+              </a:rPr>
+              <a:t>()</a:t>
+            </a:r>
+            <a:r>
+              <a:rPr lang="en-US" b="0" i="0" dirty="0">
+                <a:solidFill>
+                  <a:srgbClr val="1F1F1F"/>
+                </a:solidFill>
+                <a:effectLst/>
+                <a:highlight>
+                  <a:srgbClr val="FFFFFF"/>
+                </a:highlight>
+                <a:latin typeface="Source Sans Pro" panose="020B0503030403020204" pitchFamily="34" charset="0"/>
+              </a:rPr>
+              <a:t> class - instead, it has its own implementation, although the </a:t>
+            </a:r>
+            <a:r>
+              <a:rPr lang="en-US" b="1" i="0" dirty="0">
+                <a:solidFill>
+                  <a:srgbClr val="1F1F1F"/>
+                </a:solidFill>
+                <a:effectLst/>
+                <a:highlight>
+                  <a:srgbClr val="FFFFFF"/>
+                </a:highlight>
+                <a:latin typeface="Courier"/>
+              </a:rPr>
+              <a:t>Penguin</a:t>
+            </a:r>
+            <a:r>
+              <a:rPr lang="en-US" b="0" i="0" dirty="0">
+                <a:solidFill>
+                  <a:srgbClr val="1F1F1F"/>
+                </a:solidFill>
+                <a:effectLst/>
+                <a:highlight>
+                  <a:srgbClr val="FFFFFF"/>
+                </a:highlight>
+                <a:latin typeface="Source Sans Pro" panose="020B0503030403020204" pitchFamily="34" charset="0"/>
+              </a:rPr>
+              <a:t> class itself does extend the </a:t>
+            </a:r>
+            <a:r>
+              <a:rPr lang="en-US" b="1" i="0" dirty="0">
+                <a:solidFill>
+                  <a:srgbClr val="1F1F1F"/>
+                </a:solidFill>
+                <a:effectLst/>
+                <a:highlight>
+                  <a:srgbClr val="FFFFFF"/>
+                </a:highlight>
+                <a:latin typeface="Courier"/>
+              </a:rPr>
+              <a:t>Bird</a:t>
+            </a:r>
+            <a:r>
+              <a:rPr lang="en-US" b="0" i="0" dirty="0">
+                <a:solidFill>
+                  <a:srgbClr val="1F1F1F"/>
+                </a:solidFill>
+                <a:effectLst/>
+                <a:highlight>
+                  <a:srgbClr val="FFFFFF"/>
+                </a:highlight>
+                <a:latin typeface="Source Sans Pro" panose="020B0503030403020204" pitchFamily="34" charset="0"/>
+              </a:rPr>
+              <a:t> class. </a:t>
+            </a:r>
+            <a:endParaRPr lang="en-US" dirty="0"/>
+          </a:p>
+        </p:txBody>
+      </p:sp>
+    </p:spTree>
+    <p:extLst>
+      <p:ext uri="{BB962C8B-B14F-4D97-AF65-F5344CB8AC3E}">
+        <p14:creationId xmlns:p14="http://schemas.microsoft.com/office/powerpoint/2010/main" val="644489314"/>
       </p:ext>
     </p:extLst>
   </p:cSld>

--- a/introduction to JS/javascript basic.pptx
+++ b/introduction to JS/javascript basic.pptx
@@ -20,6 +20,9 @@
     <p:sldId id="268" r:id="rId14"/>
     <p:sldId id="269" r:id="rId15"/>
     <p:sldId id="270" r:id="rId16"/>
+    <p:sldId id="271" r:id="rId17"/>
+    <p:sldId id="272" r:id="rId18"/>
+    <p:sldId id="273" r:id="rId19"/>
   </p:sldIdLst>
   <p:sldSz cx="12192000" cy="6858000"/>
   <p:notesSz cx="6858000" cy="9144000"/>
@@ -273,7 +276,7 @@
           <a:p>
             <a:fld id="{2E7F67CF-989E-474E-9B8A-E7CF5F77766D}" type="datetimeFigureOut">
               <a:rPr lang="en-US" smtClean="0"/>
-              <a:t>5/21/2024</a:t>
+              <a:t>5/23/2024</a:t>
             </a:fld>
             <a:endParaRPr lang="en-US"/>
           </a:p>
@@ -471,7 +474,7 @@
           <a:p>
             <a:fld id="{2E7F67CF-989E-474E-9B8A-E7CF5F77766D}" type="datetimeFigureOut">
               <a:rPr lang="en-US" smtClean="0"/>
-              <a:t>5/21/2024</a:t>
+              <a:t>5/23/2024</a:t>
             </a:fld>
             <a:endParaRPr lang="en-US"/>
           </a:p>
@@ -679,7 +682,7 @@
           <a:p>
             <a:fld id="{2E7F67CF-989E-474E-9B8A-E7CF5F77766D}" type="datetimeFigureOut">
               <a:rPr lang="en-US" smtClean="0"/>
-              <a:t>5/21/2024</a:t>
+              <a:t>5/23/2024</a:t>
             </a:fld>
             <a:endParaRPr lang="en-US"/>
           </a:p>
@@ -877,7 +880,7 @@
           <a:p>
             <a:fld id="{2E7F67CF-989E-474E-9B8A-E7CF5F77766D}" type="datetimeFigureOut">
               <a:rPr lang="en-US" smtClean="0"/>
-              <a:t>5/21/2024</a:t>
+              <a:t>5/23/2024</a:t>
             </a:fld>
             <a:endParaRPr lang="en-US"/>
           </a:p>
@@ -1152,7 +1155,7 @@
           <a:p>
             <a:fld id="{2E7F67CF-989E-474E-9B8A-E7CF5F77766D}" type="datetimeFigureOut">
               <a:rPr lang="en-US" smtClean="0"/>
-              <a:t>5/21/2024</a:t>
+              <a:t>5/23/2024</a:t>
             </a:fld>
             <a:endParaRPr lang="en-US"/>
           </a:p>
@@ -1417,7 +1420,7 @@
           <a:p>
             <a:fld id="{2E7F67CF-989E-474E-9B8A-E7CF5F77766D}" type="datetimeFigureOut">
               <a:rPr lang="en-US" smtClean="0"/>
-              <a:t>5/21/2024</a:t>
+              <a:t>5/23/2024</a:t>
             </a:fld>
             <a:endParaRPr lang="en-US"/>
           </a:p>
@@ -1829,7 +1832,7 @@
           <a:p>
             <a:fld id="{2E7F67CF-989E-474E-9B8A-E7CF5F77766D}" type="datetimeFigureOut">
               <a:rPr lang="en-US" smtClean="0"/>
-              <a:t>5/21/2024</a:t>
+              <a:t>5/23/2024</a:t>
             </a:fld>
             <a:endParaRPr lang="en-US"/>
           </a:p>
@@ -1970,7 +1973,7 @@
           <a:p>
             <a:fld id="{2E7F67CF-989E-474E-9B8A-E7CF5F77766D}" type="datetimeFigureOut">
               <a:rPr lang="en-US" smtClean="0"/>
-              <a:t>5/21/2024</a:t>
+              <a:t>5/23/2024</a:t>
             </a:fld>
             <a:endParaRPr lang="en-US"/>
           </a:p>
@@ -2083,7 +2086,7 @@
           <a:p>
             <a:fld id="{2E7F67CF-989E-474E-9B8A-E7CF5F77766D}" type="datetimeFigureOut">
               <a:rPr lang="en-US" smtClean="0"/>
-              <a:t>5/21/2024</a:t>
+              <a:t>5/23/2024</a:t>
             </a:fld>
             <a:endParaRPr lang="en-US"/>
           </a:p>
@@ -2394,7 +2397,7 @@
           <a:p>
             <a:fld id="{2E7F67CF-989E-474E-9B8A-E7CF5F77766D}" type="datetimeFigureOut">
               <a:rPr lang="en-US" smtClean="0"/>
-              <a:t>5/21/2024</a:t>
+              <a:t>5/23/2024</a:t>
             </a:fld>
             <a:endParaRPr lang="en-US"/>
           </a:p>
@@ -2682,7 +2685,7 @@
           <a:p>
             <a:fld id="{2E7F67CF-989E-474E-9B8A-E7CF5F77766D}" type="datetimeFigureOut">
               <a:rPr lang="en-US" smtClean="0"/>
-              <a:t>5/21/2024</a:t>
+              <a:t>5/23/2024</a:t>
             </a:fld>
             <a:endParaRPr lang="en-US"/>
           </a:p>
@@ -2923,7 +2926,7 @@
           <a:p>
             <a:fld id="{2E7F67CF-989E-474E-9B8A-E7CF5F77766D}" type="datetimeFigureOut">
               <a:rPr lang="en-US" smtClean="0"/>
-              <a:t>5/21/2024</a:t>
+              <a:t>5/23/2024</a:t>
             </a:fld>
             <a:endParaRPr lang="en-US"/>
           </a:p>
@@ -4938,6 +4941,871 @@
     <p:extLst>
       <p:ext uri="{BB962C8B-B14F-4D97-AF65-F5344CB8AC3E}">
         <p14:creationId xmlns:p14="http://schemas.microsoft.com/office/powerpoint/2010/main" val="644489314"/>
+      </p:ext>
+    </p:extLst>
+  </p:cSld>
+  <p:clrMapOvr>
+    <a:masterClrMapping/>
+  </p:clrMapOvr>
+</p:sld>
+</file>
+
+<file path=ppt/slides/slide16.xml><?xml version="1.0" encoding="utf-8"?>
+<p:sld xmlns:a="http://schemas.openxmlformats.org/drawingml/2006/main" xmlns:r="http://schemas.openxmlformats.org/officeDocument/2006/relationships" xmlns:p="http://schemas.openxmlformats.org/presentationml/2006/main">
+  <p:cSld>
+    <p:spTree>
+      <p:nvGrpSpPr>
+        <p:cNvPr id="1" name=""/>
+        <p:cNvGrpSpPr/>
+        <p:nvPr/>
+      </p:nvGrpSpPr>
+      <p:grpSpPr>
+        <a:xfrm>
+          <a:off x="0" y="0"/>
+          <a:ext cx="0" cy="0"/>
+          <a:chOff x="0" y="0"/>
+          <a:chExt cx="0" cy="0"/>
+        </a:xfrm>
+      </p:grpSpPr>
+      <p:sp>
+        <p:nvSpPr>
+          <p:cNvPr id="2" name="Title 1">
+            <a:extLst>
+              <a:ext uri="{FF2B5EF4-FFF2-40B4-BE49-F238E27FC236}">
+                <a16:creationId xmlns:a16="http://schemas.microsoft.com/office/drawing/2014/main" id="{EBF621D7-AF5A-E74B-BD40-BB4CA0A1CC80}"/>
+              </a:ext>
+            </a:extLst>
+          </p:cNvPr>
+          <p:cNvSpPr>
+            <a:spLocks noGrp="1"/>
+          </p:cNvSpPr>
+          <p:nvPr>
+            <p:ph type="title"/>
+          </p:nvPr>
+        </p:nvSpPr>
+        <p:spPr/>
+        <p:txBody>
+          <a:bodyPr/>
+          <a:lstStyle/>
+          <a:p>
+            <a:r>
+              <a:rPr lang="en-US" dirty="0"/>
+              <a:t>Loop an object</a:t>
+            </a:r>
+          </a:p>
+        </p:txBody>
+      </p:sp>
+      <p:pic>
+        <p:nvPicPr>
+          <p:cNvPr id="5" name="Picture 4">
+            <a:extLst>
+              <a:ext uri="{FF2B5EF4-FFF2-40B4-BE49-F238E27FC236}">
+                <a16:creationId xmlns:a16="http://schemas.microsoft.com/office/drawing/2014/main" id="{72906220-1D35-255F-D1CB-95E9927BD16A}"/>
+              </a:ext>
+            </a:extLst>
+          </p:cNvPr>
+          <p:cNvPicPr>
+            <a:picLocks noChangeAspect="1"/>
+          </p:cNvPicPr>
+          <p:nvPr/>
+        </p:nvPicPr>
+        <p:blipFill>
+          <a:blip r:embed="rId2">
+            <a:extLst>
+              <a:ext uri="{28A0092B-C50C-407E-A947-70E740481C1C}">
+                <a14:useLocalDpi xmlns:a14="http://schemas.microsoft.com/office/drawing/2010/main" val="0"/>
+              </a:ext>
+            </a:extLst>
+          </a:blip>
+          <a:stretch>
+            <a:fillRect/>
+          </a:stretch>
+        </p:blipFill>
+        <p:spPr>
+          <a:xfrm>
+            <a:off x="838200" y="1850900"/>
+            <a:ext cx="6535062" cy="304843"/>
+          </a:xfrm>
+          <a:prstGeom prst="rect">
+            <a:avLst/>
+          </a:prstGeom>
+        </p:spPr>
+      </p:pic>
+      <p:sp>
+        <p:nvSpPr>
+          <p:cNvPr id="7" name="TextBox 6">
+            <a:extLst>
+              <a:ext uri="{FF2B5EF4-FFF2-40B4-BE49-F238E27FC236}">
+                <a16:creationId xmlns:a16="http://schemas.microsoft.com/office/drawing/2014/main" id="{D89F99C0-B055-99DF-A6CF-5C04BE312B31}"/>
+              </a:ext>
+            </a:extLst>
+          </p:cNvPr>
+          <p:cNvSpPr txBox="1"/>
+          <p:nvPr/>
+        </p:nvSpPr>
+        <p:spPr>
+          <a:xfrm>
+            <a:off x="1388806" y="2926737"/>
+            <a:ext cx="2416277" cy="369332"/>
+          </a:xfrm>
+          <a:prstGeom prst="rect">
+            <a:avLst/>
+          </a:prstGeom>
+          <a:noFill/>
+        </p:spPr>
+        <p:txBody>
+          <a:bodyPr wrap="square">
+            <a:spAutoFit/>
+          </a:bodyPr>
+          <a:lstStyle/>
+          <a:p>
+            <a:r>
+              <a:rPr lang="en-US" b="1" i="0" dirty="0" err="1">
+                <a:solidFill>
+                  <a:srgbClr val="1F1F1F"/>
+                </a:solidFill>
+                <a:effectLst/>
+                <a:highlight>
+                  <a:srgbClr val="E5E7E8"/>
+                </a:highlight>
+                <a:latin typeface="Courier"/>
+              </a:rPr>
+              <a:t>Object.entries</a:t>
+            </a:r>
+            <a:r>
+              <a:rPr lang="en-US" b="1" i="0" dirty="0">
+                <a:solidFill>
+                  <a:srgbClr val="1F1F1F"/>
+                </a:solidFill>
+                <a:effectLst/>
+                <a:highlight>
+                  <a:srgbClr val="E5E7E8"/>
+                </a:highlight>
+                <a:latin typeface="Courier"/>
+              </a:rPr>
+              <a:t>()</a:t>
+            </a:r>
+            <a:endParaRPr lang="en-US" dirty="0"/>
+          </a:p>
+        </p:txBody>
+      </p:sp>
+      <p:pic>
+        <p:nvPicPr>
+          <p:cNvPr id="9" name="Picture 8" descr="A blue and black text&#10;&#10;Description automatically generated">
+            <a:extLst>
+              <a:ext uri="{FF2B5EF4-FFF2-40B4-BE49-F238E27FC236}">
+                <a16:creationId xmlns:a16="http://schemas.microsoft.com/office/drawing/2014/main" id="{08443105-740B-02B5-6190-DFE857F3345B}"/>
+              </a:ext>
+            </a:extLst>
+          </p:cNvPr>
+          <p:cNvPicPr>
+            <a:picLocks noChangeAspect="1"/>
+          </p:cNvPicPr>
+          <p:nvPr/>
+        </p:nvPicPr>
+        <p:blipFill>
+          <a:blip r:embed="rId3">
+            <a:extLst>
+              <a:ext uri="{28A0092B-C50C-407E-A947-70E740481C1C}">
+                <a14:useLocalDpi xmlns:a14="http://schemas.microsoft.com/office/drawing/2010/main" val="0"/>
+              </a:ext>
+            </a:extLst>
+          </a:blip>
+          <a:stretch>
+            <a:fillRect/>
+          </a:stretch>
+        </p:blipFill>
+        <p:spPr>
+          <a:xfrm>
+            <a:off x="4105731" y="2315955"/>
+            <a:ext cx="4772691" cy="1590897"/>
+          </a:xfrm>
+          <a:prstGeom prst="rect">
+            <a:avLst/>
+          </a:prstGeom>
+        </p:spPr>
+      </p:pic>
+      <p:pic>
+        <p:nvPicPr>
+          <p:cNvPr id="11" name="Picture 10" descr="A computer code with text&#10;&#10;Description automatically generated">
+            <a:extLst>
+              <a:ext uri="{FF2B5EF4-FFF2-40B4-BE49-F238E27FC236}">
+                <a16:creationId xmlns:a16="http://schemas.microsoft.com/office/drawing/2014/main" id="{D22BAA57-EA80-EE23-0D81-FC4AB7393ED9}"/>
+              </a:ext>
+            </a:extLst>
+          </p:cNvPr>
+          <p:cNvPicPr>
+            <a:picLocks noChangeAspect="1"/>
+          </p:cNvPicPr>
+          <p:nvPr/>
+        </p:nvPicPr>
+        <p:blipFill>
+          <a:blip r:embed="rId4">
+            <a:extLst>
+              <a:ext uri="{28A0092B-C50C-407E-A947-70E740481C1C}">
+                <a14:useLocalDpi xmlns:a14="http://schemas.microsoft.com/office/drawing/2010/main" val="0"/>
+              </a:ext>
+            </a:extLst>
+          </a:blip>
+          <a:stretch>
+            <a:fillRect/>
+          </a:stretch>
+        </p:blipFill>
+        <p:spPr>
+          <a:xfrm>
+            <a:off x="1471532" y="3728212"/>
+            <a:ext cx="7754432" cy="3019846"/>
+          </a:xfrm>
+          <a:prstGeom prst="rect">
+            <a:avLst/>
+          </a:prstGeom>
+        </p:spPr>
+      </p:pic>
+    </p:spTree>
+    <p:extLst>
+      <p:ext uri="{BB962C8B-B14F-4D97-AF65-F5344CB8AC3E}">
+        <p14:creationId xmlns:p14="http://schemas.microsoft.com/office/powerpoint/2010/main" val="6182276"/>
+      </p:ext>
+    </p:extLst>
+  </p:cSld>
+  <p:clrMapOvr>
+    <a:masterClrMapping/>
+  </p:clrMapOvr>
+</p:sld>
+</file>
+
+<file path=ppt/slides/slide17.xml><?xml version="1.0" encoding="utf-8"?>
+<p:sld xmlns:a="http://schemas.openxmlformats.org/drawingml/2006/main" xmlns:r="http://schemas.openxmlformats.org/officeDocument/2006/relationships" xmlns:p="http://schemas.openxmlformats.org/presentationml/2006/main">
+  <p:cSld>
+    <p:spTree>
+      <p:nvGrpSpPr>
+        <p:cNvPr id="1" name=""/>
+        <p:cNvGrpSpPr/>
+        <p:nvPr/>
+      </p:nvGrpSpPr>
+      <p:grpSpPr>
+        <a:xfrm>
+          <a:off x="0" y="0"/>
+          <a:ext cx="0" cy="0"/>
+          <a:chOff x="0" y="0"/>
+          <a:chExt cx="0" cy="0"/>
+        </a:xfrm>
+      </p:grpSpPr>
+      <p:sp>
+        <p:nvSpPr>
+          <p:cNvPr id="2" name="Title 1">
+            <a:extLst>
+              <a:ext uri="{FF2B5EF4-FFF2-40B4-BE49-F238E27FC236}">
+                <a16:creationId xmlns:a16="http://schemas.microsoft.com/office/drawing/2014/main" id="{FAF74574-7347-F90B-9466-6DD23388E069}"/>
+              </a:ext>
+            </a:extLst>
+          </p:cNvPr>
+          <p:cNvSpPr>
+            <a:spLocks noGrp="1"/>
+          </p:cNvSpPr>
+          <p:nvPr>
+            <p:ph type="title"/>
+          </p:nvPr>
+        </p:nvSpPr>
+        <p:spPr/>
+        <p:txBody>
+          <a:bodyPr/>
+          <a:lstStyle/>
+          <a:p>
+            <a:r>
+              <a:rPr lang="en-US" dirty="0"/>
+              <a:t>For-of vs for-in</a:t>
+            </a:r>
+          </a:p>
+        </p:txBody>
+      </p:sp>
+      <p:pic>
+        <p:nvPicPr>
+          <p:cNvPr id="5" name="Picture 4" descr="A screenshot of a computer screen&#10;&#10;Description automatically generated">
+            <a:extLst>
+              <a:ext uri="{FF2B5EF4-FFF2-40B4-BE49-F238E27FC236}">
+                <a16:creationId xmlns:a16="http://schemas.microsoft.com/office/drawing/2014/main" id="{D9812735-8B86-25EF-4ECE-31ECF66D739A}"/>
+              </a:ext>
+            </a:extLst>
+          </p:cNvPr>
+          <p:cNvPicPr>
+            <a:picLocks noChangeAspect="1"/>
+          </p:cNvPicPr>
+          <p:nvPr/>
+        </p:nvPicPr>
+        <p:blipFill>
+          <a:blip r:embed="rId2">
+            <a:extLst>
+              <a:ext uri="{28A0092B-C50C-407E-A947-70E740481C1C}">
+                <a14:useLocalDpi xmlns:a14="http://schemas.microsoft.com/office/drawing/2010/main" val="0"/>
+              </a:ext>
+            </a:extLst>
+          </a:blip>
+          <a:stretch>
+            <a:fillRect/>
+          </a:stretch>
+        </p:blipFill>
+        <p:spPr>
+          <a:xfrm>
+            <a:off x="838200" y="1431533"/>
+            <a:ext cx="7806812" cy="3085058"/>
+          </a:xfrm>
+          <a:prstGeom prst="rect">
+            <a:avLst/>
+          </a:prstGeom>
+        </p:spPr>
+      </p:pic>
+      <p:sp>
+        <p:nvSpPr>
+          <p:cNvPr id="6" name="TextBox 5">
+            <a:extLst>
+              <a:ext uri="{FF2B5EF4-FFF2-40B4-BE49-F238E27FC236}">
+                <a16:creationId xmlns:a16="http://schemas.microsoft.com/office/drawing/2014/main" id="{193975F7-88F0-0D3B-7EBB-7B06F4031BD3}"/>
+              </a:ext>
+            </a:extLst>
+          </p:cNvPr>
+          <p:cNvSpPr txBox="1"/>
+          <p:nvPr/>
+        </p:nvSpPr>
+        <p:spPr>
+          <a:xfrm>
+            <a:off x="1012722" y="4906297"/>
+            <a:ext cx="5083277" cy="646331"/>
+          </a:xfrm>
+          <a:prstGeom prst="rect">
+            <a:avLst/>
+          </a:prstGeom>
+          <a:noFill/>
+        </p:spPr>
+        <p:txBody>
+          <a:bodyPr wrap="square" rtlCol="0">
+            <a:spAutoFit/>
+          </a:bodyPr>
+          <a:lstStyle/>
+          <a:p>
+            <a:r>
+              <a:rPr lang="en-US" dirty="0">
+                <a:highlight>
+                  <a:srgbClr val="FFFF00"/>
+                </a:highlight>
+              </a:rPr>
+              <a:t>For-of: only the object properties</a:t>
+            </a:r>
+          </a:p>
+          <a:p>
+            <a:r>
+              <a:rPr lang="en-US" dirty="0">
+                <a:highlight>
+                  <a:srgbClr val="FFFF00"/>
+                </a:highlight>
+              </a:rPr>
+              <a:t>For-in: object and its prototype</a:t>
+            </a:r>
+          </a:p>
+        </p:txBody>
+      </p:sp>
+    </p:spTree>
+    <p:extLst>
+      <p:ext uri="{BB962C8B-B14F-4D97-AF65-F5344CB8AC3E}">
+        <p14:creationId xmlns:p14="http://schemas.microsoft.com/office/powerpoint/2010/main" val="2906616316"/>
+      </p:ext>
+    </p:extLst>
+  </p:cSld>
+  <p:clrMapOvr>
+    <a:masterClrMapping/>
+  </p:clrMapOvr>
+</p:sld>
+</file>
+
+<file path=ppt/slides/slide18.xml><?xml version="1.0" encoding="utf-8"?>
+<p:sld xmlns:a="http://schemas.openxmlformats.org/drawingml/2006/main" xmlns:r="http://schemas.openxmlformats.org/officeDocument/2006/relationships" xmlns:p="http://schemas.openxmlformats.org/presentationml/2006/main">
+  <p:cSld>
+    <p:spTree>
+      <p:nvGrpSpPr>
+        <p:cNvPr id="1" name=""/>
+        <p:cNvGrpSpPr/>
+        <p:nvPr/>
+      </p:nvGrpSpPr>
+      <p:grpSpPr>
+        <a:xfrm>
+          <a:off x="0" y="0"/>
+          <a:ext cx="0" cy="0"/>
+          <a:chOff x="0" y="0"/>
+          <a:chExt cx="0" cy="0"/>
+        </a:xfrm>
+      </p:grpSpPr>
+      <p:sp>
+        <p:nvSpPr>
+          <p:cNvPr id="2" name="Title 1">
+            <a:extLst>
+              <a:ext uri="{FF2B5EF4-FFF2-40B4-BE49-F238E27FC236}">
+                <a16:creationId xmlns:a16="http://schemas.microsoft.com/office/drawing/2014/main" id="{B76CE32B-0C7E-C9DD-877A-13221881A250}"/>
+              </a:ext>
+            </a:extLst>
+          </p:cNvPr>
+          <p:cNvSpPr>
+            <a:spLocks noGrp="1"/>
+          </p:cNvSpPr>
+          <p:nvPr>
+            <p:ph type="title"/>
+          </p:nvPr>
+        </p:nvSpPr>
+        <p:spPr/>
+        <p:txBody>
+          <a:bodyPr/>
+          <a:lstStyle/>
+          <a:p>
+            <a:r>
+              <a:rPr lang="en-US" b="1" i="0" dirty="0">
+                <a:solidFill>
+                  <a:srgbClr val="1F1F1F"/>
+                </a:solidFill>
+                <a:effectLst/>
+                <a:highlight>
+                  <a:srgbClr val="FFFFFF"/>
+                </a:highlight>
+              </a:rPr>
+              <a:t>Template literals</a:t>
+            </a:r>
+            <a:endParaRPr lang="en-US" dirty="0"/>
+          </a:p>
+        </p:txBody>
+      </p:sp>
+      <p:sp>
+        <p:nvSpPr>
+          <p:cNvPr id="3" name="Content Placeholder 2">
+            <a:extLst>
+              <a:ext uri="{FF2B5EF4-FFF2-40B4-BE49-F238E27FC236}">
+                <a16:creationId xmlns:a16="http://schemas.microsoft.com/office/drawing/2014/main" id="{961F32E9-43E6-A96F-7FA2-452B812FB245}"/>
+              </a:ext>
+            </a:extLst>
+          </p:cNvPr>
+          <p:cNvSpPr>
+            <a:spLocks noGrp="1"/>
+          </p:cNvSpPr>
+          <p:nvPr>
+            <p:ph idx="1"/>
+          </p:nvPr>
+        </p:nvSpPr>
+        <p:spPr/>
+        <p:txBody>
+          <a:bodyPr/>
+          <a:lstStyle/>
+          <a:p>
+            <a:r>
+              <a:rPr lang="en-US" b="0" dirty="0">
+                <a:solidFill>
+                  <a:srgbClr val="000000"/>
+                </a:solidFill>
+                <a:effectLst/>
+                <a:highlight>
+                  <a:srgbClr val="FFFFFE"/>
+                </a:highlight>
+                <a:latin typeface="Consolas" panose="020B0609020204030204" pitchFamily="49" charset="0"/>
+              </a:rPr>
+              <a:t>console.log(</a:t>
+            </a:r>
+            <a:r>
+              <a:rPr lang="en-US" b="0" dirty="0">
+                <a:solidFill>
+                  <a:srgbClr val="A31515"/>
+                </a:solidFill>
+                <a:effectLst/>
+                <a:highlight>
+                  <a:srgbClr val="FFFFFE"/>
+                </a:highlight>
+                <a:latin typeface="Consolas" panose="020B0609020204030204" pitchFamily="49" charset="0"/>
+              </a:rPr>
+              <a:t>`</a:t>
+            </a:r>
+            <a:r>
+              <a:rPr lang="en-US" b="0" dirty="0">
+                <a:solidFill>
+                  <a:srgbClr val="000000"/>
+                </a:solidFill>
+                <a:effectLst/>
+                <a:highlight>
+                  <a:srgbClr val="FFFFFE"/>
+                </a:highlight>
+                <a:latin typeface="Consolas" panose="020B0609020204030204" pitchFamily="49" charset="0"/>
+              </a:rPr>
+              <a:t>${greet}</a:t>
+            </a:r>
+            <a:r>
+              <a:rPr lang="en-US" b="0" dirty="0">
+                <a:solidFill>
+                  <a:srgbClr val="A31515"/>
+                </a:solidFill>
+                <a:effectLst/>
+                <a:highlight>
+                  <a:srgbClr val="FFFFFE"/>
+                </a:highlight>
+                <a:latin typeface="Consolas" panose="020B0609020204030204" pitchFamily="49" charset="0"/>
+              </a:rPr>
+              <a:t> </a:t>
+            </a:r>
+            <a:r>
+              <a:rPr lang="en-US" b="0" dirty="0">
+                <a:solidFill>
+                  <a:srgbClr val="000000"/>
+                </a:solidFill>
+                <a:effectLst/>
+                <a:highlight>
+                  <a:srgbClr val="FFFFFE"/>
+                </a:highlight>
+                <a:latin typeface="Consolas" panose="020B0609020204030204" pitchFamily="49" charset="0"/>
+              </a:rPr>
+              <a:t>${place}</a:t>
+            </a:r>
+            <a:r>
+              <a:rPr lang="en-US" b="0" dirty="0">
+                <a:solidFill>
+                  <a:srgbClr val="A31515"/>
+                </a:solidFill>
+                <a:effectLst/>
+                <a:highlight>
+                  <a:srgbClr val="FFFFFE"/>
+                </a:highlight>
+                <a:latin typeface="Consolas" panose="020B0609020204030204" pitchFamily="49" charset="0"/>
+              </a:rPr>
+              <a:t> !`</a:t>
+            </a:r>
+            <a:r>
+              <a:rPr lang="en-US" b="0" dirty="0">
+                <a:solidFill>
+                  <a:srgbClr val="000000"/>
+                </a:solidFill>
+                <a:effectLst/>
+                <a:highlight>
+                  <a:srgbClr val="FFFFFE"/>
+                </a:highlight>
+                <a:latin typeface="Consolas" panose="020B0609020204030204" pitchFamily="49" charset="0"/>
+              </a:rPr>
+              <a:t>)//</a:t>
+            </a:r>
+            <a:r>
+              <a:rPr lang="en-US" b="0" i="0" dirty="0">
+                <a:solidFill>
+                  <a:srgbClr val="1F1F1F"/>
+                </a:solidFill>
+                <a:effectLst/>
+                <a:highlight>
+                  <a:srgbClr val="FFFFFF"/>
+                </a:highlight>
+                <a:latin typeface="Source Sans Pro" panose="020B0503030403020204" pitchFamily="34" charset="0"/>
+              </a:rPr>
+              <a:t>placeholder by </a:t>
+            </a:r>
+            <a:r>
+              <a:rPr lang="en-US" b="0" i="0" dirty="0">
+                <a:solidFill>
+                  <a:srgbClr val="1F1F1F"/>
+                </a:solidFill>
+                <a:effectLst/>
+                <a:highlight>
+                  <a:srgbClr val="FFFF00"/>
+                </a:highlight>
+                <a:latin typeface="Source Sans Pro" panose="020B0503030403020204" pitchFamily="34" charset="0"/>
+              </a:rPr>
+              <a:t>${}</a:t>
+            </a:r>
+          </a:p>
+          <a:p>
+            <a:r>
+              <a:rPr lang="en-US" b="0" i="0" dirty="0">
+                <a:solidFill>
+                  <a:srgbClr val="1F1F1F"/>
+                </a:solidFill>
+                <a:effectLst/>
+                <a:highlight>
+                  <a:srgbClr val="FFFFFF"/>
+                </a:highlight>
+                <a:latin typeface="Source Sans Pro" panose="020B0503030403020204" pitchFamily="34" charset="0"/>
+              </a:rPr>
+              <a:t>template strings can </a:t>
+            </a:r>
+            <a:r>
+              <a:rPr lang="en-US" b="0" i="0" dirty="0">
+                <a:solidFill>
+                  <a:srgbClr val="1F1F1F"/>
+                </a:solidFill>
+                <a:effectLst/>
+                <a:highlight>
+                  <a:srgbClr val="FFFF00"/>
+                </a:highlight>
+                <a:latin typeface="Source Sans Pro" panose="020B0503030403020204" pitchFamily="34" charset="0"/>
+              </a:rPr>
+              <a:t>span multiple lines</a:t>
+            </a:r>
+            <a:r>
+              <a:rPr lang="en-US" b="0" i="0" dirty="0">
+                <a:solidFill>
+                  <a:srgbClr val="1F1F1F"/>
+                </a:solidFill>
+                <a:effectLst/>
+                <a:highlight>
+                  <a:srgbClr val="FFFFFF"/>
+                </a:highlight>
+                <a:latin typeface="Source Sans Pro" panose="020B0503030403020204" pitchFamily="34" charset="0"/>
+              </a:rPr>
+              <a:t>.</a:t>
+            </a:r>
+            <a:endParaRPr lang="en-US" b="0" dirty="0">
+              <a:solidFill>
+                <a:srgbClr val="000000"/>
+              </a:solidFill>
+              <a:effectLst/>
+              <a:highlight>
+                <a:srgbClr val="FFFF00"/>
+              </a:highlight>
+              <a:latin typeface="Consolas" panose="020B0609020204030204" pitchFamily="49" charset="0"/>
+            </a:endParaRPr>
+          </a:p>
+          <a:p>
+            <a:r>
+              <a:rPr lang="en-US" b="0" dirty="0">
+                <a:solidFill>
+                  <a:srgbClr val="008000"/>
+                </a:solidFill>
+                <a:effectLst/>
+                <a:highlight>
+                  <a:srgbClr val="FFFFFE"/>
+                </a:highlight>
+                <a:latin typeface="Consolas" panose="020B0609020204030204" pitchFamily="49" charset="0"/>
+              </a:rPr>
+              <a:t>//it's possible to perform arithmetic operation inside a template </a:t>
+            </a:r>
+            <a:r>
+              <a:rPr lang="en-US" b="0">
+                <a:solidFill>
+                  <a:srgbClr val="008000"/>
+                </a:solidFill>
+                <a:effectLst/>
+                <a:highlight>
+                  <a:srgbClr val="FFFFFE"/>
+                </a:highlight>
+                <a:latin typeface="Consolas" panose="020B0609020204030204" pitchFamily="49" charset="0"/>
+              </a:rPr>
+              <a:t>literal expression </a:t>
+            </a:r>
+            <a:r>
+              <a:rPr lang="en-US" b="0">
+                <a:solidFill>
+                  <a:srgbClr val="000000"/>
+                </a:solidFill>
+                <a:effectLst/>
+                <a:highlight>
+                  <a:srgbClr val="FFFFFE"/>
+                </a:highlight>
+                <a:latin typeface="Consolas" panose="020B0609020204030204" pitchFamily="49" charset="0"/>
+              </a:rPr>
+              <a:t>console</a:t>
+            </a:r>
+            <a:r>
+              <a:rPr lang="en-US" b="0" dirty="0">
+                <a:solidFill>
+                  <a:srgbClr val="000000"/>
+                </a:solidFill>
+                <a:effectLst/>
+                <a:highlight>
+                  <a:srgbClr val="FFFFFE"/>
+                </a:highlight>
+                <a:latin typeface="Consolas" panose="020B0609020204030204" pitchFamily="49" charset="0"/>
+              </a:rPr>
+              <a:t>.log(</a:t>
+            </a:r>
+            <a:r>
+              <a:rPr lang="en-US" b="0" dirty="0">
+                <a:solidFill>
+                  <a:srgbClr val="A31515"/>
+                </a:solidFill>
+                <a:effectLst/>
+                <a:highlight>
+                  <a:srgbClr val="FFFFFE"/>
+                </a:highlight>
+                <a:latin typeface="Consolas" panose="020B0609020204030204" pitchFamily="49" charset="0"/>
+              </a:rPr>
+              <a:t>`</a:t>
+            </a:r>
+            <a:r>
+              <a:rPr lang="en-US" b="0" dirty="0">
+                <a:solidFill>
+                  <a:srgbClr val="000000"/>
+                </a:solidFill>
+                <a:effectLst/>
+                <a:highlight>
+                  <a:srgbClr val="FFFFFE"/>
+                </a:highlight>
+                <a:latin typeface="Consolas" panose="020B0609020204030204" pitchFamily="49" charset="0"/>
+              </a:rPr>
+              <a:t>${</a:t>
+            </a:r>
+            <a:r>
+              <a:rPr lang="en-US" b="0" dirty="0">
+                <a:solidFill>
+                  <a:srgbClr val="098658"/>
+                </a:solidFill>
+                <a:effectLst/>
+                <a:highlight>
+                  <a:srgbClr val="FFFFFE"/>
+                </a:highlight>
+                <a:latin typeface="Consolas" panose="020B0609020204030204" pitchFamily="49" charset="0"/>
+              </a:rPr>
+              <a:t>1</a:t>
+            </a:r>
+            <a:r>
+              <a:rPr lang="en-US" b="0" dirty="0">
+                <a:solidFill>
+                  <a:srgbClr val="000000"/>
+                </a:solidFill>
+                <a:effectLst/>
+                <a:highlight>
+                  <a:srgbClr val="FFFFFE"/>
+                </a:highlight>
+                <a:latin typeface="Consolas" panose="020B0609020204030204" pitchFamily="49" charset="0"/>
+              </a:rPr>
+              <a:t> + </a:t>
+            </a:r>
+            <a:r>
+              <a:rPr lang="en-US" b="0" dirty="0">
+                <a:solidFill>
+                  <a:srgbClr val="098658"/>
+                </a:solidFill>
+                <a:effectLst/>
+                <a:highlight>
+                  <a:srgbClr val="FFFFFE"/>
+                </a:highlight>
+                <a:latin typeface="Consolas" panose="020B0609020204030204" pitchFamily="49" charset="0"/>
+              </a:rPr>
+              <a:t>1</a:t>
+            </a:r>
+            <a:r>
+              <a:rPr lang="en-US" b="0" dirty="0">
+                <a:solidFill>
+                  <a:srgbClr val="000000"/>
+                </a:solidFill>
+                <a:effectLst/>
+                <a:highlight>
+                  <a:srgbClr val="FFFFFE"/>
+                </a:highlight>
+                <a:latin typeface="Consolas" panose="020B0609020204030204" pitchFamily="49" charset="0"/>
+              </a:rPr>
+              <a:t> + </a:t>
+            </a:r>
+            <a:r>
+              <a:rPr lang="en-US" b="0" dirty="0">
+                <a:solidFill>
+                  <a:srgbClr val="098658"/>
+                </a:solidFill>
+                <a:effectLst/>
+                <a:highlight>
+                  <a:srgbClr val="FFFFFE"/>
+                </a:highlight>
+                <a:latin typeface="Consolas" panose="020B0609020204030204" pitchFamily="49" charset="0"/>
+              </a:rPr>
+              <a:t>1</a:t>
+            </a:r>
+            <a:r>
+              <a:rPr lang="en-US" b="0" dirty="0">
+                <a:solidFill>
+                  <a:srgbClr val="000000"/>
+                </a:solidFill>
+                <a:effectLst/>
+                <a:highlight>
+                  <a:srgbClr val="FFFFFE"/>
+                </a:highlight>
+                <a:latin typeface="Consolas" panose="020B0609020204030204" pitchFamily="49" charset="0"/>
+              </a:rPr>
+              <a:t> + </a:t>
+            </a:r>
+            <a:r>
+              <a:rPr lang="en-US" b="0" dirty="0">
+                <a:solidFill>
+                  <a:srgbClr val="098658"/>
+                </a:solidFill>
+                <a:effectLst/>
+                <a:highlight>
+                  <a:srgbClr val="FFFFFE"/>
+                </a:highlight>
+                <a:latin typeface="Consolas" panose="020B0609020204030204" pitchFamily="49" charset="0"/>
+              </a:rPr>
+              <a:t>1</a:t>
+            </a:r>
+            <a:r>
+              <a:rPr lang="en-US" b="0" dirty="0">
+                <a:solidFill>
+                  <a:srgbClr val="000000"/>
+                </a:solidFill>
+                <a:effectLst/>
+                <a:highlight>
+                  <a:srgbClr val="FFFFFE"/>
+                </a:highlight>
+                <a:latin typeface="Consolas" panose="020B0609020204030204" pitchFamily="49" charset="0"/>
+              </a:rPr>
+              <a:t> + </a:t>
+            </a:r>
+            <a:r>
+              <a:rPr lang="en-US" b="0" dirty="0">
+                <a:solidFill>
+                  <a:srgbClr val="098658"/>
+                </a:solidFill>
+                <a:effectLst/>
+                <a:highlight>
+                  <a:srgbClr val="FFFFFE"/>
+                </a:highlight>
+                <a:latin typeface="Consolas" panose="020B0609020204030204" pitchFamily="49" charset="0"/>
+              </a:rPr>
+              <a:t>1</a:t>
+            </a:r>
+            <a:r>
+              <a:rPr lang="en-US" b="0" dirty="0">
+                <a:solidFill>
+                  <a:srgbClr val="000000"/>
+                </a:solidFill>
+                <a:effectLst/>
+                <a:highlight>
+                  <a:srgbClr val="FFFFFE"/>
+                </a:highlight>
+                <a:latin typeface="Consolas" panose="020B0609020204030204" pitchFamily="49" charset="0"/>
+              </a:rPr>
+              <a:t>}</a:t>
+            </a:r>
+            <a:r>
+              <a:rPr lang="en-US" b="0" dirty="0">
+                <a:solidFill>
+                  <a:srgbClr val="A31515"/>
+                </a:solidFill>
+                <a:effectLst/>
+                <a:highlight>
+                  <a:srgbClr val="FFFFFE"/>
+                </a:highlight>
+                <a:latin typeface="Consolas" panose="020B0609020204030204" pitchFamily="49" charset="0"/>
+              </a:rPr>
+              <a:t> stars!`</a:t>
+            </a:r>
+            <a:r>
+              <a:rPr lang="en-US" b="0" dirty="0">
+                <a:solidFill>
+                  <a:srgbClr val="000000"/>
+                </a:solidFill>
+                <a:effectLst/>
+                <a:highlight>
+                  <a:srgbClr val="FFFFFE"/>
+                </a:highlight>
+                <a:latin typeface="Consolas" panose="020B0609020204030204" pitchFamily="49" charset="0"/>
+              </a:rPr>
+              <a:t>) </a:t>
+            </a:r>
+          </a:p>
+          <a:p>
+            <a:endParaRPr lang="en-US" dirty="0"/>
+          </a:p>
+        </p:txBody>
+      </p:sp>
+    </p:spTree>
+    <p:extLst>
+      <p:ext uri="{BB962C8B-B14F-4D97-AF65-F5344CB8AC3E}">
+        <p14:creationId xmlns:p14="http://schemas.microsoft.com/office/powerpoint/2010/main" val="2565028552"/>
       </p:ext>
     </p:extLst>
   </p:cSld>

--- a/introduction to JS/javascript basic.pptx
+++ b/introduction to JS/javascript basic.pptx
@@ -23,6 +23,23 @@
     <p:sldId id="271" r:id="rId17"/>
     <p:sldId id="272" r:id="rId18"/>
     <p:sldId id="273" r:id="rId19"/>
+    <p:sldId id="279" r:id="rId20"/>
+    <p:sldId id="274" r:id="rId21"/>
+    <p:sldId id="275" r:id="rId22"/>
+    <p:sldId id="276" r:id="rId23"/>
+    <p:sldId id="277" r:id="rId24"/>
+    <p:sldId id="278" r:id="rId25"/>
+    <p:sldId id="280" r:id="rId26"/>
+    <p:sldId id="281" r:id="rId27"/>
+    <p:sldId id="282" r:id="rId28"/>
+    <p:sldId id="283" r:id="rId29"/>
+    <p:sldId id="284" r:id="rId30"/>
+    <p:sldId id="286" r:id="rId31"/>
+    <p:sldId id="285" r:id="rId32"/>
+    <p:sldId id="287" r:id="rId33"/>
+    <p:sldId id="288" r:id="rId34"/>
+    <p:sldId id="289" r:id="rId35"/>
+    <p:sldId id="290" r:id="rId36"/>
   </p:sldIdLst>
   <p:sldSz cx="12192000" cy="6858000"/>
   <p:notesSz cx="6858000" cy="9144000"/>
@@ -5815,6 +5832,113 @@
 </p:sld>
 </file>
 
+<file path=ppt/slides/slide19.xml><?xml version="1.0" encoding="utf-8"?>
+<p:sld xmlns:a="http://schemas.openxmlformats.org/drawingml/2006/main" xmlns:r="http://schemas.openxmlformats.org/officeDocument/2006/relationships" xmlns:p="http://schemas.openxmlformats.org/presentationml/2006/main">
+  <p:cSld>
+    <p:spTree>
+      <p:nvGrpSpPr>
+        <p:cNvPr id="1" name=""/>
+        <p:cNvGrpSpPr/>
+        <p:nvPr/>
+      </p:nvGrpSpPr>
+      <p:grpSpPr>
+        <a:xfrm>
+          <a:off x="0" y="0"/>
+          <a:ext cx="0" cy="0"/>
+          <a:chOff x="0" y="0"/>
+          <a:chExt cx="0" cy="0"/>
+        </a:xfrm>
+      </p:grpSpPr>
+      <p:sp>
+        <p:nvSpPr>
+          <p:cNvPr id="2" name="Title 1">
+            <a:extLst>
+              <a:ext uri="{FF2B5EF4-FFF2-40B4-BE49-F238E27FC236}">
+                <a16:creationId xmlns:a16="http://schemas.microsoft.com/office/drawing/2014/main" id="{0D56BFD1-D94D-EE67-4D98-3E7FE93F907E}"/>
+              </a:ext>
+            </a:extLst>
+          </p:cNvPr>
+          <p:cNvSpPr>
+            <a:spLocks noGrp="1"/>
+          </p:cNvSpPr>
+          <p:nvPr>
+            <p:ph type="title"/>
+          </p:nvPr>
+        </p:nvSpPr>
+        <p:spPr/>
+        <p:txBody>
+          <a:bodyPr/>
+          <a:lstStyle/>
+          <a:p>
+            <a:r>
+              <a:rPr lang="en-US" dirty="0"/>
+              <a:t>4 common JS data structures</a:t>
+            </a:r>
+          </a:p>
+        </p:txBody>
+      </p:sp>
+      <p:sp>
+        <p:nvSpPr>
+          <p:cNvPr id="3" name="Content Placeholder 2">
+            <a:extLst>
+              <a:ext uri="{FF2B5EF4-FFF2-40B4-BE49-F238E27FC236}">
+                <a16:creationId xmlns:a16="http://schemas.microsoft.com/office/drawing/2014/main" id="{64324429-77E2-430C-FBCC-DFD9DA2629DC}"/>
+              </a:ext>
+            </a:extLst>
+          </p:cNvPr>
+          <p:cNvSpPr>
+            <a:spLocks noGrp="1"/>
+          </p:cNvSpPr>
+          <p:nvPr>
+            <p:ph idx="1"/>
+          </p:nvPr>
+        </p:nvSpPr>
+        <p:spPr/>
+        <p:txBody>
+          <a:bodyPr/>
+          <a:lstStyle/>
+          <a:p>
+            <a:r>
+              <a:rPr lang="en-US" dirty="0"/>
+              <a:t>Object</a:t>
+            </a:r>
+          </a:p>
+          <a:p>
+            <a:r>
+              <a:rPr lang="en-US" dirty="0"/>
+              <a:t>Array</a:t>
+            </a:r>
+          </a:p>
+          <a:p>
+            <a:r>
+              <a:rPr lang="en-US" dirty="0"/>
+              <a:t>Map</a:t>
+            </a:r>
+          </a:p>
+          <a:p>
+            <a:r>
+              <a:rPr lang="en-US" dirty="0"/>
+              <a:t>Set</a:t>
+            </a:r>
+          </a:p>
+          <a:p>
+            <a:endParaRPr lang="en-US" dirty="0"/>
+          </a:p>
+        </p:txBody>
+      </p:sp>
+    </p:spTree>
+    <p:extLst>
+      <p:ext uri="{BB962C8B-B14F-4D97-AF65-F5344CB8AC3E}">
+        <p14:creationId xmlns:p14="http://schemas.microsoft.com/office/powerpoint/2010/main" val="1448244054"/>
+      </p:ext>
+    </p:extLst>
+  </p:cSld>
+  <p:clrMapOvr>
+    <a:masterClrMapping/>
+  </p:clrMapOvr>
+</p:sld>
+</file>
+
 <file path=ppt/slides/slide2.xml><?xml version="1.0" encoding="utf-8"?>
 <p:sld xmlns:a="http://schemas.openxmlformats.org/drawingml/2006/main" xmlns:r="http://schemas.openxmlformats.org/officeDocument/2006/relationships" xmlns:p="http://schemas.openxmlformats.org/presentationml/2006/main">
   <p:cSld>
@@ -6113,6 +6237,1473 @@
     <p:extLst>
       <p:ext uri="{BB962C8B-B14F-4D97-AF65-F5344CB8AC3E}">
         <p14:creationId xmlns:p14="http://schemas.microsoft.com/office/powerpoint/2010/main" val="1978747766"/>
+      </p:ext>
+    </p:extLst>
+  </p:cSld>
+  <p:clrMapOvr>
+    <a:masterClrMapping/>
+  </p:clrMapOvr>
+</p:sld>
+</file>
+
+<file path=ppt/slides/slide20.xml><?xml version="1.0" encoding="utf-8"?>
+<p:sld xmlns:a="http://schemas.openxmlformats.org/drawingml/2006/main" xmlns:r="http://schemas.openxmlformats.org/officeDocument/2006/relationships" xmlns:p="http://schemas.openxmlformats.org/presentationml/2006/main">
+  <p:cSld>
+    <p:spTree>
+      <p:nvGrpSpPr>
+        <p:cNvPr id="1" name=""/>
+        <p:cNvGrpSpPr/>
+        <p:nvPr/>
+      </p:nvGrpSpPr>
+      <p:grpSpPr>
+        <a:xfrm>
+          <a:off x="0" y="0"/>
+          <a:ext cx="0" cy="0"/>
+          <a:chOff x="0" y="0"/>
+          <a:chExt cx="0" cy="0"/>
+        </a:xfrm>
+      </p:grpSpPr>
+      <p:sp>
+        <p:nvSpPr>
+          <p:cNvPr id="2" name="Title 1">
+            <a:extLst>
+              <a:ext uri="{FF2B5EF4-FFF2-40B4-BE49-F238E27FC236}">
+                <a16:creationId xmlns:a16="http://schemas.microsoft.com/office/drawing/2014/main" id="{0E15BB21-A582-60BE-CB2F-DBFB81709CF5}"/>
+              </a:ext>
+            </a:extLst>
+          </p:cNvPr>
+          <p:cNvSpPr>
+            <a:spLocks noGrp="1"/>
+          </p:cNvSpPr>
+          <p:nvPr>
+            <p:ph type="title"/>
+          </p:nvPr>
+        </p:nvSpPr>
+        <p:spPr/>
+        <p:txBody>
+          <a:bodyPr/>
+          <a:lstStyle/>
+          <a:p>
+            <a:r>
+              <a:rPr lang="en-US" b="1" i="0" dirty="0">
+                <a:solidFill>
+                  <a:srgbClr val="1F1F1F"/>
+                </a:solidFill>
+                <a:effectLst/>
+                <a:highlight>
+                  <a:srgbClr val="FFFFFF"/>
+                </a:highlight>
+                <a:latin typeface="var(--cds-font-family-source-sans-pro)"/>
+              </a:rPr>
+              <a:t>Working with </a:t>
+            </a:r>
+            <a:r>
+              <a:rPr lang="en-US" b="1" i="0" dirty="0">
+                <a:solidFill>
+                  <a:srgbClr val="1F1F1F"/>
+                </a:solidFill>
+                <a:effectLst/>
+                <a:highlight>
+                  <a:srgbClr val="FFFF00"/>
+                </a:highlight>
+                <a:latin typeface="var(--cds-font-family-source-sans-pro)"/>
+              </a:rPr>
+              <a:t>arrays</a:t>
+            </a:r>
+            <a:r>
+              <a:rPr lang="en-US" b="1" i="0" dirty="0">
+                <a:solidFill>
+                  <a:srgbClr val="1F1F1F"/>
+                </a:solidFill>
+                <a:effectLst/>
+                <a:highlight>
+                  <a:srgbClr val="FFFFFF"/>
+                </a:highlight>
+                <a:latin typeface="var(--cds-font-family-source-sans-pro)"/>
+              </a:rPr>
+              <a:t> in JavaScript</a:t>
+            </a:r>
+            <a:endParaRPr lang="en-US" dirty="0"/>
+          </a:p>
+        </p:txBody>
+      </p:sp>
+      <p:sp>
+        <p:nvSpPr>
+          <p:cNvPr id="3" name="Content Placeholder 2">
+            <a:extLst>
+              <a:ext uri="{FF2B5EF4-FFF2-40B4-BE49-F238E27FC236}">
+                <a16:creationId xmlns:a16="http://schemas.microsoft.com/office/drawing/2014/main" id="{AF800F2B-9AA9-0D24-EDEE-13BC90DCCCA7}"/>
+              </a:ext>
+            </a:extLst>
+          </p:cNvPr>
+          <p:cNvSpPr>
+            <a:spLocks noGrp="1"/>
+          </p:cNvSpPr>
+          <p:nvPr>
+            <p:ph idx="1"/>
+          </p:nvPr>
+        </p:nvSpPr>
+        <p:spPr/>
+        <p:txBody>
+          <a:bodyPr/>
+          <a:lstStyle/>
+          <a:p>
+            <a:pPr algn="l">
+              <a:buFont typeface="+mj-lt"/>
+              <a:buAutoNum type="arabicPeriod"/>
+            </a:pPr>
+            <a:r>
+              <a:rPr lang="en-US" b="0" i="0" dirty="0">
+                <a:solidFill>
+                  <a:srgbClr val="1F1F1F"/>
+                </a:solidFill>
+                <a:effectLst/>
+                <a:highlight>
+                  <a:srgbClr val="FFFFFF"/>
+                </a:highlight>
+                <a:latin typeface="var(--cds-font-family-source-sans-pro)"/>
+              </a:rPr>
+              <a:t> </a:t>
+            </a:r>
+            <a:r>
+              <a:rPr lang="en-US" b="1" i="0" dirty="0" err="1">
+                <a:solidFill>
+                  <a:srgbClr val="1F1F1F"/>
+                </a:solidFill>
+                <a:effectLst/>
+                <a:highlight>
+                  <a:srgbClr val="FFFFFF"/>
+                </a:highlight>
+                <a:latin typeface="Courier"/>
+              </a:rPr>
+              <a:t>forEach</a:t>
+            </a:r>
+            <a:r>
+              <a:rPr lang="en-US" b="0" i="0" dirty="0">
+                <a:solidFill>
+                  <a:srgbClr val="1F1F1F"/>
+                </a:solidFill>
+                <a:effectLst/>
+                <a:highlight>
+                  <a:srgbClr val="FFFFFF"/>
+                </a:highlight>
+                <a:latin typeface="var(--cds-font-family-source-sans-pro)"/>
+              </a:rPr>
+              <a:t> </a:t>
+            </a:r>
+          </a:p>
+          <a:p>
+            <a:pPr algn="l">
+              <a:buFont typeface="+mj-lt"/>
+              <a:buAutoNum type="arabicPeriod"/>
+            </a:pPr>
+            <a:r>
+              <a:rPr lang="en-US" b="1" i="0" dirty="0">
+                <a:solidFill>
+                  <a:srgbClr val="1F1F1F"/>
+                </a:solidFill>
+                <a:effectLst/>
+                <a:highlight>
+                  <a:srgbClr val="FFFFFF"/>
+                </a:highlight>
+                <a:latin typeface="Courier"/>
+              </a:rPr>
+              <a:t>filter</a:t>
+            </a:r>
+            <a:endParaRPr lang="en-US" b="0" i="0" dirty="0">
+              <a:solidFill>
+                <a:srgbClr val="1F1F1F"/>
+              </a:solidFill>
+              <a:effectLst/>
+              <a:highlight>
+                <a:srgbClr val="FFFFFF"/>
+              </a:highlight>
+              <a:latin typeface="var(--cds-font-family-source-sans-pro)"/>
+            </a:endParaRPr>
+          </a:p>
+          <a:p>
+            <a:pPr algn="l">
+              <a:buFont typeface="+mj-lt"/>
+              <a:buAutoNum type="arabicPeriod"/>
+            </a:pPr>
+            <a:r>
+              <a:rPr lang="en-US" b="0" i="0" dirty="0">
+                <a:solidFill>
+                  <a:srgbClr val="1F1F1F"/>
+                </a:solidFill>
+                <a:effectLst/>
+                <a:highlight>
+                  <a:srgbClr val="FFFFFF"/>
+                </a:highlight>
+                <a:latin typeface="var(--cds-font-family-source-sans-pro)"/>
+              </a:rPr>
+              <a:t> </a:t>
+            </a:r>
+            <a:r>
+              <a:rPr lang="en-US" b="1" i="0" dirty="0">
+                <a:solidFill>
+                  <a:srgbClr val="1F1F1F"/>
+                </a:solidFill>
+                <a:effectLst/>
+                <a:highlight>
+                  <a:srgbClr val="FFFFFF"/>
+                </a:highlight>
+                <a:latin typeface="Courier"/>
+              </a:rPr>
+              <a:t>map</a:t>
+            </a:r>
+            <a:endParaRPr lang="en-US" b="0" i="0" dirty="0">
+              <a:solidFill>
+                <a:srgbClr val="1F1F1F"/>
+              </a:solidFill>
+              <a:effectLst/>
+              <a:highlight>
+                <a:srgbClr val="FFFFFF"/>
+              </a:highlight>
+              <a:latin typeface="var(--cds-font-family-source-sans-pro)"/>
+            </a:endParaRPr>
+          </a:p>
+          <a:p>
+            <a:endParaRPr lang="en-US" dirty="0"/>
+          </a:p>
+        </p:txBody>
+      </p:sp>
+    </p:spTree>
+    <p:extLst>
+      <p:ext uri="{BB962C8B-B14F-4D97-AF65-F5344CB8AC3E}">
+        <p14:creationId xmlns:p14="http://schemas.microsoft.com/office/powerpoint/2010/main" val="1779157865"/>
+      </p:ext>
+    </p:extLst>
+  </p:cSld>
+  <p:clrMapOvr>
+    <a:masterClrMapping/>
+  </p:clrMapOvr>
+</p:sld>
+</file>
+
+<file path=ppt/slides/slide21.xml><?xml version="1.0" encoding="utf-8"?>
+<p:sld xmlns:a="http://schemas.openxmlformats.org/drawingml/2006/main" xmlns:r="http://schemas.openxmlformats.org/officeDocument/2006/relationships" xmlns:p="http://schemas.openxmlformats.org/presentationml/2006/main">
+  <p:cSld>
+    <p:spTree>
+      <p:nvGrpSpPr>
+        <p:cNvPr id="1" name=""/>
+        <p:cNvGrpSpPr/>
+        <p:nvPr/>
+      </p:nvGrpSpPr>
+      <p:grpSpPr>
+        <a:xfrm>
+          <a:off x="0" y="0"/>
+          <a:ext cx="0" cy="0"/>
+          <a:chOff x="0" y="0"/>
+          <a:chExt cx="0" cy="0"/>
+        </a:xfrm>
+      </p:grpSpPr>
+      <p:sp>
+        <p:nvSpPr>
+          <p:cNvPr id="2" name="Title 1">
+            <a:extLst>
+              <a:ext uri="{FF2B5EF4-FFF2-40B4-BE49-F238E27FC236}">
+                <a16:creationId xmlns:a16="http://schemas.microsoft.com/office/drawing/2014/main" id="{659947EE-8D1B-07AE-A478-836821091884}"/>
+              </a:ext>
+            </a:extLst>
+          </p:cNvPr>
+          <p:cNvSpPr>
+            <a:spLocks noGrp="1"/>
+          </p:cNvSpPr>
+          <p:nvPr>
+            <p:ph type="title"/>
+          </p:nvPr>
+        </p:nvSpPr>
+        <p:spPr/>
+        <p:txBody>
+          <a:bodyPr/>
+          <a:lstStyle/>
+          <a:p>
+            <a:r>
+              <a:rPr lang="en-US" dirty="0" err="1"/>
+              <a:t>forEach</a:t>
+            </a:r>
+            <a:endParaRPr lang="en-US" dirty="0"/>
+          </a:p>
+        </p:txBody>
+      </p:sp>
+      <p:pic>
+        <p:nvPicPr>
+          <p:cNvPr id="5" name="Content Placeholder 4" descr="A close-up of a computer code&#10;&#10;Description automatically generated">
+            <a:extLst>
+              <a:ext uri="{FF2B5EF4-FFF2-40B4-BE49-F238E27FC236}">
+                <a16:creationId xmlns:a16="http://schemas.microsoft.com/office/drawing/2014/main" id="{72F27369-AD17-F9B2-81B8-043F898A7051}"/>
+              </a:ext>
+            </a:extLst>
+          </p:cNvPr>
+          <p:cNvPicPr>
+            <a:picLocks noGrp="1" noChangeAspect="1"/>
+          </p:cNvPicPr>
+          <p:nvPr>
+            <p:ph idx="1"/>
+          </p:nvPr>
+        </p:nvPicPr>
+        <p:blipFill>
+          <a:blip r:embed="rId2">
+            <a:extLst>
+              <a:ext uri="{28A0092B-C50C-407E-A947-70E740481C1C}">
+                <a14:useLocalDpi xmlns:a14="http://schemas.microsoft.com/office/drawing/2010/main" val="0"/>
+              </a:ext>
+            </a:extLst>
+          </a:blip>
+          <a:stretch>
+            <a:fillRect/>
+          </a:stretch>
+        </p:blipFill>
+        <p:spPr>
+          <a:xfrm>
+            <a:off x="949962" y="2565553"/>
+            <a:ext cx="10051404" cy="1726894"/>
+          </a:xfrm>
+        </p:spPr>
+      </p:pic>
+    </p:spTree>
+    <p:extLst>
+      <p:ext uri="{BB962C8B-B14F-4D97-AF65-F5344CB8AC3E}">
+        <p14:creationId xmlns:p14="http://schemas.microsoft.com/office/powerpoint/2010/main" val="2588919515"/>
+      </p:ext>
+    </p:extLst>
+  </p:cSld>
+  <p:clrMapOvr>
+    <a:masterClrMapping/>
+  </p:clrMapOvr>
+</p:sld>
+</file>
+
+<file path=ppt/slides/slide22.xml><?xml version="1.0" encoding="utf-8"?>
+<p:sld xmlns:a="http://schemas.openxmlformats.org/drawingml/2006/main" xmlns:r="http://schemas.openxmlformats.org/officeDocument/2006/relationships" xmlns:p="http://schemas.openxmlformats.org/presentationml/2006/main">
+  <p:cSld>
+    <p:spTree>
+      <p:nvGrpSpPr>
+        <p:cNvPr id="1" name=""/>
+        <p:cNvGrpSpPr/>
+        <p:nvPr/>
+      </p:nvGrpSpPr>
+      <p:grpSpPr>
+        <a:xfrm>
+          <a:off x="0" y="0"/>
+          <a:ext cx="0" cy="0"/>
+          <a:chOff x="0" y="0"/>
+          <a:chExt cx="0" cy="0"/>
+        </a:xfrm>
+      </p:grpSpPr>
+      <p:sp>
+        <p:nvSpPr>
+          <p:cNvPr id="2" name="Title 1">
+            <a:extLst>
+              <a:ext uri="{FF2B5EF4-FFF2-40B4-BE49-F238E27FC236}">
+                <a16:creationId xmlns:a16="http://schemas.microsoft.com/office/drawing/2014/main" id="{C3C18ACB-72A9-018E-EF87-187720A31435}"/>
+              </a:ext>
+            </a:extLst>
+          </p:cNvPr>
+          <p:cNvSpPr>
+            <a:spLocks noGrp="1"/>
+          </p:cNvSpPr>
+          <p:nvPr>
+            <p:ph type="title"/>
+          </p:nvPr>
+        </p:nvSpPr>
+        <p:spPr/>
+        <p:txBody>
+          <a:bodyPr/>
+          <a:lstStyle/>
+          <a:p>
+            <a:r>
+              <a:rPr lang="en-US" dirty="0"/>
+              <a:t>filter</a:t>
+            </a:r>
+          </a:p>
+        </p:txBody>
+      </p:sp>
+      <p:pic>
+        <p:nvPicPr>
+          <p:cNvPr id="5" name="Content Placeholder 4" descr="A screenshot of a computer code&#10;&#10;Description automatically generated">
+            <a:extLst>
+              <a:ext uri="{FF2B5EF4-FFF2-40B4-BE49-F238E27FC236}">
+                <a16:creationId xmlns:a16="http://schemas.microsoft.com/office/drawing/2014/main" id="{8033368C-0B6E-2542-0420-A053FF4DC7B8}"/>
+              </a:ext>
+            </a:extLst>
+          </p:cNvPr>
+          <p:cNvPicPr>
+            <a:picLocks noGrp="1" noChangeAspect="1"/>
+          </p:cNvPicPr>
+          <p:nvPr>
+            <p:ph idx="1"/>
+          </p:nvPr>
+        </p:nvPicPr>
+        <p:blipFill>
+          <a:blip r:embed="rId2">
+            <a:extLst>
+              <a:ext uri="{28A0092B-C50C-407E-A947-70E740481C1C}">
+                <a14:useLocalDpi xmlns:a14="http://schemas.microsoft.com/office/drawing/2010/main" val="0"/>
+              </a:ext>
+            </a:extLst>
+          </a:blip>
+          <a:stretch>
+            <a:fillRect/>
+          </a:stretch>
+        </p:blipFill>
+        <p:spPr>
+          <a:xfrm>
+            <a:off x="1986117" y="1986934"/>
+            <a:ext cx="6762966" cy="3314704"/>
+          </a:xfrm>
+        </p:spPr>
+      </p:pic>
+    </p:spTree>
+    <p:extLst>
+      <p:ext uri="{BB962C8B-B14F-4D97-AF65-F5344CB8AC3E}">
+        <p14:creationId xmlns:p14="http://schemas.microsoft.com/office/powerpoint/2010/main" val="1212354478"/>
+      </p:ext>
+    </p:extLst>
+  </p:cSld>
+  <p:clrMapOvr>
+    <a:masterClrMapping/>
+  </p:clrMapOvr>
+</p:sld>
+</file>
+
+<file path=ppt/slides/slide23.xml><?xml version="1.0" encoding="utf-8"?>
+<p:sld xmlns:a="http://schemas.openxmlformats.org/drawingml/2006/main" xmlns:r="http://schemas.openxmlformats.org/officeDocument/2006/relationships" xmlns:p="http://schemas.openxmlformats.org/presentationml/2006/main">
+  <p:cSld>
+    <p:spTree>
+      <p:nvGrpSpPr>
+        <p:cNvPr id="1" name=""/>
+        <p:cNvGrpSpPr/>
+        <p:nvPr/>
+      </p:nvGrpSpPr>
+      <p:grpSpPr>
+        <a:xfrm>
+          <a:off x="0" y="0"/>
+          <a:ext cx="0" cy="0"/>
+          <a:chOff x="0" y="0"/>
+          <a:chExt cx="0" cy="0"/>
+        </a:xfrm>
+      </p:grpSpPr>
+      <p:sp>
+        <p:nvSpPr>
+          <p:cNvPr id="2" name="Title 1">
+            <a:extLst>
+              <a:ext uri="{FF2B5EF4-FFF2-40B4-BE49-F238E27FC236}">
+                <a16:creationId xmlns:a16="http://schemas.microsoft.com/office/drawing/2014/main" id="{0CF2B09B-7EDA-0E9E-8E37-A8B22BBB3094}"/>
+              </a:ext>
+            </a:extLst>
+          </p:cNvPr>
+          <p:cNvSpPr>
+            <a:spLocks noGrp="1"/>
+          </p:cNvSpPr>
+          <p:nvPr>
+            <p:ph type="title"/>
+          </p:nvPr>
+        </p:nvSpPr>
+        <p:spPr/>
+        <p:txBody>
+          <a:bodyPr/>
+          <a:lstStyle/>
+          <a:p>
+            <a:r>
+              <a:rPr lang="en-US" dirty="0"/>
+              <a:t>map</a:t>
+            </a:r>
+          </a:p>
+        </p:txBody>
+      </p:sp>
+      <p:pic>
+        <p:nvPicPr>
+          <p:cNvPr id="5" name="Content Placeholder 4" descr="A screenshot of a computer code&#10;&#10;Description automatically generated">
+            <a:extLst>
+              <a:ext uri="{FF2B5EF4-FFF2-40B4-BE49-F238E27FC236}">
+                <a16:creationId xmlns:a16="http://schemas.microsoft.com/office/drawing/2014/main" id="{5AB28E4E-1ED6-84CB-351F-72F066641CED}"/>
+              </a:ext>
+            </a:extLst>
+          </p:cNvPr>
+          <p:cNvPicPr>
+            <a:picLocks noGrp="1" noChangeAspect="1"/>
+          </p:cNvPicPr>
+          <p:nvPr>
+            <p:ph idx="1"/>
+          </p:nvPr>
+        </p:nvPicPr>
+        <p:blipFill>
+          <a:blip r:embed="rId2">
+            <a:extLst>
+              <a:ext uri="{28A0092B-C50C-407E-A947-70E740481C1C}">
+                <a14:useLocalDpi xmlns:a14="http://schemas.microsoft.com/office/drawing/2010/main" val="0"/>
+              </a:ext>
+            </a:extLst>
+          </a:blip>
+          <a:stretch>
+            <a:fillRect/>
+          </a:stretch>
+        </p:blipFill>
+        <p:spPr>
+          <a:xfrm>
+            <a:off x="3342891" y="2605686"/>
+            <a:ext cx="5506218" cy="2791215"/>
+          </a:xfrm>
+        </p:spPr>
+      </p:pic>
+    </p:spTree>
+    <p:extLst>
+      <p:ext uri="{BB962C8B-B14F-4D97-AF65-F5344CB8AC3E}">
+        <p14:creationId xmlns:p14="http://schemas.microsoft.com/office/powerpoint/2010/main" val="1293519958"/>
+      </p:ext>
+    </p:extLst>
+  </p:cSld>
+  <p:clrMapOvr>
+    <a:masterClrMapping/>
+  </p:clrMapOvr>
+</p:sld>
+</file>
+
+<file path=ppt/slides/slide24.xml><?xml version="1.0" encoding="utf-8"?>
+<p:sld xmlns:a="http://schemas.openxmlformats.org/drawingml/2006/main" xmlns:r="http://schemas.openxmlformats.org/officeDocument/2006/relationships" xmlns:p="http://schemas.openxmlformats.org/presentationml/2006/main">
+  <p:cSld>
+    <p:spTree>
+      <p:nvGrpSpPr>
+        <p:cNvPr id="1" name=""/>
+        <p:cNvGrpSpPr/>
+        <p:nvPr/>
+      </p:nvGrpSpPr>
+      <p:grpSpPr>
+        <a:xfrm>
+          <a:off x="0" y="0"/>
+          <a:ext cx="0" cy="0"/>
+          <a:chOff x="0" y="0"/>
+          <a:chExt cx="0" cy="0"/>
+        </a:xfrm>
+      </p:grpSpPr>
+      <p:sp>
+        <p:nvSpPr>
+          <p:cNvPr id="2" name="Title 1">
+            <a:extLst>
+              <a:ext uri="{FF2B5EF4-FFF2-40B4-BE49-F238E27FC236}">
+                <a16:creationId xmlns:a16="http://schemas.microsoft.com/office/drawing/2014/main" id="{FFA20B5F-D610-5B4A-A019-EF0BF6B0D7A2}"/>
+              </a:ext>
+            </a:extLst>
+          </p:cNvPr>
+          <p:cNvSpPr>
+            <a:spLocks noGrp="1"/>
+          </p:cNvSpPr>
+          <p:nvPr>
+            <p:ph type="title"/>
+          </p:nvPr>
+        </p:nvSpPr>
+        <p:spPr/>
+        <p:txBody>
+          <a:bodyPr/>
+          <a:lstStyle/>
+          <a:p>
+            <a:r>
+              <a:rPr lang="en-US" b="1" i="0" dirty="0">
+                <a:solidFill>
+                  <a:srgbClr val="1F1F1F"/>
+                </a:solidFill>
+                <a:effectLst/>
+                <a:highlight>
+                  <a:srgbClr val="FFFFFF"/>
+                </a:highlight>
+                <a:latin typeface="var(--cds-font-family-source-sans-pro)"/>
+              </a:rPr>
+              <a:t>Working with </a:t>
+            </a:r>
+            <a:r>
+              <a:rPr lang="en-US" b="1" i="0" dirty="0">
+                <a:solidFill>
+                  <a:srgbClr val="1F1F1F"/>
+                </a:solidFill>
+                <a:effectLst/>
+                <a:highlight>
+                  <a:srgbClr val="FFFF00"/>
+                </a:highlight>
+                <a:latin typeface="var(--cds-font-family-source-sans-pro)"/>
+              </a:rPr>
+              <a:t>Objects</a:t>
+            </a:r>
+            <a:r>
+              <a:rPr lang="en-US" b="1" i="0" dirty="0">
+                <a:solidFill>
+                  <a:srgbClr val="1F1F1F"/>
+                </a:solidFill>
+                <a:effectLst/>
+                <a:highlight>
+                  <a:srgbClr val="FFFFFF"/>
+                </a:highlight>
+                <a:latin typeface="var(--cds-font-family-source-sans-pro)"/>
+              </a:rPr>
+              <a:t> in JavaScript</a:t>
+            </a:r>
+            <a:endParaRPr lang="en-US" dirty="0"/>
+          </a:p>
+        </p:txBody>
+      </p:sp>
+      <p:sp>
+        <p:nvSpPr>
+          <p:cNvPr id="3" name="Content Placeholder 2">
+            <a:extLst>
+              <a:ext uri="{FF2B5EF4-FFF2-40B4-BE49-F238E27FC236}">
+                <a16:creationId xmlns:a16="http://schemas.microsoft.com/office/drawing/2014/main" id="{7DD6308A-814D-06E9-2A45-60B70F3F0D6A}"/>
+              </a:ext>
+            </a:extLst>
+          </p:cNvPr>
+          <p:cNvSpPr>
+            <a:spLocks noGrp="1"/>
+          </p:cNvSpPr>
+          <p:nvPr>
+            <p:ph idx="1"/>
+          </p:nvPr>
+        </p:nvSpPr>
+        <p:spPr/>
+        <p:txBody>
+          <a:bodyPr/>
+          <a:lstStyle/>
+          <a:p>
+            <a:endParaRPr lang="en-US"/>
+          </a:p>
+        </p:txBody>
+      </p:sp>
+    </p:spTree>
+    <p:extLst>
+      <p:ext uri="{BB962C8B-B14F-4D97-AF65-F5344CB8AC3E}">
+        <p14:creationId xmlns:p14="http://schemas.microsoft.com/office/powerpoint/2010/main" val="3462089268"/>
+      </p:ext>
+    </p:extLst>
+  </p:cSld>
+  <p:clrMapOvr>
+    <a:masterClrMapping/>
+  </p:clrMapOvr>
+</p:sld>
+</file>
+
+<file path=ppt/slides/slide25.xml><?xml version="1.0" encoding="utf-8"?>
+<p:sld xmlns:a="http://schemas.openxmlformats.org/drawingml/2006/main" xmlns:r="http://schemas.openxmlformats.org/officeDocument/2006/relationships" xmlns:p="http://schemas.openxmlformats.org/presentationml/2006/main">
+  <p:cSld>
+    <p:spTree>
+      <p:nvGrpSpPr>
+        <p:cNvPr id="1" name=""/>
+        <p:cNvGrpSpPr/>
+        <p:nvPr/>
+      </p:nvGrpSpPr>
+      <p:grpSpPr>
+        <a:xfrm>
+          <a:off x="0" y="0"/>
+          <a:ext cx="0" cy="0"/>
+          <a:chOff x="0" y="0"/>
+          <a:chExt cx="0" cy="0"/>
+        </a:xfrm>
+      </p:grpSpPr>
+      <p:sp>
+        <p:nvSpPr>
+          <p:cNvPr id="2" name="Title 1">
+            <a:extLst>
+              <a:ext uri="{FF2B5EF4-FFF2-40B4-BE49-F238E27FC236}">
+                <a16:creationId xmlns:a16="http://schemas.microsoft.com/office/drawing/2014/main" id="{2C7A6365-8CFA-9707-82B9-045DD4436B67}"/>
+              </a:ext>
+            </a:extLst>
+          </p:cNvPr>
+          <p:cNvSpPr>
+            <a:spLocks noGrp="1"/>
+          </p:cNvSpPr>
+          <p:nvPr>
+            <p:ph type="title"/>
+          </p:nvPr>
+        </p:nvSpPr>
+        <p:spPr/>
+        <p:txBody>
+          <a:bodyPr/>
+          <a:lstStyle/>
+          <a:p>
+            <a:r>
+              <a:rPr lang="en-US" b="1" i="0" dirty="0">
+                <a:solidFill>
+                  <a:srgbClr val="1F1F1F"/>
+                </a:solidFill>
+                <a:effectLst/>
+                <a:highlight>
+                  <a:srgbClr val="FFFFFF"/>
+                </a:highlight>
+                <a:latin typeface="var(--cds-font-family-source-sans-pro)"/>
+              </a:rPr>
+              <a:t>Working with Maps in JavaScript</a:t>
+            </a:r>
+            <a:endParaRPr lang="en-US" dirty="0"/>
+          </a:p>
+        </p:txBody>
+      </p:sp>
+      <p:pic>
+        <p:nvPicPr>
+          <p:cNvPr id="5" name="Content Placeholder 4" descr="A close up of a text&#10;&#10;Description automatically generated">
+            <a:extLst>
+              <a:ext uri="{FF2B5EF4-FFF2-40B4-BE49-F238E27FC236}">
+                <a16:creationId xmlns:a16="http://schemas.microsoft.com/office/drawing/2014/main" id="{0B954DDE-E2C9-7968-DD22-55945C0E01DE}"/>
+              </a:ext>
+            </a:extLst>
+          </p:cNvPr>
+          <p:cNvPicPr>
+            <a:picLocks noGrp="1" noChangeAspect="1"/>
+          </p:cNvPicPr>
+          <p:nvPr>
+            <p:ph idx="1"/>
+          </p:nvPr>
+        </p:nvPicPr>
+        <p:blipFill>
+          <a:blip r:embed="rId2">
+            <a:extLst>
+              <a:ext uri="{28A0092B-C50C-407E-A947-70E740481C1C}">
+                <a14:useLocalDpi xmlns:a14="http://schemas.microsoft.com/office/drawing/2010/main" val="0"/>
+              </a:ext>
+            </a:extLst>
+          </a:blip>
+          <a:stretch>
+            <a:fillRect/>
+          </a:stretch>
+        </p:blipFill>
+        <p:spPr>
+          <a:xfrm>
+            <a:off x="360282" y="1593087"/>
+            <a:ext cx="4363059" cy="743054"/>
+          </a:xfrm>
+        </p:spPr>
+      </p:pic>
+      <p:pic>
+        <p:nvPicPr>
+          <p:cNvPr id="7" name="Picture 6" descr="A screenshot of a computer program&#10;&#10;Description automatically generated">
+            <a:extLst>
+              <a:ext uri="{FF2B5EF4-FFF2-40B4-BE49-F238E27FC236}">
+                <a16:creationId xmlns:a16="http://schemas.microsoft.com/office/drawing/2014/main" id="{F2E4249A-4BAD-B5EE-9EEF-237760F7F2C7}"/>
+              </a:ext>
+            </a:extLst>
+          </p:cNvPr>
+          <p:cNvPicPr>
+            <a:picLocks noChangeAspect="1"/>
+          </p:cNvPicPr>
+          <p:nvPr/>
+        </p:nvPicPr>
+        <p:blipFill>
+          <a:blip r:embed="rId3">
+            <a:extLst>
+              <a:ext uri="{28A0092B-C50C-407E-A947-70E740481C1C}">
+                <a14:useLocalDpi xmlns:a14="http://schemas.microsoft.com/office/drawing/2010/main" val="0"/>
+              </a:ext>
+            </a:extLst>
+          </a:blip>
+          <a:stretch>
+            <a:fillRect/>
+          </a:stretch>
+        </p:blipFill>
+        <p:spPr>
+          <a:xfrm>
+            <a:off x="4355691" y="2149942"/>
+            <a:ext cx="7215300" cy="4432494"/>
+          </a:xfrm>
+          <a:prstGeom prst="rect">
+            <a:avLst/>
+          </a:prstGeom>
+        </p:spPr>
+      </p:pic>
+    </p:spTree>
+    <p:extLst>
+      <p:ext uri="{BB962C8B-B14F-4D97-AF65-F5344CB8AC3E}">
+        <p14:creationId xmlns:p14="http://schemas.microsoft.com/office/powerpoint/2010/main" val="1240320940"/>
+      </p:ext>
+    </p:extLst>
+  </p:cSld>
+  <p:clrMapOvr>
+    <a:masterClrMapping/>
+  </p:clrMapOvr>
+</p:sld>
+</file>
+
+<file path=ppt/slides/slide26.xml><?xml version="1.0" encoding="utf-8"?>
+<p:sld xmlns:a="http://schemas.openxmlformats.org/drawingml/2006/main" xmlns:r="http://schemas.openxmlformats.org/officeDocument/2006/relationships" xmlns:p="http://schemas.openxmlformats.org/presentationml/2006/main">
+  <p:cSld>
+    <p:spTree>
+      <p:nvGrpSpPr>
+        <p:cNvPr id="1" name=""/>
+        <p:cNvGrpSpPr/>
+        <p:nvPr/>
+      </p:nvGrpSpPr>
+      <p:grpSpPr>
+        <a:xfrm>
+          <a:off x="0" y="0"/>
+          <a:ext cx="0" cy="0"/>
+          <a:chOff x="0" y="0"/>
+          <a:chExt cx="0" cy="0"/>
+        </a:xfrm>
+      </p:grpSpPr>
+      <p:sp>
+        <p:nvSpPr>
+          <p:cNvPr id="2" name="Title 1">
+            <a:extLst>
+              <a:ext uri="{FF2B5EF4-FFF2-40B4-BE49-F238E27FC236}">
+                <a16:creationId xmlns:a16="http://schemas.microsoft.com/office/drawing/2014/main" id="{0E9E35AC-58E9-9FCC-93ED-A4260F046407}"/>
+              </a:ext>
+            </a:extLst>
+          </p:cNvPr>
+          <p:cNvSpPr>
+            <a:spLocks noGrp="1"/>
+          </p:cNvSpPr>
+          <p:nvPr>
+            <p:ph type="title"/>
+          </p:nvPr>
+        </p:nvSpPr>
+        <p:spPr/>
+        <p:txBody>
+          <a:bodyPr/>
+          <a:lstStyle/>
+          <a:p>
+            <a:r>
+              <a:rPr lang="en-US" b="1" i="0" dirty="0">
+                <a:solidFill>
+                  <a:srgbClr val="1F1F1F"/>
+                </a:solidFill>
+                <a:effectLst/>
+                <a:highlight>
+                  <a:srgbClr val="FFFFFF"/>
+                </a:highlight>
+                <a:latin typeface="var(--cds-font-family-source-sans-pro)"/>
+              </a:rPr>
+              <a:t>Working with Sets in JavaScript</a:t>
+            </a:r>
+            <a:endParaRPr lang="en-US" dirty="0"/>
+          </a:p>
+        </p:txBody>
+      </p:sp>
+      <p:pic>
+        <p:nvPicPr>
+          <p:cNvPr id="5" name="Content Placeholder 4" descr="A screenshot of a computer&#10;&#10;Description automatically generated">
+            <a:extLst>
+              <a:ext uri="{FF2B5EF4-FFF2-40B4-BE49-F238E27FC236}">
+                <a16:creationId xmlns:a16="http://schemas.microsoft.com/office/drawing/2014/main" id="{59A2D1B4-0D82-4B02-0B4A-D7B3D5184470}"/>
+              </a:ext>
+            </a:extLst>
+          </p:cNvPr>
+          <p:cNvPicPr>
+            <a:picLocks noGrp="1" noChangeAspect="1"/>
+          </p:cNvPicPr>
+          <p:nvPr>
+            <p:ph idx="1"/>
+          </p:nvPr>
+        </p:nvPicPr>
+        <p:blipFill>
+          <a:blip r:embed="rId2">
+            <a:extLst>
+              <a:ext uri="{28A0092B-C50C-407E-A947-70E740481C1C}">
+                <a14:useLocalDpi xmlns:a14="http://schemas.microsoft.com/office/drawing/2010/main" val="0"/>
+              </a:ext>
+            </a:extLst>
+          </a:blip>
+          <a:stretch>
+            <a:fillRect/>
+          </a:stretch>
+        </p:blipFill>
+        <p:spPr>
+          <a:xfrm>
+            <a:off x="948056" y="1516443"/>
+            <a:ext cx="4239217" cy="781159"/>
+          </a:xfrm>
+        </p:spPr>
+      </p:pic>
+      <p:pic>
+        <p:nvPicPr>
+          <p:cNvPr id="7" name="Picture 6" descr="A screenshot of a computer program&#10;&#10;Description automatically generated">
+            <a:extLst>
+              <a:ext uri="{FF2B5EF4-FFF2-40B4-BE49-F238E27FC236}">
+                <a16:creationId xmlns:a16="http://schemas.microsoft.com/office/drawing/2014/main" id="{3793B842-0627-3A85-A158-5AC9DBF02DC1}"/>
+              </a:ext>
+            </a:extLst>
+          </p:cNvPr>
+          <p:cNvPicPr>
+            <a:picLocks noChangeAspect="1"/>
+          </p:cNvPicPr>
+          <p:nvPr/>
+        </p:nvPicPr>
+        <p:blipFill>
+          <a:blip r:embed="rId3">
+            <a:extLst>
+              <a:ext uri="{28A0092B-C50C-407E-A947-70E740481C1C}">
+                <a14:useLocalDpi xmlns:a14="http://schemas.microsoft.com/office/drawing/2010/main" val="0"/>
+              </a:ext>
+            </a:extLst>
+          </a:blip>
+          <a:stretch>
+            <a:fillRect/>
+          </a:stretch>
+        </p:blipFill>
+        <p:spPr>
+          <a:xfrm>
+            <a:off x="838200" y="2842006"/>
+            <a:ext cx="7802064" cy="3077004"/>
+          </a:xfrm>
+          <a:prstGeom prst="rect">
+            <a:avLst/>
+          </a:prstGeom>
+        </p:spPr>
+      </p:pic>
+    </p:spTree>
+    <p:extLst>
+      <p:ext uri="{BB962C8B-B14F-4D97-AF65-F5344CB8AC3E}">
+        <p14:creationId xmlns:p14="http://schemas.microsoft.com/office/powerpoint/2010/main" val="572692274"/>
+      </p:ext>
+    </p:extLst>
+  </p:cSld>
+  <p:clrMapOvr>
+    <a:masterClrMapping/>
+  </p:clrMapOvr>
+</p:sld>
+</file>
+
+<file path=ppt/slides/slide27.xml><?xml version="1.0" encoding="utf-8"?>
+<p:sld xmlns:a="http://schemas.openxmlformats.org/drawingml/2006/main" xmlns:r="http://schemas.openxmlformats.org/officeDocument/2006/relationships" xmlns:p="http://schemas.openxmlformats.org/presentationml/2006/main">
+  <p:cSld>
+    <p:spTree>
+      <p:nvGrpSpPr>
+        <p:cNvPr id="1" name=""/>
+        <p:cNvGrpSpPr/>
+        <p:nvPr/>
+      </p:nvGrpSpPr>
+      <p:grpSpPr>
+        <a:xfrm>
+          <a:off x="0" y="0"/>
+          <a:ext cx="0" cy="0"/>
+          <a:chOff x="0" y="0"/>
+          <a:chExt cx="0" cy="0"/>
+        </a:xfrm>
+      </p:grpSpPr>
+      <p:sp>
+        <p:nvSpPr>
+          <p:cNvPr id="2" name="Title 1">
+            <a:extLst>
+              <a:ext uri="{FF2B5EF4-FFF2-40B4-BE49-F238E27FC236}">
+                <a16:creationId xmlns:a16="http://schemas.microsoft.com/office/drawing/2014/main" id="{E558D56B-9F7A-4F17-61DE-F6208058391B}"/>
+              </a:ext>
+            </a:extLst>
+          </p:cNvPr>
+          <p:cNvSpPr>
+            <a:spLocks noGrp="1"/>
+          </p:cNvSpPr>
+          <p:nvPr>
+            <p:ph type="title"/>
+          </p:nvPr>
+        </p:nvSpPr>
+        <p:spPr/>
+        <p:txBody>
+          <a:bodyPr/>
+          <a:lstStyle/>
+          <a:p>
+            <a:r>
+              <a:rPr lang="en-US" dirty="0"/>
+              <a:t>Spread operator</a:t>
+            </a:r>
+          </a:p>
+        </p:txBody>
+      </p:sp>
+      <p:cxnSp>
+        <p:nvCxnSpPr>
+          <p:cNvPr id="7" name="Straight Arrow Connector 6">
+            <a:extLst>
+              <a:ext uri="{FF2B5EF4-FFF2-40B4-BE49-F238E27FC236}">
+                <a16:creationId xmlns:a16="http://schemas.microsoft.com/office/drawing/2014/main" id="{CAE7DD94-6769-AB4B-8E22-132FEE59D522}"/>
+              </a:ext>
+            </a:extLst>
+          </p:cNvPr>
+          <p:cNvCxnSpPr>
+            <a:cxnSpLocks/>
+          </p:cNvCxnSpPr>
+          <p:nvPr/>
+        </p:nvCxnSpPr>
+        <p:spPr>
+          <a:xfrm>
+            <a:off x="5604386" y="3274141"/>
+            <a:ext cx="0" cy="1288027"/>
+          </a:xfrm>
+          <a:prstGeom prst="straightConnector1">
+            <a:avLst/>
+          </a:prstGeom>
+          <a:ln>
+            <a:tailEnd type="triangle"/>
+          </a:ln>
+        </p:spPr>
+        <p:style>
+          <a:lnRef idx="2">
+            <a:schemeClr val="accent1"/>
+          </a:lnRef>
+          <a:fillRef idx="0">
+            <a:schemeClr val="accent1"/>
+          </a:fillRef>
+          <a:effectRef idx="1">
+            <a:schemeClr val="accent1"/>
+          </a:effectRef>
+          <a:fontRef idx="minor">
+            <a:schemeClr val="tx1"/>
+          </a:fontRef>
+        </p:style>
+      </p:cxnSp>
+      <p:sp>
+        <p:nvSpPr>
+          <p:cNvPr id="8" name="Title 1">
+            <a:extLst>
+              <a:ext uri="{FF2B5EF4-FFF2-40B4-BE49-F238E27FC236}">
+                <a16:creationId xmlns:a16="http://schemas.microsoft.com/office/drawing/2014/main" id="{036559F1-12B4-C564-2D46-AE21DD796D37}"/>
+              </a:ext>
+            </a:extLst>
+          </p:cNvPr>
+          <p:cNvSpPr txBox="1">
+            <a:spLocks/>
+          </p:cNvSpPr>
+          <p:nvPr/>
+        </p:nvSpPr>
+        <p:spPr>
+          <a:xfrm>
+            <a:off x="5825613" y="3274140"/>
+            <a:ext cx="3170899" cy="1484673"/>
+          </a:xfrm>
+          <a:prstGeom prst="rect">
+            <a:avLst/>
+          </a:prstGeom>
+        </p:spPr>
+        <p:txBody>
+          <a:bodyPr vert="horz" lIns="91440" tIns="45720" rIns="91440" bIns="45720" rtlCol="0" anchor="ctr">
+            <a:normAutofit/>
+          </a:bodyPr>
+          <a:lstStyle>
+            <a:lvl1pPr algn="l" defTabSz="914400" rtl="0" eaLnBrk="1" latinLnBrk="0" hangingPunct="1">
+              <a:lnSpc>
+                <a:spcPct val="90000"/>
+              </a:lnSpc>
+              <a:spcBef>
+                <a:spcPct val="0"/>
+              </a:spcBef>
+              <a:buNone/>
+              <a:defRPr sz="4400" kern="1200">
+                <a:solidFill>
+                  <a:schemeClr val="tx1"/>
+                </a:solidFill>
+                <a:latin typeface="+mj-lt"/>
+                <a:ea typeface="+mj-ea"/>
+                <a:cs typeface="+mj-cs"/>
+              </a:defRPr>
+            </a:lvl1pPr>
+          </a:lstStyle>
+          <a:p>
+            <a:r>
+              <a:rPr lang="en-US" sz="2400" dirty="0">
+                <a:highlight>
+                  <a:srgbClr val="FFFF00"/>
+                </a:highlight>
+              </a:rPr>
+              <a:t>Alternatively, using spread operation</a:t>
+            </a:r>
+          </a:p>
+        </p:txBody>
+      </p:sp>
+      <p:pic>
+        <p:nvPicPr>
+          <p:cNvPr id="10" name="Picture 9">
+            <a:extLst>
+              <a:ext uri="{FF2B5EF4-FFF2-40B4-BE49-F238E27FC236}">
+                <a16:creationId xmlns:a16="http://schemas.microsoft.com/office/drawing/2014/main" id="{0CBF6C87-1ACB-0C76-66B8-5C849C56DF22}"/>
+              </a:ext>
+            </a:extLst>
+          </p:cNvPr>
+          <p:cNvPicPr>
+            <a:picLocks noChangeAspect="1"/>
+          </p:cNvPicPr>
+          <p:nvPr/>
+        </p:nvPicPr>
+        <p:blipFill>
+          <a:blip r:embed="rId2">
+            <a:extLst>
+              <a:ext uri="{28A0092B-C50C-407E-A947-70E740481C1C}">
+                <a14:useLocalDpi xmlns:a14="http://schemas.microsoft.com/office/drawing/2010/main" val="0"/>
+              </a:ext>
+            </a:extLst>
+          </a:blip>
+          <a:stretch>
+            <a:fillRect/>
+          </a:stretch>
+        </p:blipFill>
+        <p:spPr>
+          <a:xfrm>
+            <a:off x="1432024" y="1951706"/>
+            <a:ext cx="9327951" cy="1007548"/>
+          </a:xfrm>
+          <a:prstGeom prst="rect">
+            <a:avLst/>
+          </a:prstGeom>
+        </p:spPr>
+      </p:pic>
+      <p:pic>
+        <p:nvPicPr>
+          <p:cNvPr id="12" name="Picture 11" descr="A black text on a white background&#10;&#10;Description automatically generated">
+            <a:extLst>
+              <a:ext uri="{FF2B5EF4-FFF2-40B4-BE49-F238E27FC236}">
+                <a16:creationId xmlns:a16="http://schemas.microsoft.com/office/drawing/2014/main" id="{FAB17E8A-77A0-BECA-D4C7-F4E9F587A738}"/>
+              </a:ext>
+            </a:extLst>
+          </p:cNvPr>
+          <p:cNvPicPr>
+            <a:picLocks noChangeAspect="1"/>
+          </p:cNvPicPr>
+          <p:nvPr/>
+        </p:nvPicPr>
+        <p:blipFill>
+          <a:blip r:embed="rId3">
+            <a:extLst>
+              <a:ext uri="{28A0092B-C50C-407E-A947-70E740481C1C}">
+                <a14:useLocalDpi xmlns:a14="http://schemas.microsoft.com/office/drawing/2010/main" val="0"/>
+              </a:ext>
+            </a:extLst>
+          </a:blip>
+          <a:stretch>
+            <a:fillRect/>
+          </a:stretch>
+        </p:blipFill>
+        <p:spPr>
+          <a:xfrm>
+            <a:off x="3382694" y="4906294"/>
+            <a:ext cx="5265252" cy="812538"/>
+          </a:xfrm>
+          <a:prstGeom prst="rect">
+            <a:avLst/>
+          </a:prstGeom>
+        </p:spPr>
+      </p:pic>
+    </p:spTree>
+    <p:extLst>
+      <p:ext uri="{BB962C8B-B14F-4D97-AF65-F5344CB8AC3E}">
+        <p14:creationId xmlns:p14="http://schemas.microsoft.com/office/powerpoint/2010/main" val="3036641887"/>
+      </p:ext>
+    </p:extLst>
+  </p:cSld>
+  <p:clrMapOvr>
+    <a:masterClrMapping/>
+  </p:clrMapOvr>
+</p:sld>
+</file>
+
+<file path=ppt/slides/slide28.xml><?xml version="1.0" encoding="utf-8"?>
+<p:sld xmlns:a="http://schemas.openxmlformats.org/drawingml/2006/main" xmlns:r="http://schemas.openxmlformats.org/officeDocument/2006/relationships" xmlns:p="http://schemas.openxmlformats.org/presentationml/2006/main">
+  <p:cSld>
+    <p:spTree>
+      <p:nvGrpSpPr>
+        <p:cNvPr id="1" name=""/>
+        <p:cNvGrpSpPr/>
+        <p:nvPr/>
+      </p:nvGrpSpPr>
+      <p:grpSpPr>
+        <a:xfrm>
+          <a:off x="0" y="0"/>
+          <a:ext cx="0" cy="0"/>
+          <a:chOff x="0" y="0"/>
+          <a:chExt cx="0" cy="0"/>
+        </a:xfrm>
+      </p:grpSpPr>
+      <p:sp>
+        <p:nvSpPr>
+          <p:cNvPr id="2" name="Title 1">
+            <a:extLst>
+              <a:ext uri="{FF2B5EF4-FFF2-40B4-BE49-F238E27FC236}">
+                <a16:creationId xmlns:a16="http://schemas.microsoft.com/office/drawing/2014/main" id="{FF63490C-2FE7-2637-2B31-687869791B33}"/>
+              </a:ext>
+            </a:extLst>
+          </p:cNvPr>
+          <p:cNvSpPr>
+            <a:spLocks noGrp="1"/>
+          </p:cNvSpPr>
+          <p:nvPr>
+            <p:ph type="title"/>
+          </p:nvPr>
+        </p:nvSpPr>
+        <p:spPr/>
+        <p:txBody>
+          <a:bodyPr/>
+          <a:lstStyle/>
+          <a:p>
+            <a:r>
+              <a:rPr lang="en-US" dirty="0"/>
+              <a:t>Rest operator</a:t>
+            </a:r>
+          </a:p>
+        </p:txBody>
+      </p:sp>
+      <p:pic>
+        <p:nvPicPr>
+          <p:cNvPr id="5" name="Content Placeholder 4">
+            <a:extLst>
+              <a:ext uri="{FF2B5EF4-FFF2-40B4-BE49-F238E27FC236}">
+                <a16:creationId xmlns:a16="http://schemas.microsoft.com/office/drawing/2014/main" id="{97CB8C85-B493-679F-47CF-E571F5657102}"/>
+              </a:ext>
+            </a:extLst>
+          </p:cNvPr>
+          <p:cNvPicPr>
+            <a:picLocks noGrp="1" noChangeAspect="1"/>
+          </p:cNvPicPr>
+          <p:nvPr>
+            <p:ph idx="1"/>
+          </p:nvPr>
+        </p:nvPicPr>
+        <p:blipFill>
+          <a:blip r:embed="rId2">
+            <a:extLst>
+              <a:ext uri="{28A0092B-C50C-407E-A947-70E740481C1C}">
+                <a14:useLocalDpi xmlns:a14="http://schemas.microsoft.com/office/drawing/2010/main" val="0"/>
+              </a:ext>
+            </a:extLst>
+          </a:blip>
+          <a:stretch>
+            <a:fillRect/>
+          </a:stretch>
+        </p:blipFill>
+        <p:spPr>
+          <a:xfrm>
+            <a:off x="98737" y="1562246"/>
+            <a:ext cx="11994526" cy="593369"/>
+          </a:xfrm>
+        </p:spPr>
+      </p:pic>
+      <p:pic>
+        <p:nvPicPr>
+          <p:cNvPr id="7" name="Picture 6" descr="A screenshot of a computer screen&#10;&#10;Description automatically generated">
+            <a:extLst>
+              <a:ext uri="{FF2B5EF4-FFF2-40B4-BE49-F238E27FC236}">
+                <a16:creationId xmlns:a16="http://schemas.microsoft.com/office/drawing/2014/main" id="{625A449F-F4D4-9CA0-6D84-0FA9E50CEA77}"/>
+              </a:ext>
+            </a:extLst>
+          </p:cNvPr>
+          <p:cNvPicPr>
+            <a:picLocks noChangeAspect="1"/>
+          </p:cNvPicPr>
+          <p:nvPr/>
+        </p:nvPicPr>
+        <p:blipFill>
+          <a:blip r:embed="rId3">
+            <a:extLst>
+              <a:ext uri="{28A0092B-C50C-407E-A947-70E740481C1C}">
+                <a14:useLocalDpi xmlns:a14="http://schemas.microsoft.com/office/drawing/2010/main" val="0"/>
+              </a:ext>
+            </a:extLst>
+          </a:blip>
+          <a:stretch>
+            <a:fillRect/>
+          </a:stretch>
+        </p:blipFill>
+        <p:spPr>
+          <a:xfrm>
+            <a:off x="1071716" y="2620544"/>
+            <a:ext cx="9715997" cy="3219929"/>
+          </a:xfrm>
+          <a:prstGeom prst="rect">
+            <a:avLst/>
+          </a:prstGeom>
+        </p:spPr>
+      </p:pic>
+    </p:spTree>
+    <p:extLst>
+      <p:ext uri="{BB962C8B-B14F-4D97-AF65-F5344CB8AC3E}">
+        <p14:creationId xmlns:p14="http://schemas.microsoft.com/office/powerpoint/2010/main" val="458583486"/>
+      </p:ext>
+    </p:extLst>
+  </p:cSld>
+  <p:clrMapOvr>
+    <a:masterClrMapping/>
+  </p:clrMapOvr>
+</p:sld>
+</file>
+
+<file path=ppt/slides/slide29.xml><?xml version="1.0" encoding="utf-8"?>
+<p:sld xmlns:a="http://schemas.openxmlformats.org/drawingml/2006/main" xmlns:r="http://schemas.openxmlformats.org/officeDocument/2006/relationships" xmlns:p="http://schemas.openxmlformats.org/presentationml/2006/main">
+  <p:cSld>
+    <p:spTree>
+      <p:nvGrpSpPr>
+        <p:cNvPr id="1" name=""/>
+        <p:cNvGrpSpPr/>
+        <p:nvPr/>
+      </p:nvGrpSpPr>
+      <p:grpSpPr>
+        <a:xfrm>
+          <a:off x="0" y="0"/>
+          <a:ext cx="0" cy="0"/>
+          <a:chOff x="0" y="0"/>
+          <a:chExt cx="0" cy="0"/>
+        </a:xfrm>
+      </p:grpSpPr>
+      <p:sp>
+        <p:nvSpPr>
+          <p:cNvPr id="2" name="Title 1">
+            <a:extLst>
+              <a:ext uri="{FF2B5EF4-FFF2-40B4-BE49-F238E27FC236}">
+                <a16:creationId xmlns:a16="http://schemas.microsoft.com/office/drawing/2014/main" id="{89B0510E-CF01-5CB6-84D8-1BCE457752C5}"/>
+              </a:ext>
+            </a:extLst>
+          </p:cNvPr>
+          <p:cNvSpPr>
+            <a:spLocks noGrp="1"/>
+          </p:cNvSpPr>
+          <p:nvPr>
+            <p:ph type="title"/>
+          </p:nvPr>
+        </p:nvSpPr>
+        <p:spPr/>
+        <p:txBody>
+          <a:bodyPr/>
+          <a:lstStyle/>
+          <a:p>
+            <a:pPr algn="l"/>
+            <a:r>
+              <a:rPr lang="en-US" b="1" i="0" dirty="0">
+                <a:solidFill>
+                  <a:srgbClr val="1F1F1F"/>
+                </a:solidFill>
+                <a:effectLst/>
+                <a:highlight>
+                  <a:srgbClr val="FFFFFF"/>
+                </a:highlight>
+                <a:latin typeface="var(--cds-font-family-source-sans-pro)"/>
+              </a:rPr>
+              <a:t>Join arrays, objects using the rest operator</a:t>
+            </a:r>
+          </a:p>
+        </p:txBody>
+      </p:sp>
+      <p:grpSp>
+        <p:nvGrpSpPr>
+          <p:cNvPr id="8" name="Group 7">
+            <a:extLst>
+              <a:ext uri="{FF2B5EF4-FFF2-40B4-BE49-F238E27FC236}">
+                <a16:creationId xmlns:a16="http://schemas.microsoft.com/office/drawing/2014/main" id="{AF20D528-32D8-2D17-4DD0-072404D45AF0}"/>
+              </a:ext>
+            </a:extLst>
+          </p:cNvPr>
+          <p:cNvGrpSpPr/>
+          <p:nvPr/>
+        </p:nvGrpSpPr>
+        <p:grpSpPr>
+          <a:xfrm>
+            <a:off x="213352" y="1503875"/>
+            <a:ext cx="7163800" cy="2038635"/>
+            <a:chOff x="1442384" y="2399761"/>
+            <a:chExt cx="7163800" cy="2038635"/>
+          </a:xfrm>
+        </p:grpSpPr>
+        <p:pic>
+          <p:nvPicPr>
+            <p:cNvPr id="5" name="Picture 4" descr="A close-up of a computer code&#10;&#10;Description automatically generated">
+              <a:extLst>
+                <a:ext uri="{FF2B5EF4-FFF2-40B4-BE49-F238E27FC236}">
+                  <a16:creationId xmlns:a16="http://schemas.microsoft.com/office/drawing/2014/main" id="{4CBD4A47-E849-802A-F76A-D24383DF527B}"/>
+                </a:ext>
+              </a:extLst>
+            </p:cNvPr>
+            <p:cNvPicPr>
+              <a:picLocks noChangeAspect="1"/>
+            </p:cNvPicPr>
+            <p:nvPr/>
+          </p:nvPicPr>
+          <p:blipFill>
+            <a:blip r:embed="rId2">
+              <a:extLst>
+                <a:ext uri="{28A0092B-C50C-407E-A947-70E740481C1C}">
+                  <a14:useLocalDpi xmlns:a14="http://schemas.microsoft.com/office/drawing/2010/main" val="0"/>
+                </a:ext>
+              </a:extLst>
+            </a:blip>
+            <a:stretch>
+              <a:fillRect/>
+            </a:stretch>
+          </p:blipFill>
+          <p:spPr>
+            <a:xfrm>
+              <a:off x="1442384" y="2399761"/>
+              <a:ext cx="7163800" cy="1114581"/>
+            </a:xfrm>
+            <a:prstGeom prst="rect">
+              <a:avLst/>
+            </a:prstGeom>
+          </p:spPr>
+        </p:pic>
+        <p:pic>
+          <p:nvPicPr>
+            <p:cNvPr id="7" name="Picture 6" descr="A close up of a computer screen&#10;&#10;Description automatically generated">
+              <a:extLst>
+                <a:ext uri="{FF2B5EF4-FFF2-40B4-BE49-F238E27FC236}">
+                  <a16:creationId xmlns:a16="http://schemas.microsoft.com/office/drawing/2014/main" id="{C8BDE4A5-5988-B2D8-4F0A-68E1BEBB7F2F}"/>
+                </a:ext>
+              </a:extLst>
+            </p:cNvPr>
+            <p:cNvPicPr>
+              <a:picLocks noChangeAspect="1"/>
+            </p:cNvPicPr>
+            <p:nvPr/>
+          </p:nvPicPr>
+          <p:blipFill>
+            <a:blip r:embed="rId3">
+              <a:extLst>
+                <a:ext uri="{28A0092B-C50C-407E-A947-70E740481C1C}">
+                  <a14:useLocalDpi xmlns:a14="http://schemas.microsoft.com/office/drawing/2010/main" val="0"/>
+                </a:ext>
+              </a:extLst>
+            </a:blip>
+            <a:stretch>
+              <a:fillRect/>
+            </a:stretch>
+          </p:blipFill>
+          <p:spPr>
+            <a:xfrm>
+              <a:off x="1442384" y="3514342"/>
+              <a:ext cx="6573167" cy="924054"/>
+            </a:xfrm>
+            <a:prstGeom prst="rect">
+              <a:avLst/>
+            </a:prstGeom>
+          </p:spPr>
+        </p:pic>
+      </p:grpSp>
+      <p:pic>
+        <p:nvPicPr>
+          <p:cNvPr id="10" name="Picture 9" descr="A screenshot of a computer code&#10;&#10;Description automatically generated">
+            <a:extLst>
+              <a:ext uri="{FF2B5EF4-FFF2-40B4-BE49-F238E27FC236}">
+                <a16:creationId xmlns:a16="http://schemas.microsoft.com/office/drawing/2014/main" id="{C9151840-0227-0589-4E03-436371054B1B}"/>
+              </a:ext>
+            </a:extLst>
+          </p:cNvPr>
+          <p:cNvPicPr>
+            <a:picLocks noChangeAspect="1"/>
+          </p:cNvPicPr>
+          <p:nvPr/>
+        </p:nvPicPr>
+        <p:blipFill>
+          <a:blip r:embed="rId4">
+            <a:extLst>
+              <a:ext uri="{28A0092B-C50C-407E-A947-70E740481C1C}">
+                <a14:useLocalDpi xmlns:a14="http://schemas.microsoft.com/office/drawing/2010/main" val="0"/>
+              </a:ext>
+            </a:extLst>
+          </a:blip>
+          <a:stretch>
+            <a:fillRect/>
+          </a:stretch>
+        </p:blipFill>
+        <p:spPr>
+          <a:xfrm>
+            <a:off x="213352" y="3757206"/>
+            <a:ext cx="5668166" cy="2648320"/>
+          </a:xfrm>
+          <a:prstGeom prst="rect">
+            <a:avLst/>
+          </a:prstGeom>
+        </p:spPr>
+      </p:pic>
+    </p:spTree>
+    <p:extLst>
+      <p:ext uri="{BB962C8B-B14F-4D97-AF65-F5344CB8AC3E}">
+        <p14:creationId xmlns:p14="http://schemas.microsoft.com/office/powerpoint/2010/main" val="3077378105"/>
       </p:ext>
     </p:extLst>
   </p:cSld>
@@ -6750,6 +8341,839 @@
     <p:extLst>
       <p:ext uri="{BB962C8B-B14F-4D97-AF65-F5344CB8AC3E}">
         <p14:creationId xmlns:p14="http://schemas.microsoft.com/office/powerpoint/2010/main" val="2304843792"/>
+      </p:ext>
+    </p:extLst>
+  </p:cSld>
+  <p:clrMapOvr>
+    <a:masterClrMapping/>
+  </p:clrMapOvr>
+</p:sld>
+</file>
+
+<file path=ppt/slides/slide30.xml><?xml version="1.0" encoding="utf-8"?>
+<p:sld xmlns:a="http://schemas.openxmlformats.org/drawingml/2006/main" xmlns:r="http://schemas.openxmlformats.org/officeDocument/2006/relationships" xmlns:p="http://schemas.openxmlformats.org/presentationml/2006/main">
+  <p:cSld>
+    <p:spTree>
+      <p:nvGrpSpPr>
+        <p:cNvPr id="1" name=""/>
+        <p:cNvGrpSpPr/>
+        <p:nvPr/>
+      </p:nvGrpSpPr>
+      <p:grpSpPr>
+        <a:xfrm>
+          <a:off x="0" y="0"/>
+          <a:ext cx="0" cy="0"/>
+          <a:chOff x="0" y="0"/>
+          <a:chExt cx="0" cy="0"/>
+        </a:xfrm>
+      </p:grpSpPr>
+      <p:sp>
+        <p:nvSpPr>
+          <p:cNvPr id="2" name="Title 1">
+            <a:extLst>
+              <a:ext uri="{FF2B5EF4-FFF2-40B4-BE49-F238E27FC236}">
+                <a16:creationId xmlns:a16="http://schemas.microsoft.com/office/drawing/2014/main" id="{3867BB0C-4889-B944-952A-B6395C363CB1}"/>
+              </a:ext>
+            </a:extLst>
+          </p:cNvPr>
+          <p:cNvSpPr>
+            <a:spLocks noGrp="1"/>
+          </p:cNvSpPr>
+          <p:nvPr>
+            <p:ph type="title"/>
+          </p:nvPr>
+        </p:nvSpPr>
+        <p:spPr/>
+        <p:txBody>
+          <a:bodyPr>
+            <a:normAutofit/>
+          </a:bodyPr>
+          <a:lstStyle/>
+          <a:p>
+            <a:r>
+              <a:rPr lang="en-US" b="1" i="0" dirty="0">
+                <a:solidFill>
+                  <a:srgbClr val="1F1F1F"/>
+                </a:solidFill>
+                <a:effectLst/>
+                <a:highlight>
+                  <a:srgbClr val="FFFFFF"/>
+                </a:highlight>
+                <a:latin typeface="var(--cds-font-family-source-sans-pro)"/>
+              </a:rPr>
+              <a:t>Add new members to arrays without using the </a:t>
+            </a:r>
+            <a:r>
+              <a:rPr lang="en-US" b="1" i="0" dirty="0">
+                <a:solidFill>
+                  <a:srgbClr val="1F1F1F"/>
+                </a:solidFill>
+                <a:effectLst/>
+                <a:highlight>
+                  <a:srgbClr val="FFFFFF"/>
+                </a:highlight>
+                <a:latin typeface="Courier"/>
+              </a:rPr>
+              <a:t>push()</a:t>
+            </a:r>
+            <a:r>
+              <a:rPr lang="en-US" b="1" i="0" dirty="0">
+                <a:solidFill>
+                  <a:srgbClr val="1F1F1F"/>
+                </a:solidFill>
+                <a:effectLst/>
+                <a:highlight>
+                  <a:srgbClr val="FFFFFF"/>
+                </a:highlight>
+                <a:latin typeface="var(--cds-font-family-source-sans-pro)"/>
+              </a:rPr>
+              <a:t> method</a:t>
+            </a:r>
+            <a:endParaRPr lang="en-US" dirty="0"/>
+          </a:p>
+        </p:txBody>
+      </p:sp>
+      <p:pic>
+        <p:nvPicPr>
+          <p:cNvPr id="5" name="Content Placeholder 4" descr="A close up of words&#10;&#10;Description automatically generated">
+            <a:extLst>
+              <a:ext uri="{FF2B5EF4-FFF2-40B4-BE49-F238E27FC236}">
+                <a16:creationId xmlns:a16="http://schemas.microsoft.com/office/drawing/2014/main" id="{2B97F488-8E9C-0427-D524-3CA48DF5D757}"/>
+              </a:ext>
+            </a:extLst>
+          </p:cNvPr>
+          <p:cNvPicPr>
+            <a:picLocks noGrp="1" noChangeAspect="1"/>
+          </p:cNvPicPr>
+          <p:nvPr>
+            <p:ph idx="1"/>
+          </p:nvPr>
+        </p:nvPicPr>
+        <p:blipFill>
+          <a:blip r:embed="rId2">
+            <a:extLst>
+              <a:ext uri="{28A0092B-C50C-407E-A947-70E740481C1C}">
+                <a14:useLocalDpi xmlns:a14="http://schemas.microsoft.com/office/drawing/2010/main" val="0"/>
+              </a:ext>
+            </a:extLst>
+          </a:blip>
+          <a:stretch>
+            <a:fillRect/>
+          </a:stretch>
+        </p:blipFill>
+        <p:spPr>
+          <a:xfrm>
+            <a:off x="1489756" y="2618180"/>
+            <a:ext cx="8060023" cy="1325562"/>
+          </a:xfrm>
+        </p:spPr>
+      </p:pic>
+    </p:spTree>
+    <p:extLst>
+      <p:ext uri="{BB962C8B-B14F-4D97-AF65-F5344CB8AC3E}">
+        <p14:creationId xmlns:p14="http://schemas.microsoft.com/office/powerpoint/2010/main" val="2063291899"/>
+      </p:ext>
+    </p:extLst>
+  </p:cSld>
+  <p:clrMapOvr>
+    <a:masterClrMapping/>
+  </p:clrMapOvr>
+</p:sld>
+</file>
+
+<file path=ppt/slides/slide31.xml><?xml version="1.0" encoding="utf-8"?>
+<p:sld xmlns:a="http://schemas.openxmlformats.org/drawingml/2006/main" xmlns:r="http://schemas.openxmlformats.org/officeDocument/2006/relationships" xmlns:p="http://schemas.openxmlformats.org/presentationml/2006/main">
+  <p:cSld>
+    <p:spTree>
+      <p:nvGrpSpPr>
+        <p:cNvPr id="1" name=""/>
+        <p:cNvGrpSpPr/>
+        <p:nvPr/>
+      </p:nvGrpSpPr>
+      <p:grpSpPr>
+        <a:xfrm>
+          <a:off x="0" y="0"/>
+          <a:ext cx="0" cy="0"/>
+          <a:chOff x="0" y="0"/>
+          <a:chExt cx="0" cy="0"/>
+        </a:xfrm>
+      </p:grpSpPr>
+      <p:sp>
+        <p:nvSpPr>
+          <p:cNvPr id="2" name="Title 1">
+            <a:extLst>
+              <a:ext uri="{FF2B5EF4-FFF2-40B4-BE49-F238E27FC236}">
+                <a16:creationId xmlns:a16="http://schemas.microsoft.com/office/drawing/2014/main" id="{87E930AB-8BF4-5AA0-843F-DF4D6B75471B}"/>
+              </a:ext>
+            </a:extLst>
+          </p:cNvPr>
+          <p:cNvSpPr>
+            <a:spLocks noGrp="1"/>
+          </p:cNvSpPr>
+          <p:nvPr>
+            <p:ph type="title"/>
+          </p:nvPr>
+        </p:nvSpPr>
+        <p:spPr/>
+        <p:txBody>
+          <a:bodyPr>
+            <a:normAutofit/>
+          </a:bodyPr>
+          <a:lstStyle/>
+          <a:p>
+            <a:r>
+              <a:rPr lang="en-US" b="1" i="0" dirty="0">
+                <a:solidFill>
+                  <a:srgbClr val="1F1F1F"/>
+                </a:solidFill>
+                <a:effectLst/>
+                <a:highlight>
+                  <a:srgbClr val="FFFFFF"/>
+                </a:highlight>
+                <a:latin typeface="var(--cds-font-family-source-sans-pro)"/>
+              </a:rPr>
+              <a:t>Convert a string to an array using the spread operator</a:t>
+            </a:r>
+            <a:endParaRPr lang="en-US" dirty="0"/>
+          </a:p>
+        </p:txBody>
+      </p:sp>
+      <p:pic>
+        <p:nvPicPr>
+          <p:cNvPr id="5" name="Content Placeholder 4" descr="A white background with black text&#10;&#10;Description automatically generated">
+            <a:extLst>
+              <a:ext uri="{FF2B5EF4-FFF2-40B4-BE49-F238E27FC236}">
+                <a16:creationId xmlns:a16="http://schemas.microsoft.com/office/drawing/2014/main" id="{CA6C77A6-F1F9-01EA-0FA4-3D4ADE9F4E99}"/>
+              </a:ext>
+            </a:extLst>
+          </p:cNvPr>
+          <p:cNvPicPr>
+            <a:picLocks noGrp="1" noChangeAspect="1"/>
+          </p:cNvPicPr>
+          <p:nvPr>
+            <p:ph idx="1"/>
+          </p:nvPr>
+        </p:nvPicPr>
+        <p:blipFill>
+          <a:blip r:embed="rId2">
+            <a:extLst>
+              <a:ext uri="{28A0092B-C50C-407E-A947-70E740481C1C}">
+                <a14:useLocalDpi xmlns:a14="http://schemas.microsoft.com/office/drawing/2010/main" val="0"/>
+              </a:ext>
+            </a:extLst>
+          </a:blip>
+          <a:stretch>
+            <a:fillRect/>
+          </a:stretch>
+        </p:blipFill>
+        <p:spPr>
+          <a:xfrm>
+            <a:off x="909646" y="2330245"/>
+            <a:ext cx="8832100" cy="1642555"/>
+          </a:xfrm>
+        </p:spPr>
+      </p:pic>
+    </p:spTree>
+    <p:extLst>
+      <p:ext uri="{BB962C8B-B14F-4D97-AF65-F5344CB8AC3E}">
+        <p14:creationId xmlns:p14="http://schemas.microsoft.com/office/powerpoint/2010/main" val="1500012175"/>
+      </p:ext>
+    </p:extLst>
+  </p:cSld>
+  <p:clrMapOvr>
+    <a:masterClrMapping/>
+  </p:clrMapOvr>
+</p:sld>
+</file>
+
+<file path=ppt/slides/slide32.xml><?xml version="1.0" encoding="utf-8"?>
+<p:sld xmlns:a="http://schemas.openxmlformats.org/drawingml/2006/main" xmlns:r="http://schemas.openxmlformats.org/officeDocument/2006/relationships" xmlns:p="http://schemas.openxmlformats.org/presentationml/2006/main">
+  <p:cSld>
+    <p:spTree>
+      <p:nvGrpSpPr>
+        <p:cNvPr id="1" name=""/>
+        <p:cNvGrpSpPr/>
+        <p:nvPr/>
+      </p:nvGrpSpPr>
+      <p:grpSpPr>
+        <a:xfrm>
+          <a:off x="0" y="0"/>
+          <a:ext cx="0" cy="0"/>
+          <a:chOff x="0" y="0"/>
+          <a:chExt cx="0" cy="0"/>
+        </a:xfrm>
+      </p:grpSpPr>
+      <p:sp>
+        <p:nvSpPr>
+          <p:cNvPr id="2" name="Title 1">
+            <a:extLst>
+              <a:ext uri="{FF2B5EF4-FFF2-40B4-BE49-F238E27FC236}">
+                <a16:creationId xmlns:a16="http://schemas.microsoft.com/office/drawing/2014/main" id="{700BD705-D1F5-C563-0D10-B44103A082E3}"/>
+              </a:ext>
+            </a:extLst>
+          </p:cNvPr>
+          <p:cNvSpPr>
+            <a:spLocks noGrp="1"/>
+          </p:cNvSpPr>
+          <p:nvPr>
+            <p:ph type="title"/>
+          </p:nvPr>
+        </p:nvSpPr>
+        <p:spPr/>
+        <p:txBody>
+          <a:bodyPr>
+            <a:normAutofit/>
+          </a:bodyPr>
+          <a:lstStyle/>
+          <a:p>
+            <a:r>
+              <a:rPr lang="en-US" b="1" i="0" dirty="0">
+                <a:solidFill>
+                  <a:srgbClr val="1F1F1F"/>
+                </a:solidFill>
+                <a:effectLst/>
+                <a:highlight>
+                  <a:srgbClr val="FFFFFF"/>
+                </a:highlight>
+                <a:latin typeface="var(--cds-font-family-source-sans-pro)"/>
+              </a:rPr>
+              <a:t>Copy either an object or an array into a separate one</a:t>
+            </a:r>
+            <a:endParaRPr lang="en-US" dirty="0"/>
+          </a:p>
+        </p:txBody>
+      </p:sp>
+      <p:pic>
+        <p:nvPicPr>
+          <p:cNvPr id="5" name="Content Placeholder 4" descr="A screenshot of a computer code&#10;&#10;Description automatically generated">
+            <a:extLst>
+              <a:ext uri="{FF2B5EF4-FFF2-40B4-BE49-F238E27FC236}">
+                <a16:creationId xmlns:a16="http://schemas.microsoft.com/office/drawing/2014/main" id="{6040658F-D98E-0165-4259-849A2E1C2028}"/>
+              </a:ext>
+            </a:extLst>
+          </p:cNvPr>
+          <p:cNvPicPr>
+            <a:picLocks noGrp="1" noChangeAspect="1"/>
+          </p:cNvPicPr>
+          <p:nvPr>
+            <p:ph idx="1"/>
+          </p:nvPr>
+        </p:nvPicPr>
+        <p:blipFill>
+          <a:blip r:embed="rId2">
+            <a:extLst>
+              <a:ext uri="{28A0092B-C50C-407E-A947-70E740481C1C}">
+                <a14:useLocalDpi xmlns:a14="http://schemas.microsoft.com/office/drawing/2010/main" val="0"/>
+              </a:ext>
+            </a:extLst>
+          </a:blip>
+          <a:stretch>
+            <a:fillRect/>
+          </a:stretch>
+        </p:blipFill>
+        <p:spPr>
+          <a:xfrm>
+            <a:off x="2094272" y="1851799"/>
+            <a:ext cx="6239018" cy="3154402"/>
+          </a:xfrm>
+        </p:spPr>
+      </p:pic>
+      <p:pic>
+        <p:nvPicPr>
+          <p:cNvPr id="7" name="Picture 6">
+            <a:extLst>
+              <a:ext uri="{FF2B5EF4-FFF2-40B4-BE49-F238E27FC236}">
+                <a16:creationId xmlns:a16="http://schemas.microsoft.com/office/drawing/2014/main" id="{A0196832-0F01-F4C3-AADE-25AB420EE65F}"/>
+              </a:ext>
+            </a:extLst>
+          </p:cNvPr>
+          <p:cNvPicPr>
+            <a:picLocks noChangeAspect="1"/>
+          </p:cNvPicPr>
+          <p:nvPr/>
+        </p:nvPicPr>
+        <p:blipFill>
+          <a:blip r:embed="rId3">
+            <a:extLst>
+              <a:ext uri="{28A0092B-C50C-407E-A947-70E740481C1C}">
+                <a14:useLocalDpi xmlns:a14="http://schemas.microsoft.com/office/drawing/2010/main" val="0"/>
+              </a:ext>
+            </a:extLst>
+          </a:blip>
+          <a:stretch>
+            <a:fillRect/>
+          </a:stretch>
+        </p:blipFill>
+        <p:spPr>
+          <a:xfrm>
+            <a:off x="3716292" y="5167312"/>
+            <a:ext cx="3857741" cy="518979"/>
+          </a:xfrm>
+          <a:prstGeom prst="rect">
+            <a:avLst/>
+          </a:prstGeom>
+        </p:spPr>
+      </p:pic>
+    </p:spTree>
+    <p:extLst>
+      <p:ext uri="{BB962C8B-B14F-4D97-AF65-F5344CB8AC3E}">
+        <p14:creationId xmlns:p14="http://schemas.microsoft.com/office/powerpoint/2010/main" val="1763389399"/>
+      </p:ext>
+    </p:extLst>
+  </p:cSld>
+  <p:clrMapOvr>
+    <a:masterClrMapping/>
+  </p:clrMapOvr>
+</p:sld>
+</file>
+
+<file path=ppt/slides/slide33.xml><?xml version="1.0" encoding="utf-8"?>
+<p:sld xmlns:a="http://schemas.openxmlformats.org/drawingml/2006/main" xmlns:r="http://schemas.openxmlformats.org/officeDocument/2006/relationships" xmlns:p="http://schemas.openxmlformats.org/presentationml/2006/main">
+  <p:cSld>
+    <p:spTree>
+      <p:nvGrpSpPr>
+        <p:cNvPr id="1" name=""/>
+        <p:cNvGrpSpPr/>
+        <p:nvPr/>
+      </p:nvGrpSpPr>
+      <p:grpSpPr>
+        <a:xfrm>
+          <a:off x="0" y="0"/>
+          <a:ext cx="0" cy="0"/>
+          <a:chOff x="0" y="0"/>
+          <a:chExt cx="0" cy="0"/>
+        </a:xfrm>
+      </p:grpSpPr>
+      <p:sp>
+        <p:nvSpPr>
+          <p:cNvPr id="2" name="Title 1">
+            <a:extLst>
+              <a:ext uri="{FF2B5EF4-FFF2-40B4-BE49-F238E27FC236}">
+                <a16:creationId xmlns:a16="http://schemas.microsoft.com/office/drawing/2014/main" id="{3837DC3B-574B-77E3-E4BC-AA82D61F30BE}"/>
+              </a:ext>
+            </a:extLst>
+          </p:cNvPr>
+          <p:cNvSpPr>
+            <a:spLocks noGrp="1"/>
+          </p:cNvSpPr>
+          <p:nvPr>
+            <p:ph type="title"/>
+          </p:nvPr>
+        </p:nvSpPr>
+        <p:spPr/>
+        <p:txBody>
+          <a:bodyPr/>
+          <a:lstStyle/>
+          <a:p>
+            <a:r>
+              <a:rPr lang="en-US" dirty="0"/>
+              <a:t>JS DOM Selectors </a:t>
+            </a:r>
+            <a:br>
+              <a:rPr lang="en-US" dirty="0"/>
+            </a:br>
+            <a:r>
+              <a:rPr lang="en-US" sz="2000" dirty="0"/>
+              <a:t>DOM = document object module</a:t>
+            </a:r>
+            <a:endParaRPr lang="en-US" dirty="0"/>
+          </a:p>
+        </p:txBody>
+      </p:sp>
+      <p:pic>
+        <p:nvPicPr>
+          <p:cNvPr id="5" name="Content Placeholder 4" descr="A screenshot of a computer&#10;&#10;Description automatically generated">
+            <a:extLst>
+              <a:ext uri="{FF2B5EF4-FFF2-40B4-BE49-F238E27FC236}">
+                <a16:creationId xmlns:a16="http://schemas.microsoft.com/office/drawing/2014/main" id="{769AC241-00C3-B14B-5C39-C8688DA822F5}"/>
+              </a:ext>
+            </a:extLst>
+          </p:cNvPr>
+          <p:cNvPicPr>
+            <a:picLocks noGrp="1" noChangeAspect="1"/>
+          </p:cNvPicPr>
+          <p:nvPr>
+            <p:ph idx="1"/>
+          </p:nvPr>
+        </p:nvPicPr>
+        <p:blipFill>
+          <a:blip r:embed="rId2">
+            <a:extLst>
+              <a:ext uri="{28A0092B-C50C-407E-A947-70E740481C1C}">
+                <a14:useLocalDpi xmlns:a14="http://schemas.microsoft.com/office/drawing/2010/main" val="0"/>
+              </a:ext>
+            </a:extLst>
+          </a:blip>
+          <a:stretch>
+            <a:fillRect/>
+          </a:stretch>
+        </p:blipFill>
+        <p:spPr>
+          <a:xfrm>
+            <a:off x="2108396" y="1825625"/>
+            <a:ext cx="7975207" cy="4351338"/>
+          </a:xfrm>
+        </p:spPr>
+      </p:pic>
+    </p:spTree>
+    <p:extLst>
+      <p:ext uri="{BB962C8B-B14F-4D97-AF65-F5344CB8AC3E}">
+        <p14:creationId xmlns:p14="http://schemas.microsoft.com/office/powerpoint/2010/main" val="4253851742"/>
+      </p:ext>
+    </p:extLst>
+  </p:cSld>
+  <p:clrMapOvr>
+    <a:masterClrMapping/>
+  </p:clrMapOvr>
+</p:sld>
+</file>
+
+<file path=ppt/slides/slide34.xml><?xml version="1.0" encoding="utf-8"?>
+<p:sld xmlns:a="http://schemas.openxmlformats.org/drawingml/2006/main" xmlns:r="http://schemas.openxmlformats.org/officeDocument/2006/relationships" xmlns:p="http://schemas.openxmlformats.org/presentationml/2006/main">
+  <p:cSld>
+    <p:spTree>
+      <p:nvGrpSpPr>
+        <p:cNvPr id="1" name=""/>
+        <p:cNvGrpSpPr/>
+        <p:nvPr/>
+      </p:nvGrpSpPr>
+      <p:grpSpPr>
+        <a:xfrm>
+          <a:off x="0" y="0"/>
+          <a:ext cx="0" cy="0"/>
+          <a:chOff x="0" y="0"/>
+          <a:chExt cx="0" cy="0"/>
+        </a:xfrm>
+      </p:grpSpPr>
+      <p:sp>
+        <p:nvSpPr>
+          <p:cNvPr id="2" name="Title 1">
+            <a:extLst>
+              <a:ext uri="{FF2B5EF4-FFF2-40B4-BE49-F238E27FC236}">
+                <a16:creationId xmlns:a16="http://schemas.microsoft.com/office/drawing/2014/main" id="{389C614A-2434-ED4D-1751-7C7FED05346D}"/>
+              </a:ext>
+            </a:extLst>
+          </p:cNvPr>
+          <p:cNvSpPr>
+            <a:spLocks noGrp="1"/>
+          </p:cNvSpPr>
+          <p:nvPr>
+            <p:ph type="title"/>
+          </p:nvPr>
+        </p:nvSpPr>
+        <p:spPr/>
+        <p:txBody>
+          <a:bodyPr/>
+          <a:lstStyle/>
+          <a:p>
+            <a:r>
+              <a:rPr lang="en-US" dirty="0"/>
+              <a:t>JSON examples</a:t>
+            </a:r>
+          </a:p>
+        </p:txBody>
+      </p:sp>
+      <p:pic>
+        <p:nvPicPr>
+          <p:cNvPr id="5" name="Picture 4" descr="A screenshot of a computer program&#10;&#10;Description automatically generated">
+            <a:extLst>
+              <a:ext uri="{FF2B5EF4-FFF2-40B4-BE49-F238E27FC236}">
+                <a16:creationId xmlns:a16="http://schemas.microsoft.com/office/drawing/2014/main" id="{7056AEAF-2C37-786A-394B-D4CDE7F17BA1}"/>
+              </a:ext>
+            </a:extLst>
+          </p:cNvPr>
+          <p:cNvPicPr>
+            <a:picLocks noChangeAspect="1"/>
+          </p:cNvPicPr>
+          <p:nvPr/>
+        </p:nvPicPr>
+        <p:blipFill>
+          <a:blip r:embed="rId2">
+            <a:extLst>
+              <a:ext uri="{28A0092B-C50C-407E-A947-70E740481C1C}">
+                <a14:useLocalDpi xmlns:a14="http://schemas.microsoft.com/office/drawing/2010/main" val="0"/>
+              </a:ext>
+            </a:extLst>
+          </a:blip>
+          <a:stretch>
+            <a:fillRect/>
+          </a:stretch>
+        </p:blipFill>
+        <p:spPr>
+          <a:xfrm>
+            <a:off x="428700" y="1552355"/>
+            <a:ext cx="7716327" cy="3143689"/>
+          </a:xfrm>
+          <a:prstGeom prst="rect">
+            <a:avLst/>
+          </a:prstGeom>
+        </p:spPr>
+      </p:pic>
+      <p:pic>
+        <p:nvPicPr>
+          <p:cNvPr id="7" name="Picture 6" descr="A close-up of a text&#10;&#10;Description automatically generated">
+            <a:extLst>
+              <a:ext uri="{FF2B5EF4-FFF2-40B4-BE49-F238E27FC236}">
+                <a16:creationId xmlns:a16="http://schemas.microsoft.com/office/drawing/2014/main" id="{2DD480CA-9EA7-0FA1-AFC3-CDAE70D57E34}"/>
+              </a:ext>
+            </a:extLst>
+          </p:cNvPr>
+          <p:cNvPicPr>
+            <a:picLocks noChangeAspect="1"/>
+          </p:cNvPicPr>
+          <p:nvPr/>
+        </p:nvPicPr>
+        <p:blipFill>
+          <a:blip r:embed="rId3">
+            <a:extLst>
+              <a:ext uri="{28A0092B-C50C-407E-A947-70E740481C1C}">
+                <a14:useLocalDpi xmlns:a14="http://schemas.microsoft.com/office/drawing/2010/main" val="0"/>
+              </a:ext>
+            </a:extLst>
+          </a:blip>
+          <a:stretch>
+            <a:fillRect/>
+          </a:stretch>
+        </p:blipFill>
+        <p:spPr>
+          <a:xfrm>
+            <a:off x="428700" y="4835378"/>
+            <a:ext cx="6058746" cy="1047896"/>
+          </a:xfrm>
+          <a:prstGeom prst="rect">
+            <a:avLst/>
+          </a:prstGeom>
+        </p:spPr>
+      </p:pic>
+      <p:pic>
+        <p:nvPicPr>
+          <p:cNvPr id="9" name="Picture 8" descr="A close-up of a white background&#10;&#10;Description automatically generated">
+            <a:extLst>
+              <a:ext uri="{FF2B5EF4-FFF2-40B4-BE49-F238E27FC236}">
+                <a16:creationId xmlns:a16="http://schemas.microsoft.com/office/drawing/2014/main" id="{E022373C-AAA8-B78D-981F-ED69997D64B0}"/>
+              </a:ext>
+            </a:extLst>
+          </p:cNvPr>
+          <p:cNvPicPr>
+            <a:picLocks noChangeAspect="1"/>
+          </p:cNvPicPr>
+          <p:nvPr/>
+        </p:nvPicPr>
+        <p:blipFill>
+          <a:blip r:embed="rId4">
+            <a:extLst>
+              <a:ext uri="{28A0092B-C50C-407E-A947-70E740481C1C}">
+                <a14:useLocalDpi xmlns:a14="http://schemas.microsoft.com/office/drawing/2010/main" val="0"/>
+              </a:ext>
+            </a:extLst>
+          </a:blip>
+          <a:stretch>
+            <a:fillRect/>
+          </a:stretch>
+        </p:blipFill>
+        <p:spPr>
+          <a:xfrm>
+            <a:off x="428700" y="6121773"/>
+            <a:ext cx="5410955" cy="533474"/>
+          </a:xfrm>
+          <a:prstGeom prst="rect">
+            <a:avLst/>
+          </a:prstGeom>
+        </p:spPr>
+      </p:pic>
+    </p:spTree>
+    <p:extLst>
+      <p:ext uri="{BB962C8B-B14F-4D97-AF65-F5344CB8AC3E}">
+        <p14:creationId xmlns:p14="http://schemas.microsoft.com/office/powerpoint/2010/main" val="2004353317"/>
+      </p:ext>
+    </p:extLst>
+  </p:cSld>
+  <p:clrMapOvr>
+    <a:masterClrMapping/>
+  </p:clrMapOvr>
+</p:sld>
+</file>
+
+<file path=ppt/slides/slide35.xml><?xml version="1.0" encoding="utf-8"?>
+<p:sld xmlns:a="http://schemas.openxmlformats.org/drawingml/2006/main" xmlns:r="http://schemas.openxmlformats.org/officeDocument/2006/relationships" xmlns:p="http://schemas.openxmlformats.org/presentationml/2006/main">
+  <p:cSld>
+    <p:spTree>
+      <p:nvGrpSpPr>
+        <p:cNvPr id="1" name=""/>
+        <p:cNvGrpSpPr/>
+        <p:nvPr/>
+      </p:nvGrpSpPr>
+      <p:grpSpPr>
+        <a:xfrm>
+          <a:off x="0" y="0"/>
+          <a:ext cx="0" cy="0"/>
+          <a:chOff x="0" y="0"/>
+          <a:chExt cx="0" cy="0"/>
+        </a:xfrm>
+      </p:grpSpPr>
+      <p:sp>
+        <p:nvSpPr>
+          <p:cNvPr id="2" name="Title 1">
+            <a:extLst>
+              <a:ext uri="{FF2B5EF4-FFF2-40B4-BE49-F238E27FC236}">
+                <a16:creationId xmlns:a16="http://schemas.microsoft.com/office/drawing/2014/main" id="{3E942260-E9F5-D3E8-8DDD-E6C7899AEA7E}"/>
+              </a:ext>
+            </a:extLst>
+          </p:cNvPr>
+          <p:cNvSpPr>
+            <a:spLocks noGrp="1"/>
+          </p:cNvSpPr>
+          <p:nvPr>
+            <p:ph type="title"/>
+          </p:nvPr>
+        </p:nvSpPr>
+        <p:spPr>
+          <a:xfrm>
+            <a:off x="503903" y="787913"/>
+            <a:ext cx="5837903" cy="1325563"/>
+          </a:xfrm>
+        </p:spPr>
+        <p:txBody>
+          <a:bodyPr/>
+          <a:lstStyle/>
+          <a:p>
+            <a:r>
+              <a:rPr lang="en-US" dirty="0"/>
+              <a:t>JSON string to JS objects</a:t>
+            </a:r>
+          </a:p>
+        </p:txBody>
+      </p:sp>
+      <p:pic>
+        <p:nvPicPr>
+          <p:cNvPr id="7" name="Picture 6" descr="A screenshot of a computer code&#10;&#10;Description automatically generated">
+            <a:extLst>
+              <a:ext uri="{FF2B5EF4-FFF2-40B4-BE49-F238E27FC236}">
+                <a16:creationId xmlns:a16="http://schemas.microsoft.com/office/drawing/2014/main" id="{06EE2A94-A8C3-3D5A-3E90-B1B5694196C8}"/>
+              </a:ext>
+            </a:extLst>
+          </p:cNvPr>
+          <p:cNvPicPr>
+            <a:picLocks noChangeAspect="1"/>
+          </p:cNvPicPr>
+          <p:nvPr/>
+        </p:nvPicPr>
+        <p:blipFill>
+          <a:blip r:embed="rId2">
+            <a:extLst>
+              <a:ext uri="{28A0092B-C50C-407E-A947-70E740481C1C}">
+                <a14:useLocalDpi xmlns:a14="http://schemas.microsoft.com/office/drawing/2010/main" val="0"/>
+              </a:ext>
+            </a:extLst>
+          </a:blip>
+          <a:stretch>
+            <a:fillRect/>
+          </a:stretch>
+        </p:blipFill>
+        <p:spPr>
+          <a:xfrm>
+            <a:off x="738519" y="2281077"/>
+            <a:ext cx="6051340" cy="3431465"/>
+          </a:xfrm>
+          <a:prstGeom prst="rect">
+            <a:avLst/>
+          </a:prstGeom>
+        </p:spPr>
+      </p:pic>
+      <p:sp>
+        <p:nvSpPr>
+          <p:cNvPr id="8" name="Title 1">
+            <a:extLst>
+              <a:ext uri="{FF2B5EF4-FFF2-40B4-BE49-F238E27FC236}">
+                <a16:creationId xmlns:a16="http://schemas.microsoft.com/office/drawing/2014/main" id="{3C9DEDEC-C3C4-A58C-067B-0B7CE0AF05E6}"/>
+              </a:ext>
+            </a:extLst>
+          </p:cNvPr>
+          <p:cNvSpPr txBox="1">
+            <a:spLocks/>
+          </p:cNvSpPr>
+          <p:nvPr/>
+        </p:nvSpPr>
+        <p:spPr>
+          <a:xfrm>
+            <a:off x="6354097" y="797738"/>
+            <a:ext cx="5837903" cy="1325563"/>
+          </a:xfrm>
+          <a:prstGeom prst="rect">
+            <a:avLst/>
+          </a:prstGeom>
+        </p:spPr>
+        <p:txBody>
+          <a:bodyPr vert="horz" lIns="91440" tIns="45720" rIns="91440" bIns="45720" rtlCol="0" anchor="ctr">
+            <a:normAutofit/>
+          </a:bodyPr>
+          <a:lstStyle>
+            <a:lvl1pPr algn="l" defTabSz="914400" rtl="0" eaLnBrk="1" latinLnBrk="0" hangingPunct="1">
+              <a:lnSpc>
+                <a:spcPct val="90000"/>
+              </a:lnSpc>
+              <a:spcBef>
+                <a:spcPct val="0"/>
+              </a:spcBef>
+              <a:buNone/>
+              <a:defRPr sz="4400" kern="1200">
+                <a:solidFill>
+                  <a:schemeClr val="tx1"/>
+                </a:solidFill>
+                <a:latin typeface="+mj-lt"/>
+                <a:ea typeface="+mj-ea"/>
+                <a:cs typeface="+mj-cs"/>
+              </a:defRPr>
+            </a:lvl1pPr>
+          </a:lstStyle>
+          <a:p>
+            <a:r>
+              <a:rPr lang="en-US" dirty="0"/>
+              <a:t>JS objects to JSON string</a:t>
+            </a:r>
+          </a:p>
+        </p:txBody>
+      </p:sp>
+      <p:pic>
+        <p:nvPicPr>
+          <p:cNvPr id="10" name="Picture 9" descr="A computer screen shot of a computer code&#10;&#10;Description automatically generated">
+            <a:extLst>
+              <a:ext uri="{FF2B5EF4-FFF2-40B4-BE49-F238E27FC236}">
+                <a16:creationId xmlns:a16="http://schemas.microsoft.com/office/drawing/2014/main" id="{FC2AF522-5BC9-F831-88BD-572F5E05860C}"/>
+              </a:ext>
+            </a:extLst>
+          </p:cNvPr>
+          <p:cNvPicPr>
+            <a:picLocks noChangeAspect="1"/>
+          </p:cNvPicPr>
+          <p:nvPr/>
+        </p:nvPicPr>
+        <p:blipFill>
+          <a:blip r:embed="rId3">
+            <a:extLst>
+              <a:ext uri="{28A0092B-C50C-407E-A947-70E740481C1C}">
+                <a14:useLocalDpi xmlns:a14="http://schemas.microsoft.com/office/drawing/2010/main" val="0"/>
+              </a:ext>
+            </a:extLst>
+          </a:blip>
+          <a:stretch>
+            <a:fillRect/>
+          </a:stretch>
+        </p:blipFill>
+        <p:spPr>
+          <a:xfrm>
+            <a:off x="6634254" y="2786411"/>
+            <a:ext cx="5277587" cy="1619476"/>
+          </a:xfrm>
+          <a:prstGeom prst="rect">
+            <a:avLst/>
+          </a:prstGeom>
+        </p:spPr>
+      </p:pic>
+    </p:spTree>
+    <p:extLst>
+      <p:ext uri="{BB962C8B-B14F-4D97-AF65-F5344CB8AC3E}">
+        <p14:creationId xmlns:p14="http://schemas.microsoft.com/office/powerpoint/2010/main" val="838679781"/>
       </p:ext>
     </p:extLst>
   </p:cSld>

--- a/introduction to JS/javascript basic.pptx
+++ b/introduction to JS/javascript basic.pptx
@@ -40,6 +40,7 @@
     <p:sldId id="288" r:id="rId34"/>
     <p:sldId id="289" r:id="rId35"/>
     <p:sldId id="290" r:id="rId36"/>
+    <p:sldId id="291" r:id="rId37"/>
   </p:sldIdLst>
   <p:sldSz cx="12192000" cy="6858000"/>
   <p:notesSz cx="6858000" cy="9144000"/>
@@ -9174,6 +9175,86 @@
     <p:extLst>
       <p:ext uri="{BB962C8B-B14F-4D97-AF65-F5344CB8AC3E}">
         <p14:creationId xmlns:p14="http://schemas.microsoft.com/office/powerpoint/2010/main" val="838679781"/>
+      </p:ext>
+    </p:extLst>
+  </p:cSld>
+  <p:clrMapOvr>
+    <a:masterClrMapping/>
+  </p:clrMapOvr>
+</p:sld>
+</file>
+
+<file path=ppt/slides/slide36.xml><?xml version="1.0" encoding="utf-8"?>
+<p:sld xmlns:a="http://schemas.openxmlformats.org/drawingml/2006/main" xmlns:r="http://schemas.openxmlformats.org/officeDocument/2006/relationships" xmlns:p="http://schemas.openxmlformats.org/presentationml/2006/main">
+  <p:cSld>
+    <p:spTree>
+      <p:nvGrpSpPr>
+        <p:cNvPr id="1" name=""/>
+        <p:cNvGrpSpPr/>
+        <p:nvPr/>
+      </p:nvGrpSpPr>
+      <p:grpSpPr>
+        <a:xfrm>
+          <a:off x="0" y="0"/>
+          <a:ext cx="0" cy="0"/>
+          <a:chOff x="0" y="0"/>
+          <a:chExt cx="0" cy="0"/>
+        </a:xfrm>
+      </p:grpSpPr>
+      <p:sp>
+        <p:nvSpPr>
+          <p:cNvPr id="2" name="Title 1">
+            <a:extLst>
+              <a:ext uri="{FF2B5EF4-FFF2-40B4-BE49-F238E27FC236}">
+                <a16:creationId xmlns:a16="http://schemas.microsoft.com/office/drawing/2014/main" id="{D283EF65-C7A4-7EED-82C7-115E054B7585}"/>
+              </a:ext>
+            </a:extLst>
+          </p:cNvPr>
+          <p:cNvSpPr>
+            <a:spLocks noGrp="1"/>
+          </p:cNvSpPr>
+          <p:nvPr>
+            <p:ph type="title"/>
+          </p:nvPr>
+        </p:nvSpPr>
+        <p:spPr/>
+        <p:txBody>
+          <a:bodyPr/>
+          <a:lstStyle/>
+          <a:p>
+            <a:endParaRPr lang="en-US"/>
+          </a:p>
+        </p:txBody>
+      </p:sp>
+      <p:sp>
+        <p:nvSpPr>
+          <p:cNvPr id="3" name="Content Placeholder 2">
+            <a:extLst>
+              <a:ext uri="{FF2B5EF4-FFF2-40B4-BE49-F238E27FC236}">
+                <a16:creationId xmlns:a16="http://schemas.microsoft.com/office/drawing/2014/main" id="{0C725C7C-801B-9428-DA5B-5CAC761C9F2D}"/>
+              </a:ext>
+            </a:extLst>
+          </p:cNvPr>
+          <p:cNvSpPr>
+            <a:spLocks noGrp="1"/>
+          </p:cNvSpPr>
+          <p:nvPr>
+            <p:ph idx="1"/>
+          </p:nvPr>
+        </p:nvSpPr>
+        <p:spPr/>
+        <p:txBody>
+          <a:bodyPr/>
+          <a:lstStyle/>
+          <a:p>
+            <a:endParaRPr lang="en-US"/>
+          </a:p>
+        </p:txBody>
+      </p:sp>
+    </p:spTree>
+    <p:extLst>
+      <p:ext uri="{BB962C8B-B14F-4D97-AF65-F5344CB8AC3E}">
+        <p14:creationId xmlns:p14="http://schemas.microsoft.com/office/powerpoint/2010/main" val="2059716010"/>
       </p:ext>
     </p:extLst>
   </p:cSld>

--- a/introduction to JS/javascript basic.pptx
+++ b/introduction to JS/javascript basic.pptx
@@ -294,7 +294,7 @@
           <a:p>
             <a:fld id="{2E7F67CF-989E-474E-9B8A-E7CF5F77766D}" type="datetimeFigureOut">
               <a:rPr lang="en-US" smtClean="0"/>
-              <a:t>5/23/2024</a:t>
+              <a:t>5/24/2024</a:t>
             </a:fld>
             <a:endParaRPr lang="en-US"/>
           </a:p>
@@ -492,7 +492,7 @@
           <a:p>
             <a:fld id="{2E7F67CF-989E-474E-9B8A-E7CF5F77766D}" type="datetimeFigureOut">
               <a:rPr lang="en-US" smtClean="0"/>
-              <a:t>5/23/2024</a:t>
+              <a:t>5/24/2024</a:t>
             </a:fld>
             <a:endParaRPr lang="en-US"/>
           </a:p>
@@ -700,7 +700,7 @@
           <a:p>
             <a:fld id="{2E7F67CF-989E-474E-9B8A-E7CF5F77766D}" type="datetimeFigureOut">
               <a:rPr lang="en-US" smtClean="0"/>
-              <a:t>5/23/2024</a:t>
+              <a:t>5/24/2024</a:t>
             </a:fld>
             <a:endParaRPr lang="en-US"/>
           </a:p>
@@ -898,7 +898,7 @@
           <a:p>
             <a:fld id="{2E7F67CF-989E-474E-9B8A-E7CF5F77766D}" type="datetimeFigureOut">
               <a:rPr lang="en-US" smtClean="0"/>
-              <a:t>5/23/2024</a:t>
+              <a:t>5/24/2024</a:t>
             </a:fld>
             <a:endParaRPr lang="en-US"/>
           </a:p>
@@ -1173,7 +1173,7 @@
           <a:p>
             <a:fld id="{2E7F67CF-989E-474E-9B8A-E7CF5F77766D}" type="datetimeFigureOut">
               <a:rPr lang="en-US" smtClean="0"/>
-              <a:t>5/23/2024</a:t>
+              <a:t>5/24/2024</a:t>
             </a:fld>
             <a:endParaRPr lang="en-US"/>
           </a:p>
@@ -1438,7 +1438,7 @@
           <a:p>
             <a:fld id="{2E7F67CF-989E-474E-9B8A-E7CF5F77766D}" type="datetimeFigureOut">
               <a:rPr lang="en-US" smtClean="0"/>
-              <a:t>5/23/2024</a:t>
+              <a:t>5/24/2024</a:t>
             </a:fld>
             <a:endParaRPr lang="en-US"/>
           </a:p>
@@ -1850,7 +1850,7 @@
           <a:p>
             <a:fld id="{2E7F67CF-989E-474E-9B8A-E7CF5F77766D}" type="datetimeFigureOut">
               <a:rPr lang="en-US" smtClean="0"/>
-              <a:t>5/23/2024</a:t>
+              <a:t>5/24/2024</a:t>
             </a:fld>
             <a:endParaRPr lang="en-US"/>
           </a:p>
@@ -1991,7 +1991,7 @@
           <a:p>
             <a:fld id="{2E7F67CF-989E-474E-9B8A-E7CF5F77766D}" type="datetimeFigureOut">
               <a:rPr lang="en-US" smtClean="0"/>
-              <a:t>5/23/2024</a:t>
+              <a:t>5/24/2024</a:t>
             </a:fld>
             <a:endParaRPr lang="en-US"/>
           </a:p>
@@ -2104,7 +2104,7 @@
           <a:p>
             <a:fld id="{2E7F67CF-989E-474E-9B8A-E7CF5F77766D}" type="datetimeFigureOut">
               <a:rPr lang="en-US" smtClean="0"/>
-              <a:t>5/23/2024</a:t>
+              <a:t>5/24/2024</a:t>
             </a:fld>
             <a:endParaRPr lang="en-US"/>
           </a:p>
@@ -2415,7 +2415,7 @@
           <a:p>
             <a:fld id="{2E7F67CF-989E-474E-9B8A-E7CF5F77766D}" type="datetimeFigureOut">
               <a:rPr lang="en-US" smtClean="0"/>
-              <a:t>5/23/2024</a:t>
+              <a:t>5/24/2024</a:t>
             </a:fld>
             <a:endParaRPr lang="en-US"/>
           </a:p>
@@ -2703,7 +2703,7 @@
           <a:p>
             <a:fld id="{2E7F67CF-989E-474E-9B8A-E7CF5F77766D}" type="datetimeFigureOut">
               <a:rPr lang="en-US" smtClean="0"/>
-              <a:t>5/23/2024</a:t>
+              <a:t>5/24/2024</a:t>
             </a:fld>
             <a:endParaRPr lang="en-US"/>
           </a:p>
@@ -2944,7 +2944,7 @@
           <a:p>
             <a:fld id="{2E7F67CF-989E-474E-9B8A-E7CF5F77766D}" type="datetimeFigureOut">
               <a:rPr lang="en-US" smtClean="0"/>
-              <a:t>5/23/2024</a:t>
+              <a:t>5/24/2024</a:t>
             </a:fld>
             <a:endParaRPr lang="en-US"/>
           </a:p>
@@ -9222,7 +9222,10 @@
           <a:bodyPr/>
           <a:lstStyle/>
           <a:p>
-            <a:endParaRPr lang="en-US"/>
+            <a:r>
+              <a:rPr lang="en-US" dirty="0"/>
+              <a:t>Jest </a:t>
+            </a:r>
           </a:p>
         </p:txBody>
       </p:sp>
@@ -9247,10 +9250,173 @@
           <a:bodyPr/>
           <a:lstStyle/>
           <a:p>
-            <a:endParaRPr lang="en-US"/>
-          </a:p>
-        </p:txBody>
-      </p:sp>
+            <a:r>
+              <a:rPr lang="en-US" dirty="0" err="1"/>
+              <a:t>Npm</a:t>
+            </a:r>
+            <a:r>
+              <a:rPr lang="en-US" dirty="0"/>
+              <a:t> </a:t>
+            </a:r>
+            <a:r>
+              <a:rPr lang="en-US" dirty="0" err="1"/>
+              <a:t>init</a:t>
+            </a:r>
+            <a:r>
+              <a:rPr lang="en-US" dirty="0"/>
+              <a:t> –y   //install package</a:t>
+            </a:r>
+          </a:p>
+          <a:p>
+            <a:r>
+              <a:rPr lang="en-US" dirty="0" err="1"/>
+              <a:t>Npm</a:t>
+            </a:r>
+            <a:r>
+              <a:rPr lang="en-US" dirty="0"/>
+              <a:t> install –save-dev jest // install jest</a:t>
+            </a:r>
+          </a:p>
+          <a:p>
+            <a:r>
+              <a:rPr lang="en-US" dirty="0"/>
+              <a:t>In “</a:t>
+            </a:r>
+            <a:r>
+              <a:rPr lang="en-US" dirty="0" err="1"/>
+              <a:t>package.json</a:t>
+            </a:r>
+            <a:r>
+              <a:rPr lang="en-US" dirty="0"/>
+              <a:t>” file, change</a:t>
+            </a:r>
+          </a:p>
+          <a:p>
+            <a:endParaRPr lang="en-US" dirty="0"/>
+          </a:p>
+          <a:p>
+            <a:endParaRPr lang="en-US" dirty="0"/>
+          </a:p>
+          <a:p>
+            <a:r>
+              <a:rPr lang="en-US" dirty="0" err="1"/>
+              <a:t>Npm</a:t>
+            </a:r>
+            <a:r>
+              <a:rPr lang="en-US" dirty="0"/>
+              <a:t> run test </a:t>
+            </a:r>
+          </a:p>
+        </p:txBody>
+      </p:sp>
+      <p:pic>
+        <p:nvPicPr>
+          <p:cNvPr id="5" name="Picture 4" descr="A computer screen with text&#10;&#10;Description automatically generated">
+            <a:extLst>
+              <a:ext uri="{FF2B5EF4-FFF2-40B4-BE49-F238E27FC236}">
+                <a16:creationId xmlns:a16="http://schemas.microsoft.com/office/drawing/2014/main" id="{A26701F8-B095-036A-1A6F-F6D16D42B49D}"/>
+              </a:ext>
+            </a:extLst>
+          </p:cNvPr>
+          <p:cNvPicPr>
+            <a:picLocks noChangeAspect="1"/>
+          </p:cNvPicPr>
+          <p:nvPr/>
+        </p:nvPicPr>
+        <p:blipFill>
+          <a:blip r:embed="rId2">
+            <a:extLst>
+              <a:ext uri="{28A0092B-C50C-407E-A947-70E740481C1C}">
+                <a14:useLocalDpi xmlns:a14="http://schemas.microsoft.com/office/drawing/2010/main" val="0"/>
+              </a:ext>
+            </a:extLst>
+          </a:blip>
+          <a:stretch>
+            <a:fillRect/>
+          </a:stretch>
+        </p:blipFill>
+        <p:spPr>
+          <a:xfrm>
+            <a:off x="6096000" y="2852088"/>
+            <a:ext cx="1638529" cy="504895"/>
+          </a:xfrm>
+          <a:prstGeom prst="rect">
+            <a:avLst/>
+          </a:prstGeom>
+        </p:spPr>
+      </p:pic>
+      <p:pic>
+        <p:nvPicPr>
+          <p:cNvPr id="7" name="Picture 6" descr="A black background with text&#10;&#10;Description automatically generated">
+            <a:extLst>
+              <a:ext uri="{FF2B5EF4-FFF2-40B4-BE49-F238E27FC236}">
+                <a16:creationId xmlns:a16="http://schemas.microsoft.com/office/drawing/2014/main" id="{CE3D2CE4-A966-1101-7761-04AF67F038BB}"/>
+              </a:ext>
+            </a:extLst>
+          </p:cNvPr>
+          <p:cNvPicPr>
+            <a:picLocks noChangeAspect="1"/>
+          </p:cNvPicPr>
+          <p:nvPr/>
+        </p:nvPicPr>
+        <p:blipFill>
+          <a:blip r:embed="rId3">
+            <a:extLst>
+              <a:ext uri="{28A0092B-C50C-407E-A947-70E740481C1C}">
+                <a14:useLocalDpi xmlns:a14="http://schemas.microsoft.com/office/drawing/2010/main" val="0"/>
+              </a:ext>
+            </a:extLst>
+          </a:blip>
+          <a:stretch>
+            <a:fillRect/>
+          </a:stretch>
+        </p:blipFill>
+        <p:spPr>
+          <a:xfrm>
+            <a:off x="1186172" y="3486252"/>
+            <a:ext cx="4372585" cy="638264"/>
+          </a:xfrm>
+          <a:prstGeom prst="rect">
+            <a:avLst/>
+          </a:prstGeom>
+        </p:spPr>
+      </p:pic>
+      <p:pic>
+        <p:nvPicPr>
+          <p:cNvPr id="9" name="Picture 8">
+            <a:extLst>
+              <a:ext uri="{FF2B5EF4-FFF2-40B4-BE49-F238E27FC236}">
+                <a16:creationId xmlns:a16="http://schemas.microsoft.com/office/drawing/2014/main" id="{EECA4D86-0E07-D4A0-39E6-7DEF271D252D}"/>
+              </a:ext>
+            </a:extLst>
+          </p:cNvPr>
+          <p:cNvPicPr>
+            <a:picLocks noChangeAspect="1"/>
+          </p:cNvPicPr>
+          <p:nvPr/>
+        </p:nvPicPr>
+        <p:blipFill>
+          <a:blip r:embed="rId4">
+            <a:extLst>
+              <a:ext uri="{28A0092B-C50C-407E-A947-70E740481C1C}">
+                <a14:useLocalDpi xmlns:a14="http://schemas.microsoft.com/office/drawing/2010/main" val="0"/>
+              </a:ext>
+            </a:extLst>
+          </a:blip>
+          <a:stretch>
+            <a:fillRect/>
+          </a:stretch>
+        </p:blipFill>
+        <p:spPr>
+          <a:xfrm>
+            <a:off x="1334569" y="5096770"/>
+            <a:ext cx="2286319" cy="381053"/>
+          </a:xfrm>
+          <a:prstGeom prst="rect">
+            <a:avLst/>
+          </a:prstGeom>
+        </p:spPr>
+      </p:pic>
     </p:spTree>
     <p:extLst>
       <p:ext uri="{BB962C8B-B14F-4D97-AF65-F5344CB8AC3E}">
